--- a/presentation/cloud computing presentation2.pptx
+++ b/presentation/cloud computing presentation2.pptx
@@ -5,15 +5,17 @@
     <p:sldMasterId id="2147483648" r:id="rId1"/>
   </p:sldMasterIdLst>
   <p:notesMasterIdLst>
-    <p:notesMasterId r:id="rId8"/>
+    <p:notesMasterId r:id="rId10"/>
   </p:notesMasterIdLst>
   <p:sldIdLst>
     <p:sldId id="256" r:id="rId2"/>
     <p:sldId id="273" r:id="rId3"/>
     <p:sldId id="274" r:id="rId4"/>
     <p:sldId id="278" r:id="rId5"/>
-    <p:sldId id="271" r:id="rId6"/>
-    <p:sldId id="276" r:id="rId7"/>
+    <p:sldId id="280" r:id="rId6"/>
+    <p:sldId id="279" r:id="rId7"/>
+    <p:sldId id="271" r:id="rId8"/>
+    <p:sldId id="276" r:id="rId9"/>
   </p:sldIdLst>
   <p:sldSz cx="12192000" cy="6858000"/>
   <p:notesSz cx="6858000" cy="9144000"/>
@@ -114,7 +116,7 @@
   </p:defaultTextStyle>
   <p:extLst>
     <p:ext uri="{EFAFB233-063F-42B5-8137-9DF3F51BA10A}">
-      <p15:sldGuideLst xmlns:p15="http://schemas.microsoft.com/office/powerpoint/2012/main">
+      <p15:sldGuideLst xmlns:p15="http://schemas.microsoft.com/office/powerpoint/2012/main" xmlns="">
         <p15:guide id="1" orient="horz" pos="2160">
           <p15:clr>
             <a:srgbClr val="A4A3A4"/>
@@ -213,7 +215,7 @@
           <a:p>
             <a:fld id="{32BC66AA-5916-4D8E-B434-480396A2D165}" type="datetimeFigureOut">
               <a:rPr lang="de-DE" smtClean="0"/>
-              <a:t>04.12.18</a:t>
+              <a:t>05.12.2018</a:t>
             </a:fld>
             <a:endParaRPr lang="de-DE"/>
           </a:p>
@@ -371,7 +373,7 @@
           <a:p>
             <a:fld id="{A71AA13E-AEFA-4368-ACAC-D47EE46A9020}" type="slidenum">
               <a:rPr lang="de-DE" smtClean="0"/>
-              <a:t>‹#›</a:t>
+              <a:t>‹Nr.›</a:t>
             </a:fld>
             <a:endParaRPr lang="de-DE"/>
           </a:p>
@@ -502,7 +504,7 @@
           <p:cNvPr id="2" name="Titel 1">
             <a:extLst>
               <a:ext uri="{FF2B5EF4-FFF2-40B4-BE49-F238E27FC236}">
-                <a16:creationId xmlns="" xmlns:a16="http://schemas.microsoft.com/office/drawing/2014/main" id="{47F32ECD-C87E-4061-9AAE-1F8D7D9DD4C5}"/>
+                <a16:creationId xmlns:a16="http://schemas.microsoft.com/office/drawing/2014/main" xmlns="" id="{47F32ECD-C87E-4061-9AAE-1F8D7D9DD4C5}"/>
               </a:ext>
             </a:extLst>
           </p:cNvPr>
@@ -539,7 +541,7 @@
           <p:cNvPr id="3" name="Untertitel 2">
             <a:extLst>
               <a:ext uri="{FF2B5EF4-FFF2-40B4-BE49-F238E27FC236}">
-                <a16:creationId xmlns="" xmlns:a16="http://schemas.microsoft.com/office/drawing/2014/main" id="{371866B0-1D99-4A42-B5FA-9C6DC500B725}"/>
+                <a16:creationId xmlns:a16="http://schemas.microsoft.com/office/drawing/2014/main" xmlns="" id="{371866B0-1D99-4A42-B5FA-9C6DC500B725}"/>
               </a:ext>
             </a:extLst>
           </p:cNvPr>
@@ -609,7 +611,7 @@
           <p:cNvPr id="4" name="Datumsplatzhalter 3">
             <a:extLst>
               <a:ext uri="{FF2B5EF4-FFF2-40B4-BE49-F238E27FC236}">
-                <a16:creationId xmlns="" xmlns:a16="http://schemas.microsoft.com/office/drawing/2014/main" id="{DD6CB4BA-2F12-421F-BD68-5F80033A9471}"/>
+                <a16:creationId xmlns:a16="http://schemas.microsoft.com/office/drawing/2014/main" xmlns="" id="{DD6CB4BA-2F12-421F-BD68-5F80033A9471}"/>
               </a:ext>
             </a:extLst>
           </p:cNvPr>
@@ -627,7 +629,7 @@
           <a:p>
             <a:fld id="{10C20212-6912-4CB9-BA8A-92F5038E90D5}" type="datetime1">
               <a:rPr lang="de-DE" smtClean="0"/>
-              <a:t>04.12.18</a:t>
+              <a:t>05.12.2018</a:t>
             </a:fld>
             <a:endParaRPr lang="de-DE"/>
           </a:p>
@@ -638,7 +640,7 @@
           <p:cNvPr id="5" name="Fußzeilenplatzhalter 4">
             <a:extLst>
               <a:ext uri="{FF2B5EF4-FFF2-40B4-BE49-F238E27FC236}">
-                <a16:creationId xmlns="" xmlns:a16="http://schemas.microsoft.com/office/drawing/2014/main" id="{95C62F31-C1E7-49BB-9392-C21299B4F92F}"/>
+                <a16:creationId xmlns:a16="http://schemas.microsoft.com/office/drawing/2014/main" xmlns="" id="{95C62F31-C1E7-49BB-9392-C21299B4F92F}"/>
               </a:ext>
             </a:extLst>
           </p:cNvPr>
@@ -667,7 +669,7 @@
           <p:cNvPr id="6" name="Foliennummernplatzhalter 5">
             <a:extLst>
               <a:ext uri="{FF2B5EF4-FFF2-40B4-BE49-F238E27FC236}">
-                <a16:creationId xmlns="" xmlns:a16="http://schemas.microsoft.com/office/drawing/2014/main" id="{DD570586-B3D0-451F-A090-DAD3903BB37D}"/>
+                <a16:creationId xmlns:a16="http://schemas.microsoft.com/office/drawing/2014/main" xmlns="" id="{DD570586-B3D0-451F-A090-DAD3903BB37D}"/>
               </a:ext>
             </a:extLst>
           </p:cNvPr>
@@ -685,7 +687,7 @@
           <a:p>
             <a:fld id="{84940753-34CA-4D56-AA4B-98285DECA8F8}" type="slidenum">
               <a:rPr lang="de-DE" smtClean="0"/>
-              <a:t>‹#›</a:t>
+              <a:t>‹Nr.›</a:t>
             </a:fld>
             <a:endParaRPr lang="de-DE"/>
           </a:p>
@@ -726,7 +728,7 @@
           <p:cNvPr id="2" name="Titel 1">
             <a:extLst>
               <a:ext uri="{FF2B5EF4-FFF2-40B4-BE49-F238E27FC236}">
-                <a16:creationId xmlns="" xmlns:a16="http://schemas.microsoft.com/office/drawing/2014/main" id="{6F9B3086-9047-4EE5-82AD-7A329984A073}"/>
+                <a16:creationId xmlns:a16="http://schemas.microsoft.com/office/drawing/2014/main" xmlns="" id="{6F9B3086-9047-4EE5-82AD-7A329984A073}"/>
               </a:ext>
             </a:extLst>
           </p:cNvPr>
@@ -754,7 +756,7 @@
           <p:cNvPr id="3" name="Vertikaler Textplatzhalter 2">
             <a:extLst>
               <a:ext uri="{FF2B5EF4-FFF2-40B4-BE49-F238E27FC236}">
-                <a16:creationId xmlns="" xmlns:a16="http://schemas.microsoft.com/office/drawing/2014/main" id="{799D640B-47FF-4251-AF96-5AA81351E6D3}"/>
+                <a16:creationId xmlns:a16="http://schemas.microsoft.com/office/drawing/2014/main" xmlns="" id="{799D640B-47FF-4251-AF96-5AA81351E6D3}"/>
               </a:ext>
             </a:extLst>
           </p:cNvPr>
@@ -811,7 +813,7 @@
           <p:cNvPr id="4" name="Datumsplatzhalter 3">
             <a:extLst>
               <a:ext uri="{FF2B5EF4-FFF2-40B4-BE49-F238E27FC236}">
-                <a16:creationId xmlns="" xmlns:a16="http://schemas.microsoft.com/office/drawing/2014/main" id="{4B6AEB78-B248-46C8-88F0-8E7E80FF13C2}"/>
+                <a16:creationId xmlns:a16="http://schemas.microsoft.com/office/drawing/2014/main" xmlns="" id="{4B6AEB78-B248-46C8-88F0-8E7E80FF13C2}"/>
               </a:ext>
             </a:extLst>
           </p:cNvPr>
@@ -829,7 +831,7 @@
           <a:p>
             <a:fld id="{72489F5C-C38F-42CF-8E19-FAF83EBCA64F}" type="datetime1">
               <a:rPr lang="de-DE" smtClean="0"/>
-              <a:t>04.12.18</a:t>
+              <a:t>05.12.2018</a:t>
             </a:fld>
             <a:endParaRPr lang="de-DE"/>
           </a:p>
@@ -840,7 +842,7 @@
           <p:cNvPr id="5" name="Fußzeilenplatzhalter 4">
             <a:extLst>
               <a:ext uri="{FF2B5EF4-FFF2-40B4-BE49-F238E27FC236}">
-                <a16:creationId xmlns="" xmlns:a16="http://schemas.microsoft.com/office/drawing/2014/main" id="{90F406D5-4E9E-4F99-8593-160AC712F047}"/>
+                <a16:creationId xmlns:a16="http://schemas.microsoft.com/office/drawing/2014/main" xmlns="" id="{90F406D5-4E9E-4F99-8593-160AC712F047}"/>
               </a:ext>
             </a:extLst>
           </p:cNvPr>
@@ -869,7 +871,7 @@
           <p:cNvPr id="6" name="Foliennummernplatzhalter 5">
             <a:extLst>
               <a:ext uri="{FF2B5EF4-FFF2-40B4-BE49-F238E27FC236}">
-                <a16:creationId xmlns="" xmlns:a16="http://schemas.microsoft.com/office/drawing/2014/main" id="{59962D6A-AAB6-4EDB-9EDE-E63D6BA1DEB0}"/>
+                <a16:creationId xmlns:a16="http://schemas.microsoft.com/office/drawing/2014/main" xmlns="" id="{59962D6A-AAB6-4EDB-9EDE-E63D6BA1DEB0}"/>
               </a:ext>
             </a:extLst>
           </p:cNvPr>
@@ -887,7 +889,7 @@
           <a:p>
             <a:fld id="{84940753-34CA-4D56-AA4B-98285DECA8F8}" type="slidenum">
               <a:rPr lang="de-DE" smtClean="0"/>
-              <a:t>‹#›</a:t>
+              <a:t>‹Nr.›</a:t>
             </a:fld>
             <a:endParaRPr lang="de-DE"/>
           </a:p>
@@ -928,7 +930,7 @@
           <p:cNvPr id="2" name="Vertikaler Titel 1">
             <a:extLst>
               <a:ext uri="{FF2B5EF4-FFF2-40B4-BE49-F238E27FC236}">
-                <a16:creationId xmlns="" xmlns:a16="http://schemas.microsoft.com/office/drawing/2014/main" id="{7798136F-04A2-4B9A-B7BF-EB007BC88E14}"/>
+                <a16:creationId xmlns:a16="http://schemas.microsoft.com/office/drawing/2014/main" xmlns="" id="{7798136F-04A2-4B9A-B7BF-EB007BC88E14}"/>
               </a:ext>
             </a:extLst>
           </p:cNvPr>
@@ -961,7 +963,7 @@
           <p:cNvPr id="3" name="Vertikaler Textplatzhalter 2">
             <a:extLst>
               <a:ext uri="{FF2B5EF4-FFF2-40B4-BE49-F238E27FC236}">
-                <a16:creationId xmlns="" xmlns:a16="http://schemas.microsoft.com/office/drawing/2014/main" id="{9460204F-62D3-485B-8053-3CA2469C680C}"/>
+                <a16:creationId xmlns:a16="http://schemas.microsoft.com/office/drawing/2014/main" xmlns="" id="{9460204F-62D3-485B-8053-3CA2469C680C}"/>
               </a:ext>
             </a:extLst>
           </p:cNvPr>
@@ -1023,7 +1025,7 @@
           <p:cNvPr id="4" name="Datumsplatzhalter 3">
             <a:extLst>
               <a:ext uri="{FF2B5EF4-FFF2-40B4-BE49-F238E27FC236}">
-                <a16:creationId xmlns="" xmlns:a16="http://schemas.microsoft.com/office/drawing/2014/main" id="{7527FA46-C341-48B3-8F03-5D6ADE1731B7}"/>
+                <a16:creationId xmlns:a16="http://schemas.microsoft.com/office/drawing/2014/main" xmlns="" id="{7527FA46-C341-48B3-8F03-5D6ADE1731B7}"/>
               </a:ext>
             </a:extLst>
           </p:cNvPr>
@@ -1041,7 +1043,7 @@
           <a:p>
             <a:fld id="{48B29C9E-4509-43CE-BD76-E1F3DCF23354}" type="datetime1">
               <a:rPr lang="de-DE" smtClean="0"/>
-              <a:t>04.12.18</a:t>
+              <a:t>05.12.2018</a:t>
             </a:fld>
             <a:endParaRPr lang="de-DE"/>
           </a:p>
@@ -1052,7 +1054,7 @@
           <p:cNvPr id="5" name="Fußzeilenplatzhalter 4">
             <a:extLst>
               <a:ext uri="{FF2B5EF4-FFF2-40B4-BE49-F238E27FC236}">
-                <a16:creationId xmlns="" xmlns:a16="http://schemas.microsoft.com/office/drawing/2014/main" id="{5E547F93-42B5-4DE3-B4BB-7D3E6962FE7B}"/>
+                <a16:creationId xmlns:a16="http://schemas.microsoft.com/office/drawing/2014/main" xmlns="" id="{5E547F93-42B5-4DE3-B4BB-7D3E6962FE7B}"/>
               </a:ext>
             </a:extLst>
           </p:cNvPr>
@@ -1081,7 +1083,7 @@
           <p:cNvPr id="6" name="Foliennummernplatzhalter 5">
             <a:extLst>
               <a:ext uri="{FF2B5EF4-FFF2-40B4-BE49-F238E27FC236}">
-                <a16:creationId xmlns="" xmlns:a16="http://schemas.microsoft.com/office/drawing/2014/main" id="{CB7AF820-0376-4344-867E-1626EB42AB4F}"/>
+                <a16:creationId xmlns:a16="http://schemas.microsoft.com/office/drawing/2014/main" xmlns="" id="{CB7AF820-0376-4344-867E-1626EB42AB4F}"/>
               </a:ext>
             </a:extLst>
           </p:cNvPr>
@@ -1099,7 +1101,7 @@
           <a:p>
             <a:fld id="{84940753-34CA-4D56-AA4B-98285DECA8F8}" type="slidenum">
               <a:rPr lang="de-DE" smtClean="0"/>
-              <a:t>‹#›</a:t>
+              <a:t>‹Nr.›</a:t>
             </a:fld>
             <a:endParaRPr lang="de-DE"/>
           </a:p>
@@ -1140,7 +1142,7 @@
           <p:cNvPr id="2" name="Titel 1">
             <a:extLst>
               <a:ext uri="{FF2B5EF4-FFF2-40B4-BE49-F238E27FC236}">
-                <a16:creationId xmlns="" xmlns:a16="http://schemas.microsoft.com/office/drawing/2014/main" id="{C39727A8-9141-4756-B386-693EDDA95A69}"/>
+                <a16:creationId xmlns:a16="http://schemas.microsoft.com/office/drawing/2014/main" xmlns="" id="{C39727A8-9141-4756-B386-693EDDA95A69}"/>
               </a:ext>
             </a:extLst>
           </p:cNvPr>
@@ -1168,7 +1170,7 @@
           <p:cNvPr id="3" name="Inhaltsplatzhalter 2">
             <a:extLst>
               <a:ext uri="{FF2B5EF4-FFF2-40B4-BE49-F238E27FC236}">
-                <a16:creationId xmlns="" xmlns:a16="http://schemas.microsoft.com/office/drawing/2014/main" id="{278D032C-380F-441C-9EE2-5AC92171BADA}"/>
+                <a16:creationId xmlns:a16="http://schemas.microsoft.com/office/drawing/2014/main" xmlns="" id="{278D032C-380F-441C-9EE2-5AC92171BADA}"/>
               </a:ext>
             </a:extLst>
           </p:cNvPr>
@@ -1225,7 +1227,7 @@
           <p:cNvPr id="4" name="Datumsplatzhalter 3">
             <a:extLst>
               <a:ext uri="{FF2B5EF4-FFF2-40B4-BE49-F238E27FC236}">
-                <a16:creationId xmlns="" xmlns:a16="http://schemas.microsoft.com/office/drawing/2014/main" id="{CD18ED52-0769-4CE1-9250-E8E9301A63C0}"/>
+                <a16:creationId xmlns:a16="http://schemas.microsoft.com/office/drawing/2014/main" xmlns="" id="{CD18ED52-0769-4CE1-9250-E8E9301A63C0}"/>
               </a:ext>
             </a:extLst>
           </p:cNvPr>
@@ -1243,7 +1245,7 @@
           <a:p>
             <a:fld id="{D89661FF-525F-4690-9E34-0B7C70CE610B}" type="datetime1">
               <a:rPr lang="de-DE" smtClean="0"/>
-              <a:t>04.12.18</a:t>
+              <a:t>05.12.2018</a:t>
             </a:fld>
             <a:endParaRPr lang="de-DE"/>
           </a:p>
@@ -1254,7 +1256,7 @@
           <p:cNvPr id="5" name="Fußzeilenplatzhalter 4">
             <a:extLst>
               <a:ext uri="{FF2B5EF4-FFF2-40B4-BE49-F238E27FC236}">
-                <a16:creationId xmlns="" xmlns:a16="http://schemas.microsoft.com/office/drawing/2014/main" id="{8D01277F-6318-45A4-BE2F-524202A90984}"/>
+                <a16:creationId xmlns:a16="http://schemas.microsoft.com/office/drawing/2014/main" xmlns="" id="{8D01277F-6318-45A4-BE2F-524202A90984}"/>
               </a:ext>
             </a:extLst>
           </p:cNvPr>
@@ -1283,7 +1285,7 @@
           <p:cNvPr id="6" name="Foliennummernplatzhalter 5">
             <a:extLst>
               <a:ext uri="{FF2B5EF4-FFF2-40B4-BE49-F238E27FC236}">
-                <a16:creationId xmlns="" xmlns:a16="http://schemas.microsoft.com/office/drawing/2014/main" id="{5BD6E8CE-0389-468F-9956-743DD64BA700}"/>
+                <a16:creationId xmlns:a16="http://schemas.microsoft.com/office/drawing/2014/main" xmlns="" id="{5BD6E8CE-0389-468F-9956-743DD64BA700}"/>
               </a:ext>
             </a:extLst>
           </p:cNvPr>
@@ -1301,7 +1303,7 @@
           <a:p>
             <a:fld id="{84940753-34CA-4D56-AA4B-98285DECA8F8}" type="slidenum">
               <a:rPr lang="de-DE" smtClean="0"/>
-              <a:t>‹#›</a:t>
+              <a:t>‹Nr.›</a:t>
             </a:fld>
             <a:endParaRPr lang="de-DE"/>
           </a:p>
@@ -1342,7 +1344,7 @@
           <p:cNvPr id="2" name="Titel 1">
             <a:extLst>
               <a:ext uri="{FF2B5EF4-FFF2-40B4-BE49-F238E27FC236}">
-                <a16:creationId xmlns="" xmlns:a16="http://schemas.microsoft.com/office/drawing/2014/main" id="{A3F697E2-E0B6-47FC-A332-B3AB194E4D29}"/>
+                <a16:creationId xmlns:a16="http://schemas.microsoft.com/office/drawing/2014/main" xmlns="" id="{A3F697E2-E0B6-47FC-A332-B3AB194E4D29}"/>
               </a:ext>
             </a:extLst>
           </p:cNvPr>
@@ -1379,7 +1381,7 @@
           <p:cNvPr id="3" name="Textplatzhalter 2">
             <a:extLst>
               <a:ext uri="{FF2B5EF4-FFF2-40B4-BE49-F238E27FC236}">
-                <a16:creationId xmlns="" xmlns:a16="http://schemas.microsoft.com/office/drawing/2014/main" id="{9F1AB9FB-6A1C-4875-A7B0-2F4BB4090421}"/>
+                <a16:creationId xmlns:a16="http://schemas.microsoft.com/office/drawing/2014/main" xmlns="" id="{9F1AB9FB-6A1C-4875-A7B0-2F4BB4090421}"/>
               </a:ext>
             </a:extLst>
           </p:cNvPr>
@@ -1504,7 +1506,7 @@
           <p:cNvPr id="4" name="Datumsplatzhalter 3">
             <a:extLst>
               <a:ext uri="{FF2B5EF4-FFF2-40B4-BE49-F238E27FC236}">
-                <a16:creationId xmlns="" xmlns:a16="http://schemas.microsoft.com/office/drawing/2014/main" id="{0C12C9C1-9040-4AC0-AA43-827BFBBCC594}"/>
+                <a16:creationId xmlns:a16="http://schemas.microsoft.com/office/drawing/2014/main" xmlns="" id="{0C12C9C1-9040-4AC0-AA43-827BFBBCC594}"/>
               </a:ext>
             </a:extLst>
           </p:cNvPr>
@@ -1522,7 +1524,7 @@
           <a:p>
             <a:fld id="{8DAFCA1D-549F-46C1-BD25-E0C4D536C2B6}" type="datetime1">
               <a:rPr lang="de-DE" smtClean="0"/>
-              <a:t>04.12.18</a:t>
+              <a:t>05.12.2018</a:t>
             </a:fld>
             <a:endParaRPr lang="de-DE"/>
           </a:p>
@@ -1533,7 +1535,7 @@
           <p:cNvPr id="5" name="Fußzeilenplatzhalter 4">
             <a:extLst>
               <a:ext uri="{FF2B5EF4-FFF2-40B4-BE49-F238E27FC236}">
-                <a16:creationId xmlns="" xmlns:a16="http://schemas.microsoft.com/office/drawing/2014/main" id="{3A2EF2E5-7166-4DBB-B550-EFDB8087EFCE}"/>
+                <a16:creationId xmlns:a16="http://schemas.microsoft.com/office/drawing/2014/main" xmlns="" id="{3A2EF2E5-7166-4DBB-B550-EFDB8087EFCE}"/>
               </a:ext>
             </a:extLst>
           </p:cNvPr>
@@ -1562,7 +1564,7 @@
           <p:cNvPr id="6" name="Foliennummernplatzhalter 5">
             <a:extLst>
               <a:ext uri="{FF2B5EF4-FFF2-40B4-BE49-F238E27FC236}">
-                <a16:creationId xmlns="" xmlns:a16="http://schemas.microsoft.com/office/drawing/2014/main" id="{CA891853-BC5F-45A8-B3FC-6552F9FB0215}"/>
+                <a16:creationId xmlns:a16="http://schemas.microsoft.com/office/drawing/2014/main" xmlns="" id="{CA891853-BC5F-45A8-B3FC-6552F9FB0215}"/>
               </a:ext>
             </a:extLst>
           </p:cNvPr>
@@ -1580,7 +1582,7 @@
           <a:p>
             <a:fld id="{84940753-34CA-4D56-AA4B-98285DECA8F8}" type="slidenum">
               <a:rPr lang="de-DE" smtClean="0"/>
-              <a:t>‹#›</a:t>
+              <a:t>‹Nr.›</a:t>
             </a:fld>
             <a:endParaRPr lang="de-DE"/>
           </a:p>
@@ -1621,7 +1623,7 @@
           <p:cNvPr id="2" name="Titel 1">
             <a:extLst>
               <a:ext uri="{FF2B5EF4-FFF2-40B4-BE49-F238E27FC236}">
-                <a16:creationId xmlns="" xmlns:a16="http://schemas.microsoft.com/office/drawing/2014/main" id="{3DF2AAAF-41CE-4A97-961A-82D7B9BF45BD}"/>
+                <a16:creationId xmlns:a16="http://schemas.microsoft.com/office/drawing/2014/main" xmlns="" id="{3DF2AAAF-41CE-4A97-961A-82D7B9BF45BD}"/>
               </a:ext>
             </a:extLst>
           </p:cNvPr>
@@ -1649,7 +1651,7 @@
           <p:cNvPr id="3" name="Inhaltsplatzhalter 2">
             <a:extLst>
               <a:ext uri="{FF2B5EF4-FFF2-40B4-BE49-F238E27FC236}">
-                <a16:creationId xmlns="" xmlns:a16="http://schemas.microsoft.com/office/drawing/2014/main" id="{3147A1BB-6E8F-4867-8C7E-CA1CE6C448EA}"/>
+                <a16:creationId xmlns:a16="http://schemas.microsoft.com/office/drawing/2014/main" xmlns="" id="{3147A1BB-6E8F-4867-8C7E-CA1CE6C448EA}"/>
               </a:ext>
             </a:extLst>
           </p:cNvPr>
@@ -1711,7 +1713,7 @@
           <p:cNvPr id="4" name="Inhaltsplatzhalter 3">
             <a:extLst>
               <a:ext uri="{FF2B5EF4-FFF2-40B4-BE49-F238E27FC236}">
-                <a16:creationId xmlns="" xmlns:a16="http://schemas.microsoft.com/office/drawing/2014/main" id="{61F4C39D-27A6-4DA6-B8F2-2E1AD5C059C4}"/>
+                <a16:creationId xmlns:a16="http://schemas.microsoft.com/office/drawing/2014/main" xmlns="" id="{61F4C39D-27A6-4DA6-B8F2-2E1AD5C059C4}"/>
               </a:ext>
             </a:extLst>
           </p:cNvPr>
@@ -1773,7 +1775,7 @@
           <p:cNvPr id="5" name="Datumsplatzhalter 4">
             <a:extLst>
               <a:ext uri="{FF2B5EF4-FFF2-40B4-BE49-F238E27FC236}">
-                <a16:creationId xmlns="" xmlns:a16="http://schemas.microsoft.com/office/drawing/2014/main" id="{36012217-39AA-4639-9EC5-80D267938EAC}"/>
+                <a16:creationId xmlns:a16="http://schemas.microsoft.com/office/drawing/2014/main" xmlns="" id="{36012217-39AA-4639-9EC5-80D267938EAC}"/>
               </a:ext>
             </a:extLst>
           </p:cNvPr>
@@ -1791,7 +1793,7 @@
           <a:p>
             <a:fld id="{5A45595E-46AF-4B40-AA0B-0A8160D8D0C6}" type="datetime1">
               <a:rPr lang="de-DE" smtClean="0"/>
-              <a:t>04.12.18</a:t>
+              <a:t>05.12.2018</a:t>
             </a:fld>
             <a:endParaRPr lang="de-DE"/>
           </a:p>
@@ -1802,7 +1804,7 @@
           <p:cNvPr id="6" name="Fußzeilenplatzhalter 5">
             <a:extLst>
               <a:ext uri="{FF2B5EF4-FFF2-40B4-BE49-F238E27FC236}">
-                <a16:creationId xmlns="" xmlns:a16="http://schemas.microsoft.com/office/drawing/2014/main" id="{6D803B97-F703-4D46-8DD5-FB09EBCBAF5E}"/>
+                <a16:creationId xmlns:a16="http://schemas.microsoft.com/office/drawing/2014/main" xmlns="" id="{6D803B97-F703-4D46-8DD5-FB09EBCBAF5E}"/>
               </a:ext>
             </a:extLst>
           </p:cNvPr>
@@ -1831,7 +1833,7 @@
           <p:cNvPr id="7" name="Foliennummernplatzhalter 6">
             <a:extLst>
               <a:ext uri="{FF2B5EF4-FFF2-40B4-BE49-F238E27FC236}">
-                <a16:creationId xmlns="" xmlns:a16="http://schemas.microsoft.com/office/drawing/2014/main" id="{05F3EC89-5091-4A2A-9C9C-C86C665226D9}"/>
+                <a16:creationId xmlns:a16="http://schemas.microsoft.com/office/drawing/2014/main" xmlns="" id="{05F3EC89-5091-4A2A-9C9C-C86C665226D9}"/>
               </a:ext>
             </a:extLst>
           </p:cNvPr>
@@ -1849,7 +1851,7 @@
           <a:p>
             <a:fld id="{84940753-34CA-4D56-AA4B-98285DECA8F8}" type="slidenum">
               <a:rPr lang="de-DE" smtClean="0"/>
-              <a:t>‹#›</a:t>
+              <a:t>‹Nr.›</a:t>
             </a:fld>
             <a:endParaRPr lang="de-DE"/>
           </a:p>
@@ -1890,7 +1892,7 @@
           <p:cNvPr id="2" name="Titel 1">
             <a:extLst>
               <a:ext uri="{FF2B5EF4-FFF2-40B4-BE49-F238E27FC236}">
-                <a16:creationId xmlns="" xmlns:a16="http://schemas.microsoft.com/office/drawing/2014/main" id="{B83661D6-41CF-42FD-8379-D6ED32E460DB}"/>
+                <a16:creationId xmlns:a16="http://schemas.microsoft.com/office/drawing/2014/main" xmlns="" id="{B83661D6-41CF-42FD-8379-D6ED32E460DB}"/>
               </a:ext>
             </a:extLst>
           </p:cNvPr>
@@ -1923,7 +1925,7 @@
           <p:cNvPr id="3" name="Textplatzhalter 2">
             <a:extLst>
               <a:ext uri="{FF2B5EF4-FFF2-40B4-BE49-F238E27FC236}">
-                <a16:creationId xmlns="" xmlns:a16="http://schemas.microsoft.com/office/drawing/2014/main" id="{6F3E57FF-86EE-4CEC-BA1F-61188C278174}"/>
+                <a16:creationId xmlns:a16="http://schemas.microsoft.com/office/drawing/2014/main" xmlns="" id="{6F3E57FF-86EE-4CEC-BA1F-61188C278174}"/>
               </a:ext>
             </a:extLst>
           </p:cNvPr>
@@ -1994,7 +1996,7 @@
           <p:cNvPr id="4" name="Inhaltsplatzhalter 3">
             <a:extLst>
               <a:ext uri="{FF2B5EF4-FFF2-40B4-BE49-F238E27FC236}">
-                <a16:creationId xmlns="" xmlns:a16="http://schemas.microsoft.com/office/drawing/2014/main" id="{F2DA0E47-2EC8-4248-B2D1-1104BECC74B1}"/>
+                <a16:creationId xmlns:a16="http://schemas.microsoft.com/office/drawing/2014/main" xmlns="" id="{F2DA0E47-2EC8-4248-B2D1-1104BECC74B1}"/>
               </a:ext>
             </a:extLst>
           </p:cNvPr>
@@ -2056,7 +2058,7 @@
           <p:cNvPr id="5" name="Textplatzhalter 4">
             <a:extLst>
               <a:ext uri="{FF2B5EF4-FFF2-40B4-BE49-F238E27FC236}">
-                <a16:creationId xmlns="" xmlns:a16="http://schemas.microsoft.com/office/drawing/2014/main" id="{A69D2170-72EE-45D5-893F-88964406A84B}"/>
+                <a16:creationId xmlns:a16="http://schemas.microsoft.com/office/drawing/2014/main" xmlns="" id="{A69D2170-72EE-45D5-893F-88964406A84B}"/>
               </a:ext>
             </a:extLst>
           </p:cNvPr>
@@ -2127,7 +2129,7 @@
           <p:cNvPr id="6" name="Inhaltsplatzhalter 5">
             <a:extLst>
               <a:ext uri="{FF2B5EF4-FFF2-40B4-BE49-F238E27FC236}">
-                <a16:creationId xmlns="" xmlns:a16="http://schemas.microsoft.com/office/drawing/2014/main" id="{B44C038B-F81C-4147-84EA-A2379B95AED9}"/>
+                <a16:creationId xmlns:a16="http://schemas.microsoft.com/office/drawing/2014/main" xmlns="" id="{B44C038B-F81C-4147-84EA-A2379B95AED9}"/>
               </a:ext>
             </a:extLst>
           </p:cNvPr>
@@ -2189,7 +2191,7 @@
           <p:cNvPr id="7" name="Datumsplatzhalter 6">
             <a:extLst>
               <a:ext uri="{FF2B5EF4-FFF2-40B4-BE49-F238E27FC236}">
-                <a16:creationId xmlns="" xmlns:a16="http://schemas.microsoft.com/office/drawing/2014/main" id="{00F50947-5BB5-49A0-A257-5F3EE01BEBAB}"/>
+                <a16:creationId xmlns:a16="http://schemas.microsoft.com/office/drawing/2014/main" xmlns="" id="{00F50947-5BB5-49A0-A257-5F3EE01BEBAB}"/>
               </a:ext>
             </a:extLst>
           </p:cNvPr>
@@ -2207,7 +2209,7 @@
           <a:p>
             <a:fld id="{0E711DEE-04D8-41E6-9C6D-8EE4C2E0246A}" type="datetime1">
               <a:rPr lang="de-DE" smtClean="0"/>
-              <a:t>04.12.18</a:t>
+              <a:t>05.12.2018</a:t>
             </a:fld>
             <a:endParaRPr lang="de-DE"/>
           </a:p>
@@ -2218,7 +2220,7 @@
           <p:cNvPr id="8" name="Fußzeilenplatzhalter 7">
             <a:extLst>
               <a:ext uri="{FF2B5EF4-FFF2-40B4-BE49-F238E27FC236}">
-                <a16:creationId xmlns="" xmlns:a16="http://schemas.microsoft.com/office/drawing/2014/main" id="{05ABF5AF-493D-41A2-8EFB-D48E3109BBBD}"/>
+                <a16:creationId xmlns:a16="http://schemas.microsoft.com/office/drawing/2014/main" xmlns="" id="{05ABF5AF-493D-41A2-8EFB-D48E3109BBBD}"/>
               </a:ext>
             </a:extLst>
           </p:cNvPr>
@@ -2247,7 +2249,7 @@
           <p:cNvPr id="9" name="Foliennummernplatzhalter 8">
             <a:extLst>
               <a:ext uri="{FF2B5EF4-FFF2-40B4-BE49-F238E27FC236}">
-                <a16:creationId xmlns="" xmlns:a16="http://schemas.microsoft.com/office/drawing/2014/main" id="{E22947B1-9F1F-473C-8F2F-8404D615953B}"/>
+                <a16:creationId xmlns:a16="http://schemas.microsoft.com/office/drawing/2014/main" xmlns="" id="{E22947B1-9F1F-473C-8F2F-8404D615953B}"/>
               </a:ext>
             </a:extLst>
           </p:cNvPr>
@@ -2265,7 +2267,7 @@
           <a:p>
             <a:fld id="{84940753-34CA-4D56-AA4B-98285DECA8F8}" type="slidenum">
               <a:rPr lang="de-DE" smtClean="0"/>
-              <a:t>‹#›</a:t>
+              <a:t>‹Nr.›</a:t>
             </a:fld>
             <a:endParaRPr lang="de-DE"/>
           </a:p>
@@ -2306,7 +2308,7 @@
           <p:cNvPr id="2" name="Titel 1">
             <a:extLst>
               <a:ext uri="{FF2B5EF4-FFF2-40B4-BE49-F238E27FC236}">
-                <a16:creationId xmlns="" xmlns:a16="http://schemas.microsoft.com/office/drawing/2014/main" id="{39A4BA90-CBE0-40D7-8209-B5427F2F31D4}"/>
+                <a16:creationId xmlns:a16="http://schemas.microsoft.com/office/drawing/2014/main" xmlns="" id="{39A4BA90-CBE0-40D7-8209-B5427F2F31D4}"/>
               </a:ext>
             </a:extLst>
           </p:cNvPr>
@@ -2334,7 +2336,7 @@
           <p:cNvPr id="3" name="Datumsplatzhalter 2">
             <a:extLst>
               <a:ext uri="{FF2B5EF4-FFF2-40B4-BE49-F238E27FC236}">
-                <a16:creationId xmlns="" xmlns:a16="http://schemas.microsoft.com/office/drawing/2014/main" id="{8547B586-ADA5-4255-93C3-D9F35BFE73AF}"/>
+                <a16:creationId xmlns:a16="http://schemas.microsoft.com/office/drawing/2014/main" xmlns="" id="{8547B586-ADA5-4255-93C3-D9F35BFE73AF}"/>
               </a:ext>
             </a:extLst>
           </p:cNvPr>
@@ -2352,7 +2354,7 @@
           <a:p>
             <a:fld id="{96788182-DDB8-4825-B629-FE73EE5EA6AD}" type="datetime1">
               <a:rPr lang="de-DE" smtClean="0"/>
-              <a:t>04.12.18</a:t>
+              <a:t>05.12.2018</a:t>
             </a:fld>
             <a:endParaRPr lang="de-DE"/>
           </a:p>
@@ -2363,7 +2365,7 @@
           <p:cNvPr id="4" name="Fußzeilenplatzhalter 3">
             <a:extLst>
               <a:ext uri="{FF2B5EF4-FFF2-40B4-BE49-F238E27FC236}">
-                <a16:creationId xmlns="" xmlns:a16="http://schemas.microsoft.com/office/drawing/2014/main" id="{354EDF52-C6E6-47D7-9D7C-531E011CE113}"/>
+                <a16:creationId xmlns:a16="http://schemas.microsoft.com/office/drawing/2014/main" xmlns="" id="{354EDF52-C6E6-47D7-9D7C-531E011CE113}"/>
               </a:ext>
             </a:extLst>
           </p:cNvPr>
@@ -2392,7 +2394,7 @@
           <p:cNvPr id="5" name="Foliennummernplatzhalter 4">
             <a:extLst>
               <a:ext uri="{FF2B5EF4-FFF2-40B4-BE49-F238E27FC236}">
-                <a16:creationId xmlns="" xmlns:a16="http://schemas.microsoft.com/office/drawing/2014/main" id="{A0108114-375B-4198-8777-AA0BC1CF8454}"/>
+                <a16:creationId xmlns:a16="http://schemas.microsoft.com/office/drawing/2014/main" xmlns="" id="{A0108114-375B-4198-8777-AA0BC1CF8454}"/>
               </a:ext>
             </a:extLst>
           </p:cNvPr>
@@ -2410,7 +2412,7 @@
           <a:p>
             <a:fld id="{84940753-34CA-4D56-AA4B-98285DECA8F8}" type="slidenum">
               <a:rPr lang="de-DE" smtClean="0"/>
-              <a:t>‹#›</a:t>
+              <a:t>‹Nr.›</a:t>
             </a:fld>
             <a:endParaRPr lang="de-DE"/>
           </a:p>
@@ -2451,7 +2453,7 @@
           <p:cNvPr id="2" name="Datumsplatzhalter 1">
             <a:extLst>
               <a:ext uri="{FF2B5EF4-FFF2-40B4-BE49-F238E27FC236}">
-                <a16:creationId xmlns="" xmlns:a16="http://schemas.microsoft.com/office/drawing/2014/main" id="{3D0B574D-C484-4BA9-BB10-D5BBA3763E13}"/>
+                <a16:creationId xmlns:a16="http://schemas.microsoft.com/office/drawing/2014/main" xmlns="" id="{3D0B574D-C484-4BA9-BB10-D5BBA3763E13}"/>
               </a:ext>
             </a:extLst>
           </p:cNvPr>
@@ -2469,7 +2471,7 @@
           <a:p>
             <a:fld id="{AF8D9492-79A0-41FD-A8D6-0098371C80E3}" type="datetime1">
               <a:rPr lang="de-DE" smtClean="0"/>
-              <a:t>04.12.18</a:t>
+              <a:t>05.12.2018</a:t>
             </a:fld>
             <a:endParaRPr lang="de-DE"/>
           </a:p>
@@ -2480,7 +2482,7 @@
           <p:cNvPr id="3" name="Fußzeilenplatzhalter 2">
             <a:extLst>
               <a:ext uri="{FF2B5EF4-FFF2-40B4-BE49-F238E27FC236}">
-                <a16:creationId xmlns="" xmlns:a16="http://schemas.microsoft.com/office/drawing/2014/main" id="{B84F4DF3-0EBA-4CB3-B0B4-D02598950A19}"/>
+                <a16:creationId xmlns:a16="http://schemas.microsoft.com/office/drawing/2014/main" xmlns="" id="{B84F4DF3-0EBA-4CB3-B0B4-D02598950A19}"/>
               </a:ext>
             </a:extLst>
           </p:cNvPr>
@@ -2509,7 +2511,7 @@
           <p:cNvPr id="4" name="Foliennummernplatzhalter 3">
             <a:extLst>
               <a:ext uri="{FF2B5EF4-FFF2-40B4-BE49-F238E27FC236}">
-                <a16:creationId xmlns="" xmlns:a16="http://schemas.microsoft.com/office/drawing/2014/main" id="{25E26129-3EF5-4E14-8883-205A1EFAEA47}"/>
+                <a16:creationId xmlns:a16="http://schemas.microsoft.com/office/drawing/2014/main" xmlns="" id="{25E26129-3EF5-4E14-8883-205A1EFAEA47}"/>
               </a:ext>
             </a:extLst>
           </p:cNvPr>
@@ -2527,7 +2529,7 @@
           <a:p>
             <a:fld id="{84940753-34CA-4D56-AA4B-98285DECA8F8}" type="slidenum">
               <a:rPr lang="de-DE" smtClean="0"/>
-              <a:t>‹#›</a:t>
+              <a:t>‹Nr.›</a:t>
             </a:fld>
             <a:endParaRPr lang="de-DE"/>
           </a:p>
@@ -2568,7 +2570,7 @@
           <p:cNvPr id="2" name="Titel 1">
             <a:extLst>
               <a:ext uri="{FF2B5EF4-FFF2-40B4-BE49-F238E27FC236}">
-                <a16:creationId xmlns="" xmlns:a16="http://schemas.microsoft.com/office/drawing/2014/main" id="{4D280506-2D7A-42DD-B725-24671EA88E24}"/>
+                <a16:creationId xmlns:a16="http://schemas.microsoft.com/office/drawing/2014/main" xmlns="" id="{4D280506-2D7A-42DD-B725-24671EA88E24}"/>
               </a:ext>
             </a:extLst>
           </p:cNvPr>
@@ -2605,7 +2607,7 @@
           <p:cNvPr id="3" name="Inhaltsplatzhalter 2">
             <a:extLst>
               <a:ext uri="{FF2B5EF4-FFF2-40B4-BE49-F238E27FC236}">
-                <a16:creationId xmlns="" xmlns:a16="http://schemas.microsoft.com/office/drawing/2014/main" id="{3970B40A-924C-4652-84EA-738A657BCA3E}"/>
+                <a16:creationId xmlns:a16="http://schemas.microsoft.com/office/drawing/2014/main" xmlns="" id="{3970B40A-924C-4652-84EA-738A657BCA3E}"/>
               </a:ext>
             </a:extLst>
           </p:cNvPr>
@@ -2695,7 +2697,7 @@
           <p:cNvPr id="4" name="Textplatzhalter 3">
             <a:extLst>
               <a:ext uri="{FF2B5EF4-FFF2-40B4-BE49-F238E27FC236}">
-                <a16:creationId xmlns="" xmlns:a16="http://schemas.microsoft.com/office/drawing/2014/main" id="{A20617F9-58EE-4F61-80F4-98239451E915}"/>
+                <a16:creationId xmlns:a16="http://schemas.microsoft.com/office/drawing/2014/main" xmlns="" id="{A20617F9-58EE-4F61-80F4-98239451E915}"/>
               </a:ext>
             </a:extLst>
           </p:cNvPr>
@@ -2766,7 +2768,7 @@
           <p:cNvPr id="5" name="Datumsplatzhalter 4">
             <a:extLst>
               <a:ext uri="{FF2B5EF4-FFF2-40B4-BE49-F238E27FC236}">
-                <a16:creationId xmlns="" xmlns:a16="http://schemas.microsoft.com/office/drawing/2014/main" id="{6B899663-6062-4ACA-9608-EA8459557A51}"/>
+                <a16:creationId xmlns:a16="http://schemas.microsoft.com/office/drawing/2014/main" xmlns="" id="{6B899663-6062-4ACA-9608-EA8459557A51}"/>
               </a:ext>
             </a:extLst>
           </p:cNvPr>
@@ -2784,7 +2786,7 @@
           <a:p>
             <a:fld id="{AF4030DA-426E-4DB1-8BEB-D46677A30D83}" type="datetime1">
               <a:rPr lang="de-DE" smtClean="0"/>
-              <a:t>04.12.18</a:t>
+              <a:t>05.12.2018</a:t>
             </a:fld>
             <a:endParaRPr lang="de-DE"/>
           </a:p>
@@ -2795,7 +2797,7 @@
           <p:cNvPr id="6" name="Fußzeilenplatzhalter 5">
             <a:extLst>
               <a:ext uri="{FF2B5EF4-FFF2-40B4-BE49-F238E27FC236}">
-                <a16:creationId xmlns="" xmlns:a16="http://schemas.microsoft.com/office/drawing/2014/main" id="{067395E0-CF41-4056-9D68-80A3749C4116}"/>
+                <a16:creationId xmlns:a16="http://schemas.microsoft.com/office/drawing/2014/main" xmlns="" id="{067395E0-CF41-4056-9D68-80A3749C4116}"/>
               </a:ext>
             </a:extLst>
           </p:cNvPr>
@@ -2824,7 +2826,7 @@
           <p:cNvPr id="7" name="Foliennummernplatzhalter 6">
             <a:extLst>
               <a:ext uri="{FF2B5EF4-FFF2-40B4-BE49-F238E27FC236}">
-                <a16:creationId xmlns="" xmlns:a16="http://schemas.microsoft.com/office/drawing/2014/main" id="{C4108EB3-60C2-4467-80E1-32225A053F67}"/>
+                <a16:creationId xmlns:a16="http://schemas.microsoft.com/office/drawing/2014/main" xmlns="" id="{C4108EB3-60C2-4467-80E1-32225A053F67}"/>
               </a:ext>
             </a:extLst>
           </p:cNvPr>
@@ -2842,7 +2844,7 @@
           <a:p>
             <a:fld id="{84940753-34CA-4D56-AA4B-98285DECA8F8}" type="slidenum">
               <a:rPr lang="de-DE" smtClean="0"/>
-              <a:t>‹#›</a:t>
+              <a:t>‹Nr.›</a:t>
             </a:fld>
             <a:endParaRPr lang="de-DE"/>
           </a:p>
@@ -2883,7 +2885,7 @@
           <p:cNvPr id="2" name="Titel 1">
             <a:extLst>
               <a:ext uri="{FF2B5EF4-FFF2-40B4-BE49-F238E27FC236}">
-                <a16:creationId xmlns="" xmlns:a16="http://schemas.microsoft.com/office/drawing/2014/main" id="{78453501-8D1D-4275-AF08-BE07FC923A57}"/>
+                <a16:creationId xmlns:a16="http://schemas.microsoft.com/office/drawing/2014/main" xmlns="" id="{78453501-8D1D-4275-AF08-BE07FC923A57}"/>
               </a:ext>
             </a:extLst>
           </p:cNvPr>
@@ -2920,7 +2922,7 @@
           <p:cNvPr id="3" name="Bildplatzhalter 2">
             <a:extLst>
               <a:ext uri="{FF2B5EF4-FFF2-40B4-BE49-F238E27FC236}">
-                <a16:creationId xmlns="" xmlns:a16="http://schemas.microsoft.com/office/drawing/2014/main" id="{A45FBDA9-E3FF-41F3-8B27-CFBB7D7B37F4}"/>
+                <a16:creationId xmlns:a16="http://schemas.microsoft.com/office/drawing/2014/main" xmlns="" id="{A45FBDA9-E3FF-41F3-8B27-CFBB7D7B37F4}"/>
               </a:ext>
             </a:extLst>
           </p:cNvPr>
@@ -2987,7 +2989,7 @@
           <p:cNvPr id="4" name="Textplatzhalter 3">
             <a:extLst>
               <a:ext uri="{FF2B5EF4-FFF2-40B4-BE49-F238E27FC236}">
-                <a16:creationId xmlns="" xmlns:a16="http://schemas.microsoft.com/office/drawing/2014/main" id="{DFE239B3-EF02-4929-9CEE-20BDA11404B8}"/>
+                <a16:creationId xmlns:a16="http://schemas.microsoft.com/office/drawing/2014/main" xmlns="" id="{DFE239B3-EF02-4929-9CEE-20BDA11404B8}"/>
               </a:ext>
             </a:extLst>
           </p:cNvPr>
@@ -3058,7 +3060,7 @@
           <p:cNvPr id="5" name="Datumsplatzhalter 4">
             <a:extLst>
               <a:ext uri="{FF2B5EF4-FFF2-40B4-BE49-F238E27FC236}">
-                <a16:creationId xmlns="" xmlns:a16="http://schemas.microsoft.com/office/drawing/2014/main" id="{8359258D-DD4E-4B36-80D9-7B3F4659B9B4}"/>
+                <a16:creationId xmlns:a16="http://schemas.microsoft.com/office/drawing/2014/main" xmlns="" id="{8359258D-DD4E-4B36-80D9-7B3F4659B9B4}"/>
               </a:ext>
             </a:extLst>
           </p:cNvPr>
@@ -3076,7 +3078,7 @@
           <a:p>
             <a:fld id="{1B34A977-B5F8-44FB-8EF7-19E6F84E2A8C}" type="datetime1">
               <a:rPr lang="de-DE" smtClean="0"/>
-              <a:t>04.12.18</a:t>
+              <a:t>05.12.2018</a:t>
             </a:fld>
             <a:endParaRPr lang="de-DE"/>
           </a:p>
@@ -3087,7 +3089,7 @@
           <p:cNvPr id="6" name="Fußzeilenplatzhalter 5">
             <a:extLst>
               <a:ext uri="{FF2B5EF4-FFF2-40B4-BE49-F238E27FC236}">
-                <a16:creationId xmlns="" xmlns:a16="http://schemas.microsoft.com/office/drawing/2014/main" id="{9D986F7D-1AC7-46F9-9FC7-1899543350E2}"/>
+                <a16:creationId xmlns:a16="http://schemas.microsoft.com/office/drawing/2014/main" xmlns="" id="{9D986F7D-1AC7-46F9-9FC7-1899543350E2}"/>
               </a:ext>
             </a:extLst>
           </p:cNvPr>
@@ -3116,7 +3118,7 @@
           <p:cNvPr id="7" name="Foliennummernplatzhalter 6">
             <a:extLst>
               <a:ext uri="{FF2B5EF4-FFF2-40B4-BE49-F238E27FC236}">
-                <a16:creationId xmlns="" xmlns:a16="http://schemas.microsoft.com/office/drawing/2014/main" id="{DD6E72DE-B6C2-456A-B2F3-7F7E05164A71}"/>
+                <a16:creationId xmlns:a16="http://schemas.microsoft.com/office/drawing/2014/main" xmlns="" id="{DD6E72DE-B6C2-456A-B2F3-7F7E05164A71}"/>
               </a:ext>
             </a:extLst>
           </p:cNvPr>
@@ -3134,7 +3136,7 @@
           <a:p>
             <a:fld id="{84940753-34CA-4D56-AA4B-98285DECA8F8}" type="slidenum">
               <a:rPr lang="de-DE" smtClean="0"/>
-              <a:t>‹#›</a:t>
+              <a:t>‹Nr.›</a:t>
             </a:fld>
             <a:endParaRPr lang="de-DE"/>
           </a:p>
@@ -3180,7 +3182,7 @@
           <p:cNvPr id="2" name="Titelplatzhalter 1">
             <a:extLst>
               <a:ext uri="{FF2B5EF4-FFF2-40B4-BE49-F238E27FC236}">
-                <a16:creationId xmlns="" xmlns:a16="http://schemas.microsoft.com/office/drawing/2014/main" id="{B51E1A8A-ADC4-4534-88EB-4E9F5C35DC32}"/>
+                <a16:creationId xmlns:a16="http://schemas.microsoft.com/office/drawing/2014/main" xmlns="" id="{B51E1A8A-ADC4-4534-88EB-4E9F5C35DC32}"/>
               </a:ext>
             </a:extLst>
           </p:cNvPr>
@@ -3218,7 +3220,7 @@
           <p:cNvPr id="3" name="Textplatzhalter 2">
             <a:extLst>
               <a:ext uri="{FF2B5EF4-FFF2-40B4-BE49-F238E27FC236}">
-                <a16:creationId xmlns="" xmlns:a16="http://schemas.microsoft.com/office/drawing/2014/main" id="{E09B5E05-AB9E-4F51-A04B-24290BD9B903}"/>
+                <a16:creationId xmlns:a16="http://schemas.microsoft.com/office/drawing/2014/main" xmlns="" id="{E09B5E05-AB9E-4F51-A04B-24290BD9B903}"/>
               </a:ext>
             </a:extLst>
           </p:cNvPr>
@@ -3285,7 +3287,7 @@
           <p:cNvPr id="4" name="Datumsplatzhalter 3">
             <a:extLst>
               <a:ext uri="{FF2B5EF4-FFF2-40B4-BE49-F238E27FC236}">
-                <a16:creationId xmlns="" xmlns:a16="http://schemas.microsoft.com/office/drawing/2014/main" id="{0B410092-BEA1-4371-9723-398C602A86DA}"/>
+                <a16:creationId xmlns:a16="http://schemas.microsoft.com/office/drawing/2014/main" xmlns="" id="{0B410092-BEA1-4371-9723-398C602A86DA}"/>
               </a:ext>
             </a:extLst>
           </p:cNvPr>
@@ -3321,7 +3323,7 @@
           <a:p>
             <a:fld id="{9055BDBF-D9C7-47D9-A242-B83988CD0F8D}" type="datetime1">
               <a:rPr lang="de-DE" smtClean="0"/>
-              <a:t>04.12.18</a:t>
+              <a:t>05.12.2018</a:t>
             </a:fld>
             <a:endParaRPr lang="de-DE"/>
           </a:p>
@@ -3332,7 +3334,7 @@
           <p:cNvPr id="5" name="Fußzeilenplatzhalter 4">
             <a:extLst>
               <a:ext uri="{FF2B5EF4-FFF2-40B4-BE49-F238E27FC236}">
-                <a16:creationId xmlns="" xmlns:a16="http://schemas.microsoft.com/office/drawing/2014/main" id="{121B95C9-28FD-4D7C-BF46-622C9BDA2947}"/>
+                <a16:creationId xmlns:a16="http://schemas.microsoft.com/office/drawing/2014/main" xmlns="" id="{121B95C9-28FD-4D7C-BF46-622C9BDA2947}"/>
               </a:ext>
             </a:extLst>
           </p:cNvPr>
@@ -3379,7 +3381,7 @@
           <p:cNvPr id="6" name="Foliennummernplatzhalter 5">
             <a:extLst>
               <a:ext uri="{FF2B5EF4-FFF2-40B4-BE49-F238E27FC236}">
-                <a16:creationId xmlns="" xmlns:a16="http://schemas.microsoft.com/office/drawing/2014/main" id="{9BBC5043-F4DD-4746-A3FD-52FECF01659D}"/>
+                <a16:creationId xmlns:a16="http://schemas.microsoft.com/office/drawing/2014/main" xmlns="" id="{9BBC5043-F4DD-4746-A3FD-52FECF01659D}"/>
               </a:ext>
             </a:extLst>
           </p:cNvPr>
@@ -3415,7 +3417,7 @@
           <a:p>
             <a:fld id="{84940753-34CA-4D56-AA4B-98285DECA8F8}" type="slidenum">
               <a:rPr lang="de-DE" smtClean="0"/>
-              <a:t>‹#›</a:t>
+              <a:t>‹Nr.›</a:t>
             </a:fld>
             <a:endParaRPr lang="de-DE"/>
           </a:p>
@@ -3748,7 +3750,7 @@
           <p:cNvPr id="8" name="Grafik 7">
             <a:extLst>
               <a:ext uri="{FF2B5EF4-FFF2-40B4-BE49-F238E27FC236}">
-                <a16:creationId xmlns="" xmlns:a16="http://schemas.microsoft.com/office/drawing/2014/main" id="{E7E2C6A5-D147-4C0D-AC4E-0B48C48BC4B8}"/>
+                <a16:creationId xmlns:a16="http://schemas.microsoft.com/office/drawing/2014/main" xmlns="" id="{E7E2C6A5-D147-4C0D-AC4E-0B48C48BC4B8}"/>
               </a:ext>
             </a:extLst>
           </p:cNvPr>
@@ -3778,7 +3780,7 @@
           <p:cNvPr id="4" name="Fußzeilenplatzhalter 3">
             <a:extLst>
               <a:ext uri="{FF2B5EF4-FFF2-40B4-BE49-F238E27FC236}">
-                <a16:creationId xmlns="" xmlns:a16="http://schemas.microsoft.com/office/drawing/2014/main" id="{EBEEBE32-E0F1-4769-9C78-BB3B31F5CA53}"/>
+                <a16:creationId xmlns:a16="http://schemas.microsoft.com/office/drawing/2014/main" xmlns="" id="{EBEEBE32-E0F1-4769-9C78-BB3B31F5CA53}"/>
               </a:ext>
             </a:extLst>
           </p:cNvPr>
@@ -3824,7 +3826,7 @@
           <p:cNvPr id="5" name="Foliennummernplatzhalter 4">
             <a:extLst>
               <a:ext uri="{FF2B5EF4-FFF2-40B4-BE49-F238E27FC236}">
-                <a16:creationId xmlns="" xmlns:a16="http://schemas.microsoft.com/office/drawing/2014/main" id="{FF774BF5-4681-422B-BB2E-A8C81B9F3BB8}"/>
+                <a16:creationId xmlns:a16="http://schemas.microsoft.com/office/drawing/2014/main" xmlns="" id="{FF774BF5-4681-422B-BB2E-A8C81B9F3BB8}"/>
               </a:ext>
             </a:extLst>
           </p:cNvPr>
@@ -3853,7 +3855,7 @@
           <p:cNvPr id="6" name="Grafik 5">
             <a:extLst>
               <a:ext uri="{FF2B5EF4-FFF2-40B4-BE49-F238E27FC236}">
-                <a16:creationId xmlns="" xmlns:a16="http://schemas.microsoft.com/office/drawing/2014/main" id="{BCAFA80E-26BB-4A40-86DD-C77151BB2E2B}"/>
+                <a16:creationId xmlns:a16="http://schemas.microsoft.com/office/drawing/2014/main" xmlns="" id="{BCAFA80E-26BB-4A40-86DD-C77151BB2E2B}"/>
               </a:ext>
             </a:extLst>
           </p:cNvPr>
@@ -3883,7 +3885,7 @@
           <p:cNvPr id="7" name="Grafik 6">
             <a:extLst>
               <a:ext uri="{FF2B5EF4-FFF2-40B4-BE49-F238E27FC236}">
-                <a16:creationId xmlns="" xmlns:a16="http://schemas.microsoft.com/office/drawing/2014/main" id="{C75C8862-9845-4296-9F2C-2F74796FA2DD}"/>
+                <a16:creationId xmlns:a16="http://schemas.microsoft.com/office/drawing/2014/main" xmlns="" id="{C75C8862-9845-4296-9F2C-2F74796FA2DD}"/>
               </a:ext>
             </a:extLst>
           </p:cNvPr>
@@ -4084,7 +4086,7 @@
           <p:cNvPr id="8" name="Grafik 7">
             <a:extLst>
               <a:ext uri="{FF2B5EF4-FFF2-40B4-BE49-F238E27FC236}">
-                <a16:creationId xmlns="" xmlns:a16="http://schemas.microsoft.com/office/drawing/2014/main" id="{E7E2C6A5-D147-4C0D-AC4E-0B48C48BC4B8}"/>
+                <a16:creationId xmlns:a16="http://schemas.microsoft.com/office/drawing/2014/main" xmlns="" id="{E7E2C6A5-D147-4C0D-AC4E-0B48C48BC4B8}"/>
               </a:ext>
             </a:extLst>
           </p:cNvPr>
@@ -4114,7 +4116,7 @@
           <p:cNvPr id="4" name="Fußzeilenplatzhalter 3">
             <a:extLst>
               <a:ext uri="{FF2B5EF4-FFF2-40B4-BE49-F238E27FC236}">
-                <a16:creationId xmlns="" xmlns:a16="http://schemas.microsoft.com/office/drawing/2014/main" id="{EBEEBE32-E0F1-4769-9C78-BB3B31F5CA53}"/>
+                <a16:creationId xmlns:a16="http://schemas.microsoft.com/office/drawing/2014/main" xmlns="" id="{EBEEBE32-E0F1-4769-9C78-BB3B31F5CA53}"/>
               </a:ext>
             </a:extLst>
           </p:cNvPr>
@@ -4148,7 +4150,7 @@
           <p:cNvPr id="5" name="Foliennummernplatzhalter 4">
             <a:extLst>
               <a:ext uri="{FF2B5EF4-FFF2-40B4-BE49-F238E27FC236}">
-                <a16:creationId xmlns="" xmlns:a16="http://schemas.microsoft.com/office/drawing/2014/main" id="{FF774BF5-4681-422B-BB2E-A8C81B9F3BB8}"/>
+                <a16:creationId xmlns:a16="http://schemas.microsoft.com/office/drawing/2014/main" xmlns="" id="{FF774BF5-4681-422B-BB2E-A8C81B9F3BB8}"/>
               </a:ext>
             </a:extLst>
           </p:cNvPr>
@@ -4177,7 +4179,7 @@
           <p:cNvPr id="6" name="Grafik 5">
             <a:extLst>
               <a:ext uri="{FF2B5EF4-FFF2-40B4-BE49-F238E27FC236}">
-                <a16:creationId xmlns="" xmlns:a16="http://schemas.microsoft.com/office/drawing/2014/main" id="{BCAFA80E-26BB-4A40-86DD-C77151BB2E2B}"/>
+                <a16:creationId xmlns:a16="http://schemas.microsoft.com/office/drawing/2014/main" xmlns="" id="{BCAFA80E-26BB-4A40-86DD-C77151BB2E2B}"/>
               </a:ext>
             </a:extLst>
           </p:cNvPr>
@@ -4207,7 +4209,7 @@
           <p:cNvPr id="7" name="Grafik 6">
             <a:extLst>
               <a:ext uri="{FF2B5EF4-FFF2-40B4-BE49-F238E27FC236}">
-                <a16:creationId xmlns="" xmlns:a16="http://schemas.microsoft.com/office/drawing/2014/main" id="{C75C8862-9845-4296-9F2C-2F74796FA2DD}"/>
+                <a16:creationId xmlns:a16="http://schemas.microsoft.com/office/drawing/2014/main" xmlns="" id="{C75C8862-9845-4296-9F2C-2F74796FA2DD}"/>
               </a:ext>
             </a:extLst>
           </p:cNvPr>
@@ -4374,7 +4376,7 @@
           <p:cNvPr id="8" name="Grafik 7">
             <a:extLst>
               <a:ext uri="{FF2B5EF4-FFF2-40B4-BE49-F238E27FC236}">
-                <a16:creationId xmlns="" xmlns:a16="http://schemas.microsoft.com/office/drawing/2014/main" id="{E7E2C6A5-D147-4C0D-AC4E-0B48C48BC4B8}"/>
+                <a16:creationId xmlns:a16="http://schemas.microsoft.com/office/drawing/2014/main" xmlns="" id="{E7E2C6A5-D147-4C0D-AC4E-0B48C48BC4B8}"/>
               </a:ext>
             </a:extLst>
           </p:cNvPr>
@@ -4404,7 +4406,7 @@
           <p:cNvPr id="4" name="Fußzeilenplatzhalter 3">
             <a:extLst>
               <a:ext uri="{FF2B5EF4-FFF2-40B4-BE49-F238E27FC236}">
-                <a16:creationId xmlns="" xmlns:a16="http://schemas.microsoft.com/office/drawing/2014/main" id="{EBEEBE32-E0F1-4769-9C78-BB3B31F5CA53}"/>
+                <a16:creationId xmlns:a16="http://schemas.microsoft.com/office/drawing/2014/main" xmlns="" id="{EBEEBE32-E0F1-4769-9C78-BB3B31F5CA53}"/>
               </a:ext>
             </a:extLst>
           </p:cNvPr>
@@ -4438,7 +4440,7 @@
           <p:cNvPr id="5" name="Foliennummernplatzhalter 4">
             <a:extLst>
               <a:ext uri="{FF2B5EF4-FFF2-40B4-BE49-F238E27FC236}">
-                <a16:creationId xmlns="" xmlns:a16="http://schemas.microsoft.com/office/drawing/2014/main" id="{FF774BF5-4681-422B-BB2E-A8C81B9F3BB8}"/>
+                <a16:creationId xmlns:a16="http://schemas.microsoft.com/office/drawing/2014/main" xmlns="" id="{FF774BF5-4681-422B-BB2E-A8C81B9F3BB8}"/>
               </a:ext>
             </a:extLst>
           </p:cNvPr>
@@ -4467,7 +4469,7 @@
           <p:cNvPr id="6" name="Grafik 5">
             <a:extLst>
               <a:ext uri="{FF2B5EF4-FFF2-40B4-BE49-F238E27FC236}">
-                <a16:creationId xmlns="" xmlns:a16="http://schemas.microsoft.com/office/drawing/2014/main" id="{BCAFA80E-26BB-4A40-86DD-C77151BB2E2B}"/>
+                <a16:creationId xmlns:a16="http://schemas.microsoft.com/office/drawing/2014/main" xmlns="" id="{BCAFA80E-26BB-4A40-86DD-C77151BB2E2B}"/>
               </a:ext>
             </a:extLst>
           </p:cNvPr>
@@ -4497,7 +4499,7 @@
           <p:cNvPr id="7" name="Grafik 6">
             <a:extLst>
               <a:ext uri="{FF2B5EF4-FFF2-40B4-BE49-F238E27FC236}">
-                <a16:creationId xmlns="" xmlns:a16="http://schemas.microsoft.com/office/drawing/2014/main" id="{C75C8862-9845-4296-9F2C-2F74796FA2DD}"/>
+                <a16:creationId xmlns:a16="http://schemas.microsoft.com/office/drawing/2014/main" xmlns="" id="{C75C8862-9845-4296-9F2C-2F74796FA2DD}"/>
               </a:ext>
             </a:extLst>
           </p:cNvPr>
@@ -4664,7 +4666,7 @@
           <p:cNvPr id="8" name="Grafik 7">
             <a:extLst>
               <a:ext uri="{FF2B5EF4-FFF2-40B4-BE49-F238E27FC236}">
-                <a16:creationId xmlns="" xmlns:a16="http://schemas.microsoft.com/office/drawing/2014/main" id="{E7E2C6A5-D147-4C0D-AC4E-0B48C48BC4B8}"/>
+                <a16:creationId xmlns:a16="http://schemas.microsoft.com/office/drawing/2014/main" xmlns="" id="{E7E2C6A5-D147-4C0D-AC4E-0B48C48BC4B8}"/>
               </a:ext>
             </a:extLst>
           </p:cNvPr>
@@ -4694,7 +4696,7 @@
           <p:cNvPr id="4" name="Fußzeilenplatzhalter 3">
             <a:extLst>
               <a:ext uri="{FF2B5EF4-FFF2-40B4-BE49-F238E27FC236}">
-                <a16:creationId xmlns="" xmlns:a16="http://schemas.microsoft.com/office/drawing/2014/main" id="{EBEEBE32-E0F1-4769-9C78-BB3B31F5CA53}"/>
+                <a16:creationId xmlns:a16="http://schemas.microsoft.com/office/drawing/2014/main" xmlns="" id="{EBEEBE32-E0F1-4769-9C78-BB3B31F5CA53}"/>
               </a:ext>
             </a:extLst>
           </p:cNvPr>
@@ -4728,7 +4730,7 @@
           <p:cNvPr id="5" name="Foliennummernplatzhalter 4">
             <a:extLst>
               <a:ext uri="{FF2B5EF4-FFF2-40B4-BE49-F238E27FC236}">
-                <a16:creationId xmlns="" xmlns:a16="http://schemas.microsoft.com/office/drawing/2014/main" id="{FF774BF5-4681-422B-BB2E-A8C81B9F3BB8}"/>
+                <a16:creationId xmlns:a16="http://schemas.microsoft.com/office/drawing/2014/main" xmlns="" id="{FF774BF5-4681-422B-BB2E-A8C81B9F3BB8}"/>
               </a:ext>
             </a:extLst>
           </p:cNvPr>
@@ -4757,7 +4759,7 @@
           <p:cNvPr id="6" name="Grafik 5">
             <a:extLst>
               <a:ext uri="{FF2B5EF4-FFF2-40B4-BE49-F238E27FC236}">
-                <a16:creationId xmlns="" xmlns:a16="http://schemas.microsoft.com/office/drawing/2014/main" id="{BCAFA80E-26BB-4A40-86DD-C77151BB2E2B}"/>
+                <a16:creationId xmlns:a16="http://schemas.microsoft.com/office/drawing/2014/main" xmlns="" id="{BCAFA80E-26BB-4A40-86DD-C77151BB2E2B}"/>
               </a:ext>
             </a:extLst>
           </p:cNvPr>
@@ -4787,7 +4789,7 @@
           <p:cNvPr id="7" name="Grafik 6">
             <a:extLst>
               <a:ext uri="{FF2B5EF4-FFF2-40B4-BE49-F238E27FC236}">
-                <a16:creationId xmlns="" xmlns:a16="http://schemas.microsoft.com/office/drawing/2014/main" id="{C75C8862-9845-4296-9F2C-2F74796FA2DD}"/>
+                <a16:creationId xmlns:a16="http://schemas.microsoft.com/office/drawing/2014/main" xmlns="" id="{C75C8862-9845-4296-9F2C-2F74796FA2DD}"/>
               </a:ext>
             </a:extLst>
           </p:cNvPr>
@@ -4888,31 +4890,6 @@
               <a:rPr lang="de-DE" dirty="0" smtClean="0"/>
               <a:t>	</a:t>
             </a:r>
-            <a:r>
-              <a:rPr lang="de-DE" dirty="0" err="1" smtClean="0"/>
-              <a:t>Using</a:t>
-            </a:r>
-            <a:r>
-              <a:rPr lang="de-DE" dirty="0" smtClean="0"/>
-              <a:t> </a:t>
-            </a:r>
-            <a:r>
-              <a:rPr lang="de-DE" dirty="0" err="1" smtClean="0"/>
-              <a:t>Helmet</a:t>
-            </a:r>
-            <a:r>
-              <a:rPr lang="de-DE" dirty="0" smtClean="0"/>
-              <a:t> </a:t>
-            </a:r>
-            <a:r>
-              <a:rPr lang="de-DE" dirty="0" err="1" smtClean="0"/>
-              <a:t>module</a:t>
-            </a:r>
-            <a:r>
-              <a:rPr lang="de-DE" dirty="0" smtClean="0"/>
-              <a:t> </a:t>
-            </a:r>
-            <a:endParaRPr lang="de-DE" dirty="0" smtClean="0"/>
           </a:p>
           <a:p>
             <a:endParaRPr lang="de-DE" dirty="0"/>
@@ -4969,58 +4946,27 @@
       </p:pic>
       <p:pic>
         <p:nvPicPr>
-          <p:cNvPr id="10" name="Grafik 9"/>
+          <p:cNvPr id="3" name="Grafik 2"/>
           <p:cNvPicPr>
             <a:picLocks noChangeAspect="1"/>
           </p:cNvPicPr>
           <p:nvPr/>
         </p:nvPicPr>
-        <p:blipFill>
-          <a:blip r:embed="rId6" cstate="print">
+        <p:blipFill rotWithShape="1">
+          <a:blip r:embed="rId6">
             <a:extLst>
               <a:ext uri="{28A0092B-C50C-407E-A947-70E740481C1C}">
                 <a14:useLocalDpi xmlns:a14="http://schemas.microsoft.com/office/drawing/2010/main" val="0"/>
               </a:ext>
             </a:extLst>
           </a:blip>
-          <a:stretch>
-            <a:fillRect/>
-          </a:stretch>
+          <a:srcRect t="31518"/>
+          <a:stretch/>
         </p:blipFill>
         <p:spPr>
           <a:xfrm>
-            <a:off x="1338909" y="2450434"/>
-            <a:ext cx="314526" cy="288116"/>
-          </a:xfrm>
-          <a:prstGeom prst="rect">
-            <a:avLst/>
-          </a:prstGeom>
-        </p:spPr>
-      </p:pic>
-      <p:pic>
-        <p:nvPicPr>
-          <p:cNvPr id="11" name="Grafik 10"/>
-          <p:cNvPicPr>
-            <a:picLocks noChangeAspect="1"/>
-          </p:cNvPicPr>
-          <p:nvPr/>
-        </p:nvPicPr>
-        <p:blipFill>
-          <a:blip r:embed="rId6" cstate="print">
-            <a:extLst>
-              <a:ext uri="{28A0092B-C50C-407E-A947-70E740481C1C}">
-                <a14:useLocalDpi xmlns:a14="http://schemas.microsoft.com/office/drawing/2010/main" val="0"/>
-              </a:ext>
-            </a:extLst>
-          </a:blip>
-          <a:stretch>
-            <a:fillRect/>
-          </a:stretch>
-        </p:blipFill>
-        <p:spPr>
-          <a:xfrm>
-            <a:off x="1369536" y="3055410"/>
-            <a:ext cx="314526" cy="288116"/>
+            <a:off x="1768833" y="2317315"/>
+            <a:ext cx="7560394" cy="3632548"/>
           </a:xfrm>
           <a:prstGeom prst="rect">
             <a:avLst/>
@@ -5069,7 +5015,7 @@
           <p:cNvPr id="8" name="Grafik 7">
             <a:extLst>
               <a:ext uri="{FF2B5EF4-FFF2-40B4-BE49-F238E27FC236}">
-                <a16:creationId xmlns="" xmlns:a16="http://schemas.microsoft.com/office/drawing/2014/main" id="{E7E2C6A5-D147-4C0D-AC4E-0B48C48BC4B8}"/>
+                <a16:creationId xmlns:a16="http://schemas.microsoft.com/office/drawing/2014/main" xmlns="" id="{E7E2C6A5-D147-4C0D-AC4E-0B48C48BC4B8}"/>
               </a:ext>
             </a:extLst>
           </p:cNvPr>
@@ -5099,7 +5045,7 @@
           <p:cNvPr id="4" name="Fußzeilenplatzhalter 3">
             <a:extLst>
               <a:ext uri="{FF2B5EF4-FFF2-40B4-BE49-F238E27FC236}">
-                <a16:creationId xmlns="" xmlns:a16="http://schemas.microsoft.com/office/drawing/2014/main" id="{EBEEBE32-E0F1-4769-9C78-BB3B31F5CA53}"/>
+                <a16:creationId xmlns:a16="http://schemas.microsoft.com/office/drawing/2014/main" xmlns="" id="{EBEEBE32-E0F1-4769-9C78-BB3B31F5CA53}"/>
               </a:ext>
             </a:extLst>
           </p:cNvPr>
@@ -5133,7 +5079,7 @@
           <p:cNvPr id="5" name="Foliennummernplatzhalter 4">
             <a:extLst>
               <a:ext uri="{FF2B5EF4-FFF2-40B4-BE49-F238E27FC236}">
-                <a16:creationId xmlns="" xmlns:a16="http://schemas.microsoft.com/office/drawing/2014/main" id="{FF774BF5-4681-422B-BB2E-A8C81B9F3BB8}"/>
+                <a16:creationId xmlns:a16="http://schemas.microsoft.com/office/drawing/2014/main" xmlns="" id="{FF774BF5-4681-422B-BB2E-A8C81B9F3BB8}"/>
               </a:ext>
             </a:extLst>
           </p:cNvPr>
@@ -5162,7 +5108,7 @@
           <p:cNvPr id="6" name="Grafik 5">
             <a:extLst>
               <a:ext uri="{FF2B5EF4-FFF2-40B4-BE49-F238E27FC236}">
-                <a16:creationId xmlns="" xmlns:a16="http://schemas.microsoft.com/office/drawing/2014/main" id="{BCAFA80E-26BB-4A40-86DD-C77151BB2E2B}"/>
+                <a16:creationId xmlns:a16="http://schemas.microsoft.com/office/drawing/2014/main" xmlns="" id="{BCAFA80E-26BB-4A40-86DD-C77151BB2E2B}"/>
               </a:ext>
             </a:extLst>
           </p:cNvPr>
@@ -5192,7 +5138,7 @@
           <p:cNvPr id="7" name="Grafik 6">
             <a:extLst>
               <a:ext uri="{FF2B5EF4-FFF2-40B4-BE49-F238E27FC236}">
-                <a16:creationId xmlns="" xmlns:a16="http://schemas.microsoft.com/office/drawing/2014/main" id="{C75C8862-9845-4296-9F2C-2F74796FA2DD}"/>
+                <a16:creationId xmlns:a16="http://schemas.microsoft.com/office/drawing/2014/main" xmlns="" id="{C75C8862-9845-4296-9F2C-2F74796FA2DD}"/>
               </a:ext>
             </a:extLst>
           </p:cNvPr>
@@ -5226,7 +5172,7 @@
         <p:spPr>
           <a:xfrm>
             <a:off x="901874" y="1122363"/>
-            <a:ext cx="9294312" cy="6647974"/>
+            <a:ext cx="9294312" cy="4985980"/>
           </a:xfrm>
           <a:prstGeom prst="rect">
             <a:avLst/>
@@ -5246,8 +5192,12 @@
           </a:p>
           <a:p>
             <a:r>
+              <a:rPr lang="de-DE" sz="3600" b="1" dirty="0" smtClean="0"/>
+              <a:t>Security Report &amp; </a:t>
+            </a:r>
+            <a:r>
               <a:rPr lang="de-DE" sz="3600" b="1" dirty="0" err="1" smtClean="0"/>
-              <a:t>Lessons</a:t>
+              <a:t>How</a:t>
             </a:r>
             <a:r>
               <a:rPr lang="de-DE" sz="3600" b="1" dirty="0" smtClean="0"/>
@@ -5255,7 +5205,7 @@
             </a:r>
             <a:r>
               <a:rPr lang="de-DE" sz="3600" b="1" dirty="0" err="1" smtClean="0"/>
-              <a:t>Learned</a:t>
+              <a:t>we</a:t>
             </a:r>
             <a:r>
               <a:rPr lang="de-DE" sz="3600" b="1" dirty="0" smtClean="0"/>
@@ -5263,12 +5213,17 @@
             </a:r>
             <a:r>
               <a:rPr lang="de-DE" sz="3600" b="1" dirty="0" err="1" smtClean="0"/>
-              <a:t>about</a:t>
+              <a:t>fixed</a:t>
             </a:r>
             <a:r>
               <a:rPr lang="de-DE" sz="3600" b="1" dirty="0" smtClean="0"/>
-              <a:t> node.js </a:t>
-            </a:r>
+              <a:t> </a:t>
+            </a:r>
+            <a:r>
+              <a:rPr lang="de-DE" sz="3600" b="1" dirty="0" err="1" smtClean="0"/>
+              <a:t>it</a:t>
+            </a:r>
+            <a:endParaRPr lang="de-DE" sz="3600" b="1" dirty="0" smtClean="0"/>
           </a:p>
           <a:p>
             <a:endParaRPr lang="de-DE" sz="1200" b="1" dirty="0"/>
@@ -5278,249 +5233,6 @@
               <a:rPr lang="de-DE" dirty="0" smtClean="0"/>
               <a:t> </a:t>
             </a:r>
-          </a:p>
-          <a:p>
-            <a:r>
-              <a:rPr lang="de-DE" dirty="0" smtClean="0"/>
-              <a:t>	</a:t>
-            </a:r>
-            <a:r>
-              <a:rPr lang="de-DE" dirty="0" err="1" smtClean="0"/>
-              <a:t>helmet</a:t>
-            </a:r>
-            <a:r>
-              <a:rPr lang="de-DE" dirty="0" smtClean="0"/>
-              <a:t> </a:t>
-            </a:r>
-            <a:r>
-              <a:rPr lang="de-DE" dirty="0" err="1" smtClean="0"/>
-              <a:t>module</a:t>
-            </a:r>
-            <a:r>
-              <a:rPr lang="de-DE" dirty="0" smtClean="0"/>
-              <a:t> </a:t>
-            </a:r>
-            <a:r>
-              <a:rPr lang="de-DE" dirty="0" err="1" smtClean="0"/>
-              <a:t>make</a:t>
-            </a:r>
-            <a:r>
-              <a:rPr lang="de-DE" dirty="0" smtClean="0"/>
-              <a:t> </a:t>
-            </a:r>
-            <a:r>
-              <a:rPr lang="de-DE" dirty="0" err="1" smtClean="0"/>
-              <a:t>it</a:t>
-            </a:r>
-            <a:r>
-              <a:rPr lang="de-DE" dirty="0" smtClean="0"/>
-              <a:t> </a:t>
-            </a:r>
-            <a:r>
-              <a:rPr lang="de-DE" dirty="0" err="1" smtClean="0"/>
-              <a:t>very</a:t>
-            </a:r>
-            <a:r>
-              <a:rPr lang="de-DE" dirty="0" smtClean="0"/>
-              <a:t> easy </a:t>
-            </a:r>
-            <a:r>
-              <a:rPr lang="de-DE" dirty="0" err="1" smtClean="0"/>
-              <a:t>to</a:t>
-            </a:r>
-            <a:r>
-              <a:rPr lang="de-DE" dirty="0" smtClean="0"/>
-              <a:t> </a:t>
-            </a:r>
-            <a:r>
-              <a:rPr lang="de-DE" dirty="0" err="1" smtClean="0"/>
-              <a:t>ensure</a:t>
-            </a:r>
-            <a:r>
-              <a:rPr lang="de-DE" dirty="0" smtClean="0"/>
-              <a:t> </a:t>
-            </a:r>
-            <a:r>
-              <a:rPr lang="de-DE" dirty="0" err="1" smtClean="0"/>
-              <a:t>basic</a:t>
-            </a:r>
-            <a:r>
-              <a:rPr lang="de-DE" dirty="0" smtClean="0"/>
-              <a:t> </a:t>
-            </a:r>
-            <a:r>
-              <a:rPr lang="de-DE" dirty="0" err="1" smtClean="0"/>
-              <a:t>security</a:t>
-            </a:r>
-            <a:r>
-              <a:rPr lang="de-DE" dirty="0" smtClean="0"/>
-              <a:t> </a:t>
-            </a:r>
-            <a:r>
-              <a:rPr lang="de-DE" dirty="0" err="1" smtClean="0"/>
-              <a:t>set</a:t>
-            </a:r>
-            <a:r>
-              <a:rPr lang="de-DE" dirty="0" smtClean="0"/>
-              <a:t> </a:t>
-            </a:r>
-            <a:r>
-              <a:rPr lang="de-DE" dirty="0" err="1" smtClean="0"/>
-              <a:t>up</a:t>
-            </a:r>
-            <a:r>
-              <a:rPr lang="de-DE" dirty="0" smtClean="0"/>
-              <a:t> </a:t>
-            </a:r>
-            <a:r>
-              <a:rPr lang="de-DE" dirty="0" err="1" smtClean="0"/>
-              <a:t>for</a:t>
-            </a:r>
-            <a:r>
-              <a:rPr lang="de-DE" dirty="0" smtClean="0"/>
-              <a:t> </a:t>
-            </a:r>
-            <a:r>
-              <a:rPr lang="de-DE" dirty="0" err="1" smtClean="0"/>
-              <a:t>the</a:t>
-            </a:r>
-            <a:r>
-              <a:rPr lang="de-DE" dirty="0" smtClean="0"/>
-              <a:t> </a:t>
-            </a:r>
-            <a:r>
-              <a:rPr lang="de-DE" dirty="0" err="1" smtClean="0"/>
-              <a:t>server</a:t>
-            </a:r>
-            <a:endParaRPr lang="de-DE" dirty="0" smtClean="0"/>
-          </a:p>
-          <a:p>
-            <a:endParaRPr lang="de-DE" dirty="0"/>
-          </a:p>
-          <a:p>
-            <a:r>
-              <a:rPr lang="de-DE" dirty="0" smtClean="0"/>
-              <a:t>	</a:t>
-            </a:r>
-            <a:r>
-              <a:rPr lang="de-DE" dirty="0" err="1" smtClean="0"/>
-              <a:t>with</a:t>
-            </a:r>
-            <a:r>
-              <a:rPr lang="de-DE" dirty="0" smtClean="0"/>
-              <a:t> IBM </a:t>
-            </a:r>
-            <a:r>
-              <a:rPr lang="de-DE" dirty="0" err="1" smtClean="0"/>
-              <a:t>standard</a:t>
-            </a:r>
-            <a:r>
-              <a:rPr lang="de-DE" dirty="0" smtClean="0"/>
-              <a:t> </a:t>
-            </a:r>
-            <a:r>
-              <a:rPr lang="de-DE" dirty="0" err="1" smtClean="0"/>
-              <a:t>domain</a:t>
-            </a:r>
-            <a:r>
-              <a:rPr lang="de-DE" dirty="0" smtClean="0"/>
-              <a:t>, </a:t>
-            </a:r>
-            <a:r>
-              <a:rPr lang="de-DE" dirty="0" err="1" smtClean="0"/>
-              <a:t>tls</a:t>
-            </a:r>
-            <a:r>
-              <a:rPr lang="de-DE" dirty="0" smtClean="0"/>
-              <a:t> </a:t>
-            </a:r>
-            <a:r>
-              <a:rPr lang="de-DE" dirty="0" err="1" smtClean="0"/>
-              <a:t>protocol</a:t>
-            </a:r>
-            <a:r>
-              <a:rPr lang="de-DE" dirty="0" smtClean="0"/>
-              <a:t> </a:t>
-            </a:r>
-            <a:r>
-              <a:rPr lang="de-DE" dirty="0" err="1" smtClean="0"/>
-              <a:t>is</a:t>
-            </a:r>
-            <a:r>
-              <a:rPr lang="de-DE" dirty="0" smtClean="0"/>
-              <a:t> </a:t>
-            </a:r>
-            <a:r>
-              <a:rPr lang="de-DE" dirty="0" err="1" smtClean="0"/>
-              <a:t>provided</a:t>
-            </a:r>
-            <a:r>
-              <a:rPr lang="de-DE" dirty="0" smtClean="0"/>
-              <a:t> </a:t>
-            </a:r>
-            <a:r>
-              <a:rPr lang="de-DE" dirty="0" err="1" smtClean="0"/>
-              <a:t>automatically</a:t>
-            </a:r>
-            <a:r>
-              <a:rPr lang="de-DE" dirty="0" smtClean="0"/>
-              <a:t>, but </a:t>
-            </a:r>
-            <a:r>
-              <a:rPr lang="de-DE" dirty="0" err="1" smtClean="0"/>
-              <a:t>the</a:t>
-            </a:r>
-            <a:r>
-              <a:rPr lang="de-DE" dirty="0" smtClean="0"/>
-              <a:t> </a:t>
-            </a:r>
-            <a:r>
-              <a:rPr lang="de-DE" dirty="0" err="1" smtClean="0"/>
-              <a:t>case</a:t>
-            </a:r>
-            <a:r>
-              <a:rPr lang="de-DE" dirty="0" smtClean="0"/>
-              <a:t> </a:t>
-            </a:r>
-            <a:r>
-              <a:rPr lang="de-DE" dirty="0" err="1" smtClean="0"/>
-              <a:t>is</a:t>
-            </a:r>
-            <a:r>
-              <a:rPr lang="de-DE" dirty="0" smtClean="0"/>
-              <a:t> 	different </a:t>
-            </a:r>
-            <a:r>
-              <a:rPr lang="de-DE" dirty="0" err="1" smtClean="0"/>
-              <a:t>for</a:t>
-            </a:r>
-            <a:r>
-              <a:rPr lang="de-DE" dirty="0" smtClean="0"/>
-              <a:t> </a:t>
-            </a:r>
-            <a:r>
-              <a:rPr lang="de-DE" dirty="0" err="1" smtClean="0"/>
-              <a:t>custom</a:t>
-            </a:r>
-            <a:r>
-              <a:rPr lang="de-DE" dirty="0" smtClean="0"/>
-              <a:t> </a:t>
-            </a:r>
-            <a:r>
-              <a:rPr lang="de-DE" dirty="0" err="1" smtClean="0"/>
-              <a:t>domain</a:t>
-            </a:r>
-            <a:endParaRPr lang="de-DE" dirty="0" smtClean="0"/>
-          </a:p>
-          <a:p>
-            <a:endParaRPr lang="de-DE" dirty="0" smtClean="0"/>
-          </a:p>
-          <a:p>
-            <a:r>
-              <a:rPr lang="de-DE" dirty="0"/>
-              <a:t>	</a:t>
-            </a:r>
-            <a:endParaRPr lang="de-DE" dirty="0" smtClean="0"/>
           </a:p>
           <a:p>
             <a:r>
@@ -5583,28 +5295,27 @@
       </p:pic>
       <p:pic>
         <p:nvPicPr>
-          <p:cNvPr id="10" name="Grafik 9"/>
+          <p:cNvPr id="15" name="Grafik 14"/>
           <p:cNvPicPr>
             <a:picLocks noChangeAspect="1"/>
           </p:cNvPicPr>
           <p:nvPr/>
         </p:nvPicPr>
-        <p:blipFill>
-          <a:blip r:embed="rId6" cstate="print">
+        <p:blipFill rotWithShape="1">
+          <a:blip r:embed="rId6">
             <a:extLst>
               <a:ext uri="{28A0092B-C50C-407E-A947-70E740481C1C}">
                 <a14:useLocalDpi xmlns:a14="http://schemas.microsoft.com/office/drawing/2010/main" val="0"/>
               </a:ext>
             </a:extLst>
           </a:blip>
-          <a:stretch>
-            <a:fillRect/>
-          </a:stretch>
+          <a:srcRect r="3866"/>
+          <a:stretch/>
         </p:blipFill>
         <p:spPr>
           <a:xfrm>
-            <a:off x="1338909" y="2450434"/>
-            <a:ext cx="314526" cy="288116"/>
+            <a:off x="901873" y="2093430"/>
+            <a:ext cx="6826685" cy="2025338"/>
           </a:xfrm>
           <a:prstGeom prst="rect">
             <a:avLst/>
@@ -5613,68 +5324,189 @@
       </p:pic>
       <p:pic>
         <p:nvPicPr>
-          <p:cNvPr id="11" name="Grafik 10"/>
+          <p:cNvPr id="14" name="Grafik 13"/>
           <p:cNvPicPr>
             <a:picLocks noChangeAspect="1"/>
           </p:cNvPicPr>
           <p:nvPr/>
         </p:nvPicPr>
-        <p:blipFill>
-          <a:blip r:embed="rId6" cstate="print">
+        <p:blipFill rotWithShape="1">
+          <a:blip r:embed="rId7">
             <a:extLst>
               <a:ext uri="{28A0092B-C50C-407E-A947-70E740481C1C}">
                 <a14:useLocalDpi xmlns:a14="http://schemas.microsoft.com/office/drawing/2010/main" val="0"/>
               </a:ext>
             </a:extLst>
           </a:blip>
-          <a:stretch>
-            <a:fillRect/>
-          </a:stretch>
+          <a:srcRect r="1934"/>
+          <a:stretch/>
         </p:blipFill>
         <p:spPr>
           <a:xfrm>
-            <a:off x="1369536" y="3055410"/>
-            <a:ext cx="314526" cy="288116"/>
+            <a:off x="5549030" y="3191842"/>
+            <a:ext cx="6142756" cy="2499030"/>
           </a:xfrm>
           <a:prstGeom prst="rect">
             <a:avLst/>
           </a:prstGeom>
         </p:spPr>
       </p:pic>
-      <p:pic>
-        <p:nvPicPr>
-          <p:cNvPr id="12" name="Grafik 10"/>
-          <p:cNvPicPr>
-            <a:picLocks noChangeAspect="1"/>
-          </p:cNvPicPr>
+      <p:sp>
+        <p:nvSpPr>
+          <p:cNvPr id="16" name="Textfeld 15"/>
+          <p:cNvSpPr txBox="1"/>
           <p:nvPr/>
-        </p:nvPicPr>
-        <p:blipFill>
-          <a:blip r:embed="rId6" cstate="print">
-            <a:extLst>
-              <a:ext uri="{28A0092B-C50C-407E-A947-70E740481C1C}">
-                <a14:useLocalDpi xmlns:a14="http://schemas.microsoft.com/office/drawing/2010/main" val="0"/>
-              </a:ext>
-            </a:extLst>
-          </a:blip>
-          <a:stretch>
-            <a:fillRect/>
-          </a:stretch>
-        </p:blipFill>
-        <p:spPr>
-          <a:xfrm>
-            <a:off x="1369536" y="3778505"/>
-            <a:ext cx="314526" cy="288116"/>
+        </p:nvSpPr>
+        <p:spPr>
+          <a:xfrm>
+            <a:off x="901874" y="4296427"/>
+            <a:ext cx="3782860" cy="369332"/>
           </a:xfrm>
           <a:prstGeom prst="rect">
             <a:avLst/>
           </a:prstGeom>
-        </p:spPr>
-      </p:pic>
+          <a:noFill/>
+        </p:spPr>
+        <p:txBody>
+          <a:bodyPr wrap="square" rtlCol="0">
+            <a:spAutoFit/>
+          </a:bodyPr>
+          <a:lstStyle/>
+          <a:p>
+            <a:r>
+              <a:rPr lang="de-DE" b="1" dirty="0" smtClean="0"/>
+              <a:t>App </a:t>
+            </a:r>
+            <a:r>
+              <a:rPr lang="de-DE" b="1" dirty="0" err="1" smtClean="0"/>
+              <a:t>before</a:t>
+            </a:r>
+            <a:r>
+              <a:rPr lang="de-DE" b="1" dirty="0" smtClean="0"/>
+              <a:t> </a:t>
+            </a:r>
+            <a:r>
+              <a:rPr lang="de-DE" b="1" dirty="0" err="1" smtClean="0"/>
+              <a:t>fixing</a:t>
+            </a:r>
+            <a:r>
+              <a:rPr lang="de-DE" b="1" dirty="0" smtClean="0"/>
+              <a:t> </a:t>
+            </a:r>
+            <a:r>
+              <a:rPr lang="de-DE" b="1" dirty="0" err="1" smtClean="0"/>
+              <a:t>problems</a:t>
+            </a:r>
+            <a:r>
+              <a:rPr lang="de-DE" b="1" dirty="0" smtClean="0"/>
+              <a:t>  ↑</a:t>
+            </a:r>
+            <a:endParaRPr lang="de-DE" b="1" dirty="0"/>
+          </a:p>
+        </p:txBody>
+      </p:sp>
+      <p:sp>
+        <p:nvSpPr>
+          <p:cNvPr id="17" name="Textfeld 16"/>
+          <p:cNvSpPr txBox="1"/>
+          <p:nvPr/>
+        </p:nvSpPr>
+        <p:spPr>
+          <a:xfrm>
+            <a:off x="5549030" y="2730318"/>
+            <a:ext cx="3782860" cy="646331"/>
+          </a:xfrm>
+          <a:prstGeom prst="rect">
+            <a:avLst/>
+          </a:prstGeom>
+          <a:noFill/>
+        </p:spPr>
+        <p:txBody>
+          <a:bodyPr wrap="square" rtlCol="0">
+            <a:spAutoFit/>
+          </a:bodyPr>
+          <a:lstStyle/>
+          <a:p>
+            <a:r>
+              <a:rPr lang="de-DE" b="1" dirty="0" smtClean="0"/>
+              <a:t>App after </a:t>
+            </a:r>
+            <a:r>
+              <a:rPr lang="de-DE" b="1" dirty="0" err="1" smtClean="0"/>
+              <a:t>fixing</a:t>
+            </a:r>
+            <a:r>
+              <a:rPr lang="de-DE" b="1" dirty="0" smtClean="0"/>
+              <a:t> </a:t>
+            </a:r>
+            <a:r>
+              <a:rPr lang="de-DE" b="1" dirty="0" err="1" smtClean="0"/>
+              <a:t>problems</a:t>
+            </a:r>
+            <a:r>
+              <a:rPr lang="de-DE" b="1" dirty="0" smtClean="0"/>
+              <a:t>  </a:t>
+            </a:r>
+            <a:r>
+              <a:rPr lang="de-DE" b="1" dirty="0"/>
+              <a:t>↓</a:t>
+            </a:r>
+          </a:p>
+          <a:p>
+            <a:endParaRPr lang="de-DE" dirty="0"/>
+          </a:p>
+        </p:txBody>
+      </p:sp>
+      <p:sp>
+        <p:nvSpPr>
+          <p:cNvPr id="18" name="Rechteck 17"/>
+          <p:cNvSpPr/>
+          <p:nvPr/>
+        </p:nvSpPr>
+        <p:spPr>
+          <a:xfrm>
+            <a:off x="5549030" y="3795386"/>
+            <a:ext cx="4837270" cy="645971"/>
+          </a:xfrm>
+          <a:prstGeom prst="rect">
+            <a:avLst/>
+          </a:prstGeom>
+          <a:noFill/>
+          <a:ln w="19050">
+            <a:solidFill>
+              <a:srgbClr val="FF0000"/>
+            </a:solidFill>
+          </a:ln>
+        </p:spPr>
+        <p:style>
+          <a:lnRef idx="2">
+            <a:schemeClr val="accent1">
+              <a:shade val="50000"/>
+            </a:schemeClr>
+          </a:lnRef>
+          <a:fillRef idx="1">
+            <a:schemeClr val="accent1"/>
+          </a:fillRef>
+          <a:effectRef idx="0">
+            <a:schemeClr val="accent1"/>
+          </a:effectRef>
+          <a:fontRef idx="minor">
+            <a:schemeClr val="lt1"/>
+          </a:fontRef>
+        </p:style>
+        <p:txBody>
+          <a:bodyPr rtlCol="0" anchor="ctr"/>
+          <a:lstStyle/>
+          <a:p>
+            <a:pPr algn="ctr"/>
+            <a:endParaRPr lang="de-DE"/>
+          </a:p>
+        </p:txBody>
+      </p:sp>
     </p:spTree>
     <p:extLst>
       <p:ext uri="{BB962C8B-B14F-4D97-AF65-F5344CB8AC3E}">
-        <p14:creationId xmlns:p14="http://schemas.microsoft.com/office/powerpoint/2010/main" val="3504934838"/>
+        <p14:creationId xmlns:p14="http://schemas.microsoft.com/office/powerpoint/2010/main" val="3753255968"/>
       </p:ext>
     </p:extLst>
   </p:cSld>
@@ -5713,7 +5545,7 @@
           <p:cNvPr id="8" name="Grafik 7">
             <a:extLst>
               <a:ext uri="{FF2B5EF4-FFF2-40B4-BE49-F238E27FC236}">
-                <a16:creationId xmlns="" xmlns:a16="http://schemas.microsoft.com/office/drawing/2014/main" id="{E7E2C6A5-D147-4C0D-AC4E-0B48C48BC4B8}"/>
+                <a16:creationId xmlns:a16="http://schemas.microsoft.com/office/drawing/2014/main" xmlns="" id="{E7E2C6A5-D147-4C0D-AC4E-0B48C48BC4B8}"/>
               </a:ext>
             </a:extLst>
           </p:cNvPr>
@@ -5743,7 +5575,7 @@
           <p:cNvPr id="4" name="Fußzeilenplatzhalter 3">
             <a:extLst>
               <a:ext uri="{FF2B5EF4-FFF2-40B4-BE49-F238E27FC236}">
-                <a16:creationId xmlns="" xmlns:a16="http://schemas.microsoft.com/office/drawing/2014/main" id="{EBEEBE32-E0F1-4769-9C78-BB3B31F5CA53}"/>
+                <a16:creationId xmlns:a16="http://schemas.microsoft.com/office/drawing/2014/main" xmlns="" id="{EBEEBE32-E0F1-4769-9C78-BB3B31F5CA53}"/>
               </a:ext>
             </a:extLst>
           </p:cNvPr>
@@ -5777,7 +5609,7 @@
           <p:cNvPr id="5" name="Foliennummernplatzhalter 4">
             <a:extLst>
               <a:ext uri="{FF2B5EF4-FFF2-40B4-BE49-F238E27FC236}">
-                <a16:creationId xmlns="" xmlns:a16="http://schemas.microsoft.com/office/drawing/2014/main" id="{FF774BF5-4681-422B-BB2E-A8C81B9F3BB8}"/>
+                <a16:creationId xmlns:a16="http://schemas.microsoft.com/office/drawing/2014/main" xmlns="" id="{FF774BF5-4681-422B-BB2E-A8C81B9F3BB8}"/>
               </a:ext>
             </a:extLst>
           </p:cNvPr>
@@ -5806,7 +5638,7 @@
           <p:cNvPr id="6" name="Grafik 5">
             <a:extLst>
               <a:ext uri="{FF2B5EF4-FFF2-40B4-BE49-F238E27FC236}">
-                <a16:creationId xmlns="" xmlns:a16="http://schemas.microsoft.com/office/drawing/2014/main" id="{BCAFA80E-26BB-4A40-86DD-C77151BB2E2B}"/>
+                <a16:creationId xmlns:a16="http://schemas.microsoft.com/office/drawing/2014/main" xmlns="" id="{BCAFA80E-26BB-4A40-86DD-C77151BB2E2B}"/>
               </a:ext>
             </a:extLst>
           </p:cNvPr>
@@ -5836,7 +5668,1055 @@
           <p:cNvPr id="7" name="Grafik 6">
             <a:extLst>
               <a:ext uri="{FF2B5EF4-FFF2-40B4-BE49-F238E27FC236}">
-                <a16:creationId xmlns="" xmlns:a16="http://schemas.microsoft.com/office/drawing/2014/main" id="{C75C8862-9845-4296-9F2C-2F74796FA2DD}"/>
+                <a16:creationId xmlns:a16="http://schemas.microsoft.com/office/drawing/2014/main" xmlns="" id="{C75C8862-9845-4296-9F2C-2F74796FA2DD}"/>
+              </a:ext>
+            </a:extLst>
+          </p:cNvPr>
+          <p:cNvPicPr>
+            <a:picLocks noChangeAspect="1"/>
+          </p:cNvPicPr>
+          <p:nvPr/>
+        </p:nvPicPr>
+        <p:blipFill>
+          <a:blip r:embed="rId4"/>
+          <a:stretch>
+            <a:fillRect/>
+          </a:stretch>
+        </p:blipFill>
+        <p:spPr>
+          <a:xfrm>
+            <a:off x="9418800" y="5768323"/>
+            <a:ext cx="2244600" cy="598300"/>
+          </a:xfrm>
+          <a:prstGeom prst="rect">
+            <a:avLst/>
+          </a:prstGeom>
+        </p:spPr>
+      </p:pic>
+      <p:sp>
+        <p:nvSpPr>
+          <p:cNvPr id="2" name="Textfeld 1"/>
+          <p:cNvSpPr txBox="1"/>
+          <p:nvPr/>
+        </p:nvSpPr>
+        <p:spPr>
+          <a:xfrm>
+            <a:off x="901874" y="1122363"/>
+            <a:ext cx="9294312" cy="4985980"/>
+          </a:xfrm>
+          <a:prstGeom prst="rect">
+            <a:avLst/>
+          </a:prstGeom>
+          <a:noFill/>
+        </p:spPr>
+        <p:txBody>
+          <a:bodyPr wrap="square" rtlCol="0">
+            <a:spAutoFit/>
+          </a:bodyPr>
+          <a:lstStyle/>
+          <a:p>
+            <a:r>
+              <a:rPr lang="de-DE" dirty="0" smtClean="0"/>
+              <a:t>Cloud Computing </a:t>
+            </a:r>
+          </a:p>
+          <a:p>
+            <a:r>
+              <a:rPr lang="de-DE" sz="3600" b="1" dirty="0" smtClean="0"/>
+              <a:t>Security Report &amp; </a:t>
+            </a:r>
+            <a:r>
+              <a:rPr lang="de-DE" sz="3600" b="1" dirty="0" err="1" smtClean="0"/>
+              <a:t>How</a:t>
+            </a:r>
+            <a:r>
+              <a:rPr lang="de-DE" sz="3600" b="1" dirty="0" smtClean="0"/>
+              <a:t> </a:t>
+            </a:r>
+            <a:r>
+              <a:rPr lang="de-DE" sz="3600" b="1" dirty="0" err="1" smtClean="0"/>
+              <a:t>we</a:t>
+            </a:r>
+            <a:r>
+              <a:rPr lang="de-DE" sz="3600" b="1" dirty="0" smtClean="0"/>
+              <a:t> </a:t>
+            </a:r>
+            <a:r>
+              <a:rPr lang="de-DE" sz="3600" b="1" dirty="0" err="1" smtClean="0"/>
+              <a:t>fixed</a:t>
+            </a:r>
+            <a:r>
+              <a:rPr lang="de-DE" sz="3600" b="1" dirty="0" smtClean="0"/>
+              <a:t> </a:t>
+            </a:r>
+            <a:r>
+              <a:rPr lang="de-DE" sz="3600" b="1" dirty="0" err="1" smtClean="0"/>
+              <a:t>it</a:t>
+            </a:r>
+            <a:endParaRPr lang="de-DE" sz="3600" b="1" dirty="0" smtClean="0"/>
+          </a:p>
+          <a:p>
+            <a:endParaRPr lang="de-DE" sz="1200" b="1" dirty="0"/>
+          </a:p>
+          <a:p>
+            <a:r>
+              <a:rPr lang="de-DE" dirty="0" smtClean="0"/>
+              <a:t> </a:t>
+            </a:r>
+          </a:p>
+          <a:p>
+            <a:r>
+              <a:rPr lang="de-DE" dirty="0" smtClean="0"/>
+              <a:t>	</a:t>
+            </a:r>
+            <a:r>
+              <a:rPr lang="de-DE" dirty="0" err="1" smtClean="0"/>
+              <a:t>Using</a:t>
+            </a:r>
+            <a:r>
+              <a:rPr lang="de-DE" dirty="0" smtClean="0"/>
+              <a:t> </a:t>
+            </a:r>
+            <a:r>
+              <a:rPr lang="de-DE" dirty="0" err="1" smtClean="0"/>
+              <a:t>Helmet</a:t>
+            </a:r>
+            <a:r>
+              <a:rPr lang="de-DE" dirty="0" smtClean="0"/>
+              <a:t> </a:t>
+            </a:r>
+            <a:r>
+              <a:rPr lang="de-DE" dirty="0" err="1" smtClean="0"/>
+              <a:t>module</a:t>
+            </a:r>
+            <a:r>
+              <a:rPr lang="de-DE" dirty="0" smtClean="0"/>
+              <a:t> </a:t>
+            </a:r>
+          </a:p>
+          <a:p>
+            <a:endParaRPr lang="de-DE" dirty="0"/>
+          </a:p>
+          <a:p>
+            <a:endParaRPr lang="de-DE" dirty="0" smtClean="0"/>
+          </a:p>
+          <a:p>
+            <a:endParaRPr lang="de-DE" sz="3600" b="1" dirty="0"/>
+          </a:p>
+          <a:p>
+            <a:endParaRPr lang="de-DE" sz="3600" b="1" dirty="0" smtClean="0"/>
+          </a:p>
+          <a:p>
+            <a:endParaRPr lang="de-DE" sz="3600" b="1" dirty="0"/>
+          </a:p>
+          <a:p>
+            <a:endParaRPr lang="de-DE" sz="3600" b="1" dirty="0" smtClean="0"/>
+          </a:p>
+          <a:p>
+            <a:endParaRPr lang="de-DE" sz="3600" b="1" dirty="0" smtClean="0"/>
+          </a:p>
+        </p:txBody>
+      </p:sp>
+      <p:pic>
+        <p:nvPicPr>
+          <p:cNvPr id="9" name="Grafik 8"/>
+          <p:cNvPicPr>
+            <a:picLocks noChangeAspect="1"/>
+          </p:cNvPicPr>
+          <p:nvPr/>
+        </p:nvPicPr>
+        <p:blipFill>
+          <a:blip r:embed="rId5" cstate="print">
+            <a:extLst>
+              <a:ext uri="{28A0092B-C50C-407E-A947-70E740481C1C}">
+                <a14:useLocalDpi xmlns:a14="http://schemas.microsoft.com/office/drawing/2010/main" val="0"/>
+              </a:ext>
+            </a:extLst>
+          </a:blip>
+          <a:stretch>
+            <a:fillRect/>
+          </a:stretch>
+        </p:blipFill>
+        <p:spPr>
+          <a:xfrm>
+            <a:off x="233868" y="235947"/>
+            <a:ext cx="629052" cy="576231"/>
+          </a:xfrm>
+          <a:prstGeom prst="rect">
+            <a:avLst/>
+          </a:prstGeom>
+        </p:spPr>
+      </p:pic>
+      <p:pic>
+        <p:nvPicPr>
+          <p:cNvPr id="10" name="Grafik 9"/>
+          <p:cNvPicPr>
+            <a:picLocks noChangeAspect="1"/>
+          </p:cNvPicPr>
+          <p:nvPr/>
+        </p:nvPicPr>
+        <p:blipFill>
+          <a:blip r:embed="rId6" cstate="print">
+            <a:extLst>
+              <a:ext uri="{28A0092B-C50C-407E-A947-70E740481C1C}">
+                <a14:useLocalDpi xmlns:a14="http://schemas.microsoft.com/office/drawing/2010/main" val="0"/>
+              </a:ext>
+            </a:extLst>
+          </a:blip>
+          <a:stretch>
+            <a:fillRect/>
+          </a:stretch>
+        </p:blipFill>
+        <p:spPr>
+          <a:xfrm>
+            <a:off x="1338909" y="2450434"/>
+            <a:ext cx="314526" cy="288116"/>
+          </a:xfrm>
+          <a:prstGeom prst="rect">
+            <a:avLst/>
+          </a:prstGeom>
+        </p:spPr>
+      </p:pic>
+      <p:pic>
+        <p:nvPicPr>
+          <p:cNvPr id="11" name="Grafik 10"/>
+          <p:cNvPicPr>
+            <a:picLocks noChangeAspect="1"/>
+          </p:cNvPicPr>
+          <p:nvPr/>
+        </p:nvPicPr>
+        <p:blipFill>
+          <a:blip r:embed="rId6" cstate="print">
+            <a:extLst>
+              <a:ext uri="{28A0092B-C50C-407E-A947-70E740481C1C}">
+                <a14:useLocalDpi xmlns:a14="http://schemas.microsoft.com/office/drawing/2010/main" val="0"/>
+              </a:ext>
+            </a:extLst>
+          </a:blip>
+          <a:stretch>
+            <a:fillRect/>
+          </a:stretch>
+        </p:blipFill>
+        <p:spPr>
+          <a:xfrm>
+            <a:off x="1369536" y="3055410"/>
+            <a:ext cx="314526" cy="288116"/>
+          </a:xfrm>
+          <a:prstGeom prst="rect">
+            <a:avLst/>
+          </a:prstGeom>
+        </p:spPr>
+      </p:pic>
+    </p:spTree>
+    <p:extLst>
+      <p:ext uri="{BB962C8B-B14F-4D97-AF65-F5344CB8AC3E}">
+        <p14:creationId xmlns:p14="http://schemas.microsoft.com/office/powerpoint/2010/main" val="3031969449"/>
+      </p:ext>
+    </p:extLst>
+  </p:cSld>
+  <p:clrMapOvr>
+    <a:masterClrMapping/>
+  </p:clrMapOvr>
+  <p:timing>
+    <p:tnLst>
+      <p:par>
+        <p:cTn id="1" dur="indefinite" restart="never" nodeType="tmRoot"/>
+      </p:par>
+    </p:tnLst>
+  </p:timing>
+</p:sld>
+</file>
+
+<file path=ppt/slides/slide7.xml><?xml version="1.0" encoding="utf-8"?>
+<p:sld xmlns:a="http://schemas.openxmlformats.org/drawingml/2006/main" xmlns:r="http://schemas.openxmlformats.org/officeDocument/2006/relationships" xmlns:p="http://schemas.openxmlformats.org/presentationml/2006/main">
+  <p:cSld>
+    <p:spTree>
+      <p:nvGrpSpPr>
+        <p:cNvPr id="1" name=""/>
+        <p:cNvGrpSpPr/>
+        <p:nvPr/>
+      </p:nvGrpSpPr>
+      <p:grpSpPr>
+        <a:xfrm>
+          <a:off x="0" y="0"/>
+          <a:ext cx="0" cy="0"/>
+          <a:chOff x="0" y="0"/>
+          <a:chExt cx="0" cy="0"/>
+        </a:xfrm>
+      </p:grpSpPr>
+      <p:pic>
+        <p:nvPicPr>
+          <p:cNvPr id="8" name="Grafik 7">
+            <a:extLst>
+              <a:ext uri="{FF2B5EF4-FFF2-40B4-BE49-F238E27FC236}">
+                <a16:creationId xmlns:a16="http://schemas.microsoft.com/office/drawing/2014/main" xmlns="" id="{E7E2C6A5-D147-4C0D-AC4E-0B48C48BC4B8}"/>
+              </a:ext>
+            </a:extLst>
+          </p:cNvPr>
+          <p:cNvPicPr>
+            <a:picLocks noChangeAspect="1"/>
+          </p:cNvPicPr>
+          <p:nvPr/>
+        </p:nvPicPr>
+        <p:blipFill>
+          <a:blip r:embed="rId2"/>
+          <a:stretch>
+            <a:fillRect/>
+          </a:stretch>
+        </p:blipFill>
+        <p:spPr>
+          <a:xfrm>
+            <a:off x="0" y="6103029"/>
+            <a:ext cx="12192000" cy="505097"/>
+          </a:xfrm>
+          <a:prstGeom prst="rect">
+            <a:avLst/>
+          </a:prstGeom>
+        </p:spPr>
+      </p:pic>
+      <p:sp>
+        <p:nvSpPr>
+          <p:cNvPr id="4" name="Fußzeilenplatzhalter 3">
+            <a:extLst>
+              <a:ext uri="{FF2B5EF4-FFF2-40B4-BE49-F238E27FC236}">
+                <a16:creationId xmlns:a16="http://schemas.microsoft.com/office/drawing/2014/main" xmlns="" id="{EBEEBE32-E0F1-4769-9C78-BB3B31F5CA53}"/>
+              </a:ext>
+            </a:extLst>
+          </p:cNvPr>
+          <p:cNvSpPr>
+            <a:spLocks noGrp="1"/>
+          </p:cNvSpPr>
+          <p:nvPr>
+            <p:ph type="ftr" sz="quarter" idx="11"/>
+          </p:nvPr>
+        </p:nvSpPr>
+        <p:spPr>
+          <a:xfrm>
+            <a:off x="4038600" y="6514100"/>
+            <a:ext cx="4114800" cy="316706"/>
+          </a:xfrm>
+        </p:spPr>
+        <p:txBody>
+          <a:bodyPr/>
+          <a:lstStyle/>
+          <a:p>
+            <a:r>
+              <a:rPr lang="en-US" smtClean="0"/>
+              <a:t>Hannah Haist | Trang Le Hong | Felix Schoch</a:t>
+            </a:r>
+            <a:endParaRPr lang="de-DE" dirty="0"/>
+          </a:p>
+        </p:txBody>
+      </p:sp>
+      <p:sp>
+        <p:nvSpPr>
+          <p:cNvPr id="5" name="Foliennummernplatzhalter 4">
+            <a:extLst>
+              <a:ext uri="{FF2B5EF4-FFF2-40B4-BE49-F238E27FC236}">
+                <a16:creationId xmlns:a16="http://schemas.microsoft.com/office/drawing/2014/main" xmlns="" id="{FF774BF5-4681-422B-BB2E-A8C81B9F3BB8}"/>
+              </a:ext>
+            </a:extLst>
+          </p:cNvPr>
+          <p:cNvSpPr>
+            <a:spLocks noGrp="1"/>
+          </p:cNvSpPr>
+          <p:nvPr>
+            <p:ph type="sldNum" sz="quarter" idx="12"/>
+          </p:nvPr>
+        </p:nvSpPr>
+        <p:spPr/>
+        <p:txBody>
+          <a:bodyPr/>
+          <a:lstStyle/>
+          <a:p>
+            <a:fld id="{84940753-34CA-4D56-AA4B-98285DECA8F8}" type="slidenum">
+              <a:rPr lang="de-DE" smtClean="0"/>
+              <a:t>7</a:t>
+            </a:fld>
+            <a:endParaRPr lang="de-DE"/>
+          </a:p>
+        </p:txBody>
+      </p:sp>
+      <p:pic>
+        <p:nvPicPr>
+          <p:cNvPr id="6" name="Grafik 5">
+            <a:extLst>
+              <a:ext uri="{FF2B5EF4-FFF2-40B4-BE49-F238E27FC236}">
+                <a16:creationId xmlns:a16="http://schemas.microsoft.com/office/drawing/2014/main" xmlns="" id="{BCAFA80E-26BB-4A40-86DD-C77151BB2E2B}"/>
+              </a:ext>
+            </a:extLst>
+          </p:cNvPr>
+          <p:cNvPicPr>
+            <a:picLocks noChangeAspect="1"/>
+          </p:cNvPicPr>
+          <p:nvPr/>
+        </p:nvPicPr>
+        <p:blipFill>
+          <a:blip r:embed="rId3"/>
+          <a:stretch>
+            <a:fillRect/>
+          </a:stretch>
+        </p:blipFill>
+        <p:spPr>
+          <a:xfrm>
+            <a:off x="9418800" y="524063"/>
+            <a:ext cx="1935000" cy="598300"/>
+          </a:xfrm>
+          <a:prstGeom prst="rect">
+            <a:avLst/>
+          </a:prstGeom>
+        </p:spPr>
+      </p:pic>
+      <p:pic>
+        <p:nvPicPr>
+          <p:cNvPr id="7" name="Grafik 6">
+            <a:extLst>
+              <a:ext uri="{FF2B5EF4-FFF2-40B4-BE49-F238E27FC236}">
+                <a16:creationId xmlns:a16="http://schemas.microsoft.com/office/drawing/2014/main" xmlns="" id="{C75C8862-9845-4296-9F2C-2F74796FA2DD}"/>
+              </a:ext>
+            </a:extLst>
+          </p:cNvPr>
+          <p:cNvPicPr>
+            <a:picLocks noChangeAspect="1"/>
+          </p:cNvPicPr>
+          <p:nvPr/>
+        </p:nvPicPr>
+        <p:blipFill>
+          <a:blip r:embed="rId4"/>
+          <a:stretch>
+            <a:fillRect/>
+          </a:stretch>
+        </p:blipFill>
+        <p:spPr>
+          <a:xfrm>
+            <a:off x="9418800" y="5768323"/>
+            <a:ext cx="2244600" cy="598300"/>
+          </a:xfrm>
+          <a:prstGeom prst="rect">
+            <a:avLst/>
+          </a:prstGeom>
+        </p:spPr>
+      </p:pic>
+      <p:sp>
+        <p:nvSpPr>
+          <p:cNvPr id="2" name="Textfeld 1"/>
+          <p:cNvSpPr txBox="1"/>
+          <p:nvPr/>
+        </p:nvSpPr>
+        <p:spPr>
+          <a:xfrm>
+            <a:off x="901874" y="1122363"/>
+            <a:ext cx="9294312" cy="6647974"/>
+          </a:xfrm>
+          <a:prstGeom prst="rect">
+            <a:avLst/>
+          </a:prstGeom>
+          <a:noFill/>
+        </p:spPr>
+        <p:txBody>
+          <a:bodyPr wrap="square" rtlCol="0">
+            <a:spAutoFit/>
+          </a:bodyPr>
+          <a:lstStyle/>
+          <a:p>
+            <a:r>
+              <a:rPr lang="de-DE" dirty="0" smtClean="0"/>
+              <a:t>Cloud Computing </a:t>
+            </a:r>
+          </a:p>
+          <a:p>
+            <a:r>
+              <a:rPr lang="de-DE" sz="3600" b="1" dirty="0" err="1" smtClean="0"/>
+              <a:t>Lessons</a:t>
+            </a:r>
+            <a:r>
+              <a:rPr lang="de-DE" sz="3600" b="1" dirty="0" smtClean="0"/>
+              <a:t> </a:t>
+            </a:r>
+            <a:r>
+              <a:rPr lang="de-DE" sz="3600" b="1" dirty="0" err="1" smtClean="0"/>
+              <a:t>Learned</a:t>
+            </a:r>
+            <a:r>
+              <a:rPr lang="de-DE" sz="3600" b="1" dirty="0" smtClean="0"/>
+              <a:t> </a:t>
+            </a:r>
+            <a:r>
+              <a:rPr lang="de-DE" sz="3600" b="1" dirty="0" err="1" smtClean="0"/>
+              <a:t>about</a:t>
+            </a:r>
+            <a:r>
+              <a:rPr lang="de-DE" sz="3600" b="1" dirty="0" smtClean="0"/>
+              <a:t> node.js </a:t>
+            </a:r>
+          </a:p>
+          <a:p>
+            <a:endParaRPr lang="de-DE" sz="1200" b="1" dirty="0"/>
+          </a:p>
+          <a:p>
+            <a:r>
+              <a:rPr lang="de-DE" dirty="0" smtClean="0"/>
+              <a:t> </a:t>
+            </a:r>
+          </a:p>
+          <a:p>
+            <a:r>
+              <a:rPr lang="de-DE" dirty="0" smtClean="0"/>
+              <a:t>	</a:t>
+            </a:r>
+            <a:r>
+              <a:rPr lang="de-DE" dirty="0" err="1" smtClean="0"/>
+              <a:t>helmet</a:t>
+            </a:r>
+            <a:r>
+              <a:rPr lang="de-DE" dirty="0" smtClean="0"/>
+              <a:t> </a:t>
+            </a:r>
+            <a:r>
+              <a:rPr lang="de-DE" dirty="0" err="1" smtClean="0"/>
+              <a:t>module</a:t>
+            </a:r>
+            <a:r>
+              <a:rPr lang="de-DE" dirty="0" smtClean="0"/>
+              <a:t> </a:t>
+            </a:r>
+            <a:r>
+              <a:rPr lang="de-DE" dirty="0" err="1" smtClean="0"/>
+              <a:t>make</a:t>
+            </a:r>
+            <a:r>
+              <a:rPr lang="de-DE" dirty="0" smtClean="0"/>
+              <a:t> </a:t>
+            </a:r>
+            <a:r>
+              <a:rPr lang="de-DE" dirty="0" err="1" smtClean="0"/>
+              <a:t>it</a:t>
+            </a:r>
+            <a:r>
+              <a:rPr lang="de-DE" dirty="0" smtClean="0"/>
+              <a:t> </a:t>
+            </a:r>
+            <a:r>
+              <a:rPr lang="de-DE" dirty="0" err="1" smtClean="0"/>
+              <a:t>very</a:t>
+            </a:r>
+            <a:r>
+              <a:rPr lang="de-DE" dirty="0" smtClean="0"/>
+              <a:t> easy </a:t>
+            </a:r>
+            <a:r>
+              <a:rPr lang="de-DE" dirty="0" err="1" smtClean="0"/>
+              <a:t>to</a:t>
+            </a:r>
+            <a:r>
+              <a:rPr lang="de-DE" dirty="0" smtClean="0"/>
+              <a:t> </a:t>
+            </a:r>
+            <a:r>
+              <a:rPr lang="de-DE" dirty="0" err="1" smtClean="0"/>
+              <a:t>ensure</a:t>
+            </a:r>
+            <a:r>
+              <a:rPr lang="de-DE" dirty="0" smtClean="0"/>
+              <a:t> </a:t>
+            </a:r>
+            <a:r>
+              <a:rPr lang="de-DE" dirty="0" err="1" smtClean="0"/>
+              <a:t>basic</a:t>
+            </a:r>
+            <a:r>
+              <a:rPr lang="de-DE" dirty="0" smtClean="0"/>
+              <a:t> </a:t>
+            </a:r>
+            <a:r>
+              <a:rPr lang="de-DE" dirty="0" err="1" smtClean="0"/>
+              <a:t>security</a:t>
+            </a:r>
+            <a:r>
+              <a:rPr lang="de-DE" dirty="0" smtClean="0"/>
+              <a:t> </a:t>
+            </a:r>
+            <a:r>
+              <a:rPr lang="de-DE" dirty="0" err="1" smtClean="0"/>
+              <a:t>set</a:t>
+            </a:r>
+            <a:r>
+              <a:rPr lang="de-DE" dirty="0" smtClean="0"/>
+              <a:t> </a:t>
+            </a:r>
+            <a:r>
+              <a:rPr lang="de-DE" dirty="0" err="1" smtClean="0"/>
+              <a:t>up</a:t>
+            </a:r>
+            <a:r>
+              <a:rPr lang="de-DE" dirty="0" smtClean="0"/>
+              <a:t> </a:t>
+            </a:r>
+            <a:r>
+              <a:rPr lang="de-DE" dirty="0" err="1" smtClean="0"/>
+              <a:t>for</a:t>
+            </a:r>
+            <a:r>
+              <a:rPr lang="de-DE" dirty="0" smtClean="0"/>
+              <a:t> </a:t>
+            </a:r>
+            <a:r>
+              <a:rPr lang="de-DE" dirty="0" err="1" smtClean="0"/>
+              <a:t>the</a:t>
+            </a:r>
+            <a:r>
+              <a:rPr lang="de-DE" dirty="0" smtClean="0"/>
+              <a:t> </a:t>
+            </a:r>
+            <a:r>
+              <a:rPr lang="de-DE" dirty="0" err="1" smtClean="0"/>
+              <a:t>server</a:t>
+            </a:r>
+            <a:endParaRPr lang="de-DE" dirty="0" smtClean="0"/>
+          </a:p>
+          <a:p>
+            <a:endParaRPr lang="de-DE" dirty="0"/>
+          </a:p>
+          <a:p>
+            <a:r>
+              <a:rPr lang="de-DE" dirty="0" smtClean="0"/>
+              <a:t>	</a:t>
+            </a:r>
+            <a:r>
+              <a:rPr lang="de-DE" dirty="0" err="1" smtClean="0"/>
+              <a:t>with</a:t>
+            </a:r>
+            <a:r>
+              <a:rPr lang="de-DE" dirty="0" smtClean="0"/>
+              <a:t> IBM </a:t>
+            </a:r>
+            <a:r>
+              <a:rPr lang="de-DE" dirty="0" err="1" smtClean="0"/>
+              <a:t>standard</a:t>
+            </a:r>
+            <a:r>
+              <a:rPr lang="de-DE" dirty="0" smtClean="0"/>
+              <a:t> </a:t>
+            </a:r>
+            <a:r>
+              <a:rPr lang="de-DE" dirty="0" err="1" smtClean="0"/>
+              <a:t>domain</a:t>
+            </a:r>
+            <a:r>
+              <a:rPr lang="de-DE" dirty="0" smtClean="0"/>
+              <a:t>, </a:t>
+            </a:r>
+            <a:r>
+              <a:rPr lang="de-DE" dirty="0" err="1" smtClean="0"/>
+              <a:t>tls</a:t>
+            </a:r>
+            <a:r>
+              <a:rPr lang="de-DE" dirty="0" smtClean="0"/>
+              <a:t> </a:t>
+            </a:r>
+            <a:r>
+              <a:rPr lang="de-DE" dirty="0" err="1" smtClean="0"/>
+              <a:t>protocol</a:t>
+            </a:r>
+            <a:r>
+              <a:rPr lang="de-DE" dirty="0" smtClean="0"/>
+              <a:t> </a:t>
+            </a:r>
+            <a:r>
+              <a:rPr lang="de-DE" dirty="0" err="1" smtClean="0"/>
+              <a:t>is</a:t>
+            </a:r>
+            <a:r>
+              <a:rPr lang="de-DE" dirty="0" smtClean="0"/>
+              <a:t> </a:t>
+            </a:r>
+            <a:r>
+              <a:rPr lang="de-DE" dirty="0" err="1" smtClean="0"/>
+              <a:t>provided</a:t>
+            </a:r>
+            <a:r>
+              <a:rPr lang="de-DE" dirty="0" smtClean="0"/>
+              <a:t> </a:t>
+            </a:r>
+            <a:r>
+              <a:rPr lang="de-DE" dirty="0" err="1" smtClean="0"/>
+              <a:t>automatically</a:t>
+            </a:r>
+            <a:r>
+              <a:rPr lang="de-DE" dirty="0" smtClean="0"/>
+              <a:t>, but </a:t>
+            </a:r>
+            <a:r>
+              <a:rPr lang="de-DE" dirty="0" err="1" smtClean="0"/>
+              <a:t>the</a:t>
+            </a:r>
+            <a:r>
+              <a:rPr lang="de-DE" dirty="0" smtClean="0"/>
+              <a:t> </a:t>
+            </a:r>
+            <a:r>
+              <a:rPr lang="de-DE" dirty="0" err="1" smtClean="0"/>
+              <a:t>case</a:t>
+            </a:r>
+            <a:r>
+              <a:rPr lang="de-DE" dirty="0" smtClean="0"/>
+              <a:t> </a:t>
+            </a:r>
+            <a:r>
+              <a:rPr lang="de-DE" dirty="0" err="1" smtClean="0"/>
+              <a:t>is</a:t>
+            </a:r>
+            <a:r>
+              <a:rPr lang="de-DE" dirty="0" smtClean="0"/>
+              <a:t> 	different </a:t>
+            </a:r>
+            <a:r>
+              <a:rPr lang="de-DE" dirty="0" err="1" smtClean="0"/>
+              <a:t>for</a:t>
+            </a:r>
+            <a:r>
+              <a:rPr lang="de-DE" dirty="0" smtClean="0"/>
+              <a:t> </a:t>
+            </a:r>
+            <a:r>
+              <a:rPr lang="de-DE" dirty="0" err="1" smtClean="0"/>
+              <a:t>custom</a:t>
+            </a:r>
+            <a:r>
+              <a:rPr lang="de-DE" dirty="0" smtClean="0"/>
+              <a:t> </a:t>
+            </a:r>
+            <a:r>
+              <a:rPr lang="de-DE" dirty="0" err="1" smtClean="0"/>
+              <a:t>domain</a:t>
+            </a:r>
+            <a:endParaRPr lang="de-DE" dirty="0" smtClean="0"/>
+          </a:p>
+          <a:p>
+            <a:endParaRPr lang="de-DE" dirty="0" smtClean="0"/>
+          </a:p>
+          <a:p>
+            <a:r>
+              <a:rPr lang="de-DE" dirty="0"/>
+              <a:t>	</a:t>
+            </a:r>
+            <a:endParaRPr lang="de-DE" dirty="0" smtClean="0"/>
+          </a:p>
+          <a:p>
+            <a:r>
+              <a:rPr lang="de-DE" dirty="0" smtClean="0"/>
+              <a:t>	</a:t>
+            </a:r>
+          </a:p>
+          <a:p>
+            <a:endParaRPr lang="de-DE" dirty="0"/>
+          </a:p>
+          <a:p>
+            <a:endParaRPr lang="de-DE" dirty="0" smtClean="0"/>
+          </a:p>
+          <a:p>
+            <a:endParaRPr lang="de-DE" sz="3600" b="1" dirty="0"/>
+          </a:p>
+          <a:p>
+            <a:endParaRPr lang="de-DE" sz="3600" b="1" dirty="0" smtClean="0"/>
+          </a:p>
+          <a:p>
+            <a:endParaRPr lang="de-DE" sz="3600" b="1" dirty="0"/>
+          </a:p>
+          <a:p>
+            <a:endParaRPr lang="de-DE" sz="3600" b="1" dirty="0" smtClean="0"/>
+          </a:p>
+          <a:p>
+            <a:endParaRPr lang="de-DE" sz="3600" b="1" dirty="0" smtClean="0"/>
+          </a:p>
+        </p:txBody>
+      </p:sp>
+      <p:pic>
+        <p:nvPicPr>
+          <p:cNvPr id="9" name="Grafik 8"/>
+          <p:cNvPicPr>
+            <a:picLocks noChangeAspect="1"/>
+          </p:cNvPicPr>
+          <p:nvPr/>
+        </p:nvPicPr>
+        <p:blipFill>
+          <a:blip r:embed="rId5" cstate="print">
+            <a:extLst>
+              <a:ext uri="{28A0092B-C50C-407E-A947-70E740481C1C}">
+                <a14:useLocalDpi xmlns:a14="http://schemas.microsoft.com/office/drawing/2010/main" val="0"/>
+              </a:ext>
+            </a:extLst>
+          </a:blip>
+          <a:stretch>
+            <a:fillRect/>
+          </a:stretch>
+        </p:blipFill>
+        <p:spPr>
+          <a:xfrm>
+            <a:off x="233868" y="235947"/>
+            <a:ext cx="629052" cy="576231"/>
+          </a:xfrm>
+          <a:prstGeom prst="rect">
+            <a:avLst/>
+          </a:prstGeom>
+        </p:spPr>
+      </p:pic>
+      <p:pic>
+        <p:nvPicPr>
+          <p:cNvPr id="10" name="Grafik 9"/>
+          <p:cNvPicPr>
+            <a:picLocks noChangeAspect="1"/>
+          </p:cNvPicPr>
+          <p:nvPr/>
+        </p:nvPicPr>
+        <p:blipFill>
+          <a:blip r:embed="rId6" cstate="print">
+            <a:extLst>
+              <a:ext uri="{28A0092B-C50C-407E-A947-70E740481C1C}">
+                <a14:useLocalDpi xmlns:a14="http://schemas.microsoft.com/office/drawing/2010/main" val="0"/>
+              </a:ext>
+            </a:extLst>
+          </a:blip>
+          <a:stretch>
+            <a:fillRect/>
+          </a:stretch>
+        </p:blipFill>
+        <p:spPr>
+          <a:xfrm>
+            <a:off x="1338909" y="2450434"/>
+            <a:ext cx="314526" cy="288116"/>
+          </a:xfrm>
+          <a:prstGeom prst="rect">
+            <a:avLst/>
+          </a:prstGeom>
+        </p:spPr>
+      </p:pic>
+      <p:pic>
+        <p:nvPicPr>
+          <p:cNvPr id="11" name="Grafik 10"/>
+          <p:cNvPicPr>
+            <a:picLocks noChangeAspect="1"/>
+          </p:cNvPicPr>
+          <p:nvPr/>
+        </p:nvPicPr>
+        <p:blipFill>
+          <a:blip r:embed="rId6" cstate="print">
+            <a:extLst>
+              <a:ext uri="{28A0092B-C50C-407E-A947-70E740481C1C}">
+                <a14:useLocalDpi xmlns:a14="http://schemas.microsoft.com/office/drawing/2010/main" val="0"/>
+              </a:ext>
+            </a:extLst>
+          </a:blip>
+          <a:stretch>
+            <a:fillRect/>
+          </a:stretch>
+        </p:blipFill>
+        <p:spPr>
+          <a:xfrm>
+            <a:off x="1369536" y="3055410"/>
+            <a:ext cx="314526" cy="288116"/>
+          </a:xfrm>
+          <a:prstGeom prst="rect">
+            <a:avLst/>
+          </a:prstGeom>
+        </p:spPr>
+      </p:pic>
+      <p:pic>
+        <p:nvPicPr>
+          <p:cNvPr id="12" name="Grafik 10"/>
+          <p:cNvPicPr>
+            <a:picLocks noChangeAspect="1"/>
+          </p:cNvPicPr>
+          <p:nvPr/>
+        </p:nvPicPr>
+        <p:blipFill>
+          <a:blip r:embed="rId6" cstate="print">
+            <a:extLst>
+              <a:ext uri="{28A0092B-C50C-407E-A947-70E740481C1C}">
+                <a14:useLocalDpi xmlns:a14="http://schemas.microsoft.com/office/drawing/2010/main" val="0"/>
+              </a:ext>
+            </a:extLst>
+          </a:blip>
+          <a:stretch>
+            <a:fillRect/>
+          </a:stretch>
+        </p:blipFill>
+        <p:spPr>
+          <a:xfrm>
+            <a:off x="1369536" y="3778505"/>
+            <a:ext cx="314526" cy="288116"/>
+          </a:xfrm>
+          <a:prstGeom prst="rect">
+            <a:avLst/>
+          </a:prstGeom>
+        </p:spPr>
+      </p:pic>
+    </p:spTree>
+    <p:extLst>
+      <p:ext uri="{BB962C8B-B14F-4D97-AF65-F5344CB8AC3E}">
+        <p14:creationId xmlns:p14="http://schemas.microsoft.com/office/powerpoint/2010/main" val="3504934838"/>
+      </p:ext>
+    </p:extLst>
+  </p:cSld>
+  <p:clrMapOvr>
+    <a:masterClrMapping/>
+  </p:clrMapOvr>
+  <p:timing>
+    <p:tnLst>
+      <p:par>
+        <p:cTn id="1" dur="indefinite" restart="never" nodeType="tmRoot"/>
+      </p:par>
+    </p:tnLst>
+  </p:timing>
+</p:sld>
+</file>
+
+<file path=ppt/slides/slide8.xml><?xml version="1.0" encoding="utf-8"?>
+<p:sld xmlns:a="http://schemas.openxmlformats.org/drawingml/2006/main" xmlns:r="http://schemas.openxmlformats.org/officeDocument/2006/relationships" xmlns:p="http://schemas.openxmlformats.org/presentationml/2006/main">
+  <p:cSld>
+    <p:spTree>
+      <p:nvGrpSpPr>
+        <p:cNvPr id="1" name=""/>
+        <p:cNvGrpSpPr/>
+        <p:nvPr/>
+      </p:nvGrpSpPr>
+      <p:grpSpPr>
+        <a:xfrm>
+          <a:off x="0" y="0"/>
+          <a:ext cx="0" cy="0"/>
+          <a:chOff x="0" y="0"/>
+          <a:chExt cx="0" cy="0"/>
+        </a:xfrm>
+      </p:grpSpPr>
+      <p:pic>
+        <p:nvPicPr>
+          <p:cNvPr id="8" name="Grafik 7">
+            <a:extLst>
+              <a:ext uri="{FF2B5EF4-FFF2-40B4-BE49-F238E27FC236}">
+                <a16:creationId xmlns:a16="http://schemas.microsoft.com/office/drawing/2014/main" xmlns="" id="{E7E2C6A5-D147-4C0D-AC4E-0B48C48BC4B8}"/>
+              </a:ext>
+            </a:extLst>
+          </p:cNvPr>
+          <p:cNvPicPr>
+            <a:picLocks noChangeAspect="1"/>
+          </p:cNvPicPr>
+          <p:nvPr/>
+        </p:nvPicPr>
+        <p:blipFill>
+          <a:blip r:embed="rId2"/>
+          <a:stretch>
+            <a:fillRect/>
+          </a:stretch>
+        </p:blipFill>
+        <p:spPr>
+          <a:xfrm>
+            <a:off x="0" y="6103029"/>
+            <a:ext cx="12192000" cy="505097"/>
+          </a:xfrm>
+          <a:prstGeom prst="rect">
+            <a:avLst/>
+          </a:prstGeom>
+        </p:spPr>
+      </p:pic>
+      <p:sp>
+        <p:nvSpPr>
+          <p:cNvPr id="4" name="Fußzeilenplatzhalter 3">
+            <a:extLst>
+              <a:ext uri="{FF2B5EF4-FFF2-40B4-BE49-F238E27FC236}">
+                <a16:creationId xmlns:a16="http://schemas.microsoft.com/office/drawing/2014/main" xmlns="" id="{EBEEBE32-E0F1-4769-9C78-BB3B31F5CA53}"/>
+              </a:ext>
+            </a:extLst>
+          </p:cNvPr>
+          <p:cNvSpPr>
+            <a:spLocks noGrp="1"/>
+          </p:cNvSpPr>
+          <p:nvPr>
+            <p:ph type="ftr" sz="quarter" idx="11"/>
+          </p:nvPr>
+        </p:nvSpPr>
+        <p:spPr>
+          <a:xfrm>
+            <a:off x="4038600" y="6514100"/>
+            <a:ext cx="4114800" cy="316706"/>
+          </a:xfrm>
+        </p:spPr>
+        <p:txBody>
+          <a:bodyPr/>
+          <a:lstStyle/>
+          <a:p>
+            <a:r>
+              <a:rPr lang="en-US" smtClean="0"/>
+              <a:t>Hannah Haist | Trang Le Hong | Felix Schoch</a:t>
+            </a:r>
+            <a:endParaRPr lang="de-DE" dirty="0"/>
+          </a:p>
+        </p:txBody>
+      </p:sp>
+      <p:sp>
+        <p:nvSpPr>
+          <p:cNvPr id="5" name="Foliennummernplatzhalter 4">
+            <a:extLst>
+              <a:ext uri="{FF2B5EF4-FFF2-40B4-BE49-F238E27FC236}">
+                <a16:creationId xmlns:a16="http://schemas.microsoft.com/office/drawing/2014/main" xmlns="" id="{FF774BF5-4681-422B-BB2E-A8C81B9F3BB8}"/>
+              </a:ext>
+            </a:extLst>
+          </p:cNvPr>
+          <p:cNvSpPr>
+            <a:spLocks noGrp="1"/>
+          </p:cNvSpPr>
+          <p:nvPr>
+            <p:ph type="sldNum" sz="quarter" idx="12"/>
+          </p:nvPr>
+        </p:nvSpPr>
+        <p:spPr/>
+        <p:txBody>
+          <a:bodyPr/>
+          <a:lstStyle/>
+          <a:p>
+            <a:fld id="{84940753-34CA-4D56-AA4B-98285DECA8F8}" type="slidenum">
+              <a:rPr lang="de-DE" smtClean="0"/>
+              <a:t>8</a:t>
+            </a:fld>
+            <a:endParaRPr lang="de-DE"/>
+          </a:p>
+        </p:txBody>
+      </p:sp>
+      <p:pic>
+        <p:nvPicPr>
+          <p:cNvPr id="6" name="Grafik 5">
+            <a:extLst>
+              <a:ext uri="{FF2B5EF4-FFF2-40B4-BE49-F238E27FC236}">
+                <a16:creationId xmlns:a16="http://schemas.microsoft.com/office/drawing/2014/main" xmlns="" id="{BCAFA80E-26BB-4A40-86DD-C77151BB2E2B}"/>
+              </a:ext>
+            </a:extLst>
+          </p:cNvPr>
+          <p:cNvPicPr>
+            <a:picLocks noChangeAspect="1"/>
+          </p:cNvPicPr>
+          <p:nvPr/>
+        </p:nvPicPr>
+        <p:blipFill>
+          <a:blip r:embed="rId3"/>
+          <a:stretch>
+            <a:fillRect/>
+          </a:stretch>
+        </p:blipFill>
+        <p:spPr>
+          <a:xfrm>
+            <a:off x="9418800" y="524063"/>
+            <a:ext cx="1935000" cy="598300"/>
+          </a:xfrm>
+          <a:prstGeom prst="rect">
+            <a:avLst/>
+          </a:prstGeom>
+        </p:spPr>
+      </p:pic>
+      <p:pic>
+        <p:nvPicPr>
+          <p:cNvPr id="7" name="Grafik 6">
+            <a:extLst>
+              <a:ext uri="{FF2B5EF4-FFF2-40B4-BE49-F238E27FC236}">
+                <a16:creationId xmlns:a16="http://schemas.microsoft.com/office/drawing/2014/main" xmlns="" id="{C75C8862-9845-4296-9F2C-2F74796FA2DD}"/>
               </a:ext>
             </a:extLst>
           </p:cNvPr>
@@ -6286,7 +7166,7 @@
   <a:extraClrSchemeLst/>
   <a:extLst>
     <a:ext uri="{05A4C25C-085E-4340-85A3-A5531E510DB2}">
-      <thm15:themeFamily xmlns:thm15="http://schemas.microsoft.com/office/thememl/2012/main" name="Office Theme" id="{62F939B6-93AF-4DB8-9C6B-D6C7DFDC589F}" vid="{4A3C46E8-61CC-4603-A589-7422A47A8E4A}"/>
+      <thm15:themeFamily xmlns:thm15="http://schemas.microsoft.com/office/thememl/2012/main" xmlns="" name="Office Theme" id="{62F939B6-93AF-4DB8-9C6B-D6C7DFDC589F}" vid="{4A3C46E8-61CC-4603-A589-7422A47A8E4A}"/>
     </a:ext>
   </a:extLst>
 </a:theme>
@@ -6581,7 +7461,7 @@
   <a:extraClrSchemeLst/>
   <a:extLst>
     <a:ext uri="{05A4C25C-085E-4340-85A3-A5531E510DB2}">
-      <thm15:themeFamily xmlns:thm15="http://schemas.microsoft.com/office/thememl/2012/main" name="Office Theme" id="{62F939B6-93AF-4DB8-9C6B-D6C7DFDC589F}" vid="{4A3C46E8-61CC-4603-A589-7422A47A8E4A}"/>
+      <thm15:themeFamily xmlns:thm15="http://schemas.microsoft.com/office/thememl/2012/main" xmlns="" name="Office Theme" id="{62F939B6-93AF-4DB8-9C6B-D6C7DFDC589F}" vid="{4A3C46E8-61CC-4603-A589-7422A47A8E4A}"/>
     </a:ext>
   </a:extLst>
 </a:theme>

--- a/presentation/cloud computing presentation2.pptx
+++ b/presentation/cloud computing presentation2.pptx
@@ -5,7 +5,7 @@
     <p:sldMasterId id="2147483648" r:id="rId1"/>
   </p:sldMasterIdLst>
   <p:notesMasterIdLst>
-    <p:notesMasterId r:id="rId10"/>
+    <p:notesMasterId r:id="rId9"/>
   </p:notesMasterIdLst>
   <p:sldIdLst>
     <p:sldId id="256" r:id="rId2"/>
@@ -13,9 +13,8 @@
     <p:sldId id="274" r:id="rId4"/>
     <p:sldId id="278" r:id="rId5"/>
     <p:sldId id="280" r:id="rId6"/>
-    <p:sldId id="279" r:id="rId7"/>
-    <p:sldId id="271" r:id="rId8"/>
-    <p:sldId id="276" r:id="rId9"/>
+    <p:sldId id="271" r:id="rId7"/>
+    <p:sldId id="276" r:id="rId8"/>
   </p:sldIdLst>
   <p:sldSz cx="12192000" cy="6858000"/>
   <p:notesSz cx="6858000" cy="9144000"/>
@@ -116,7 +115,7 @@
   </p:defaultTextStyle>
   <p:extLst>
     <p:ext uri="{EFAFB233-063F-42B5-8137-9DF3F51BA10A}">
-      <p15:sldGuideLst xmlns:p15="http://schemas.microsoft.com/office/powerpoint/2012/main" xmlns="">
+      <p15:sldGuideLst xmlns="" xmlns:p15="http://schemas.microsoft.com/office/powerpoint/2012/main">
         <p15:guide id="1" orient="horz" pos="2160">
           <p15:clr>
             <a:srgbClr val="A4A3A4"/>
@@ -504,7 +503,7 @@
           <p:cNvPr id="2" name="Titel 1">
             <a:extLst>
               <a:ext uri="{FF2B5EF4-FFF2-40B4-BE49-F238E27FC236}">
-                <a16:creationId xmlns:a16="http://schemas.microsoft.com/office/drawing/2014/main" xmlns="" id="{47F32ECD-C87E-4061-9AAE-1F8D7D9DD4C5}"/>
+                <a16:creationId xmlns="" xmlns:a16="http://schemas.microsoft.com/office/drawing/2014/main" id="{47F32ECD-C87E-4061-9AAE-1F8D7D9DD4C5}"/>
               </a:ext>
             </a:extLst>
           </p:cNvPr>
@@ -541,7 +540,7 @@
           <p:cNvPr id="3" name="Untertitel 2">
             <a:extLst>
               <a:ext uri="{FF2B5EF4-FFF2-40B4-BE49-F238E27FC236}">
-                <a16:creationId xmlns:a16="http://schemas.microsoft.com/office/drawing/2014/main" xmlns="" id="{371866B0-1D99-4A42-B5FA-9C6DC500B725}"/>
+                <a16:creationId xmlns="" xmlns:a16="http://schemas.microsoft.com/office/drawing/2014/main" id="{371866B0-1D99-4A42-B5FA-9C6DC500B725}"/>
               </a:ext>
             </a:extLst>
           </p:cNvPr>
@@ -611,7 +610,7 @@
           <p:cNvPr id="4" name="Datumsplatzhalter 3">
             <a:extLst>
               <a:ext uri="{FF2B5EF4-FFF2-40B4-BE49-F238E27FC236}">
-                <a16:creationId xmlns:a16="http://schemas.microsoft.com/office/drawing/2014/main" xmlns="" id="{DD6CB4BA-2F12-421F-BD68-5F80033A9471}"/>
+                <a16:creationId xmlns="" xmlns:a16="http://schemas.microsoft.com/office/drawing/2014/main" id="{DD6CB4BA-2F12-421F-BD68-5F80033A9471}"/>
               </a:ext>
             </a:extLst>
           </p:cNvPr>
@@ -640,7 +639,7 @@
           <p:cNvPr id="5" name="Fußzeilenplatzhalter 4">
             <a:extLst>
               <a:ext uri="{FF2B5EF4-FFF2-40B4-BE49-F238E27FC236}">
-                <a16:creationId xmlns:a16="http://schemas.microsoft.com/office/drawing/2014/main" xmlns="" id="{95C62F31-C1E7-49BB-9392-C21299B4F92F}"/>
+                <a16:creationId xmlns="" xmlns:a16="http://schemas.microsoft.com/office/drawing/2014/main" id="{95C62F31-C1E7-49BB-9392-C21299B4F92F}"/>
               </a:ext>
             </a:extLst>
           </p:cNvPr>
@@ -669,7 +668,7 @@
           <p:cNvPr id="6" name="Foliennummernplatzhalter 5">
             <a:extLst>
               <a:ext uri="{FF2B5EF4-FFF2-40B4-BE49-F238E27FC236}">
-                <a16:creationId xmlns:a16="http://schemas.microsoft.com/office/drawing/2014/main" xmlns="" id="{DD570586-B3D0-451F-A090-DAD3903BB37D}"/>
+                <a16:creationId xmlns="" xmlns:a16="http://schemas.microsoft.com/office/drawing/2014/main" id="{DD570586-B3D0-451F-A090-DAD3903BB37D}"/>
               </a:ext>
             </a:extLst>
           </p:cNvPr>
@@ -728,7 +727,7 @@
           <p:cNvPr id="2" name="Titel 1">
             <a:extLst>
               <a:ext uri="{FF2B5EF4-FFF2-40B4-BE49-F238E27FC236}">
-                <a16:creationId xmlns:a16="http://schemas.microsoft.com/office/drawing/2014/main" xmlns="" id="{6F9B3086-9047-4EE5-82AD-7A329984A073}"/>
+                <a16:creationId xmlns="" xmlns:a16="http://schemas.microsoft.com/office/drawing/2014/main" id="{6F9B3086-9047-4EE5-82AD-7A329984A073}"/>
               </a:ext>
             </a:extLst>
           </p:cNvPr>
@@ -756,7 +755,7 @@
           <p:cNvPr id="3" name="Vertikaler Textplatzhalter 2">
             <a:extLst>
               <a:ext uri="{FF2B5EF4-FFF2-40B4-BE49-F238E27FC236}">
-                <a16:creationId xmlns:a16="http://schemas.microsoft.com/office/drawing/2014/main" xmlns="" id="{799D640B-47FF-4251-AF96-5AA81351E6D3}"/>
+                <a16:creationId xmlns="" xmlns:a16="http://schemas.microsoft.com/office/drawing/2014/main" id="{799D640B-47FF-4251-AF96-5AA81351E6D3}"/>
               </a:ext>
             </a:extLst>
           </p:cNvPr>
@@ -813,7 +812,7 @@
           <p:cNvPr id="4" name="Datumsplatzhalter 3">
             <a:extLst>
               <a:ext uri="{FF2B5EF4-FFF2-40B4-BE49-F238E27FC236}">
-                <a16:creationId xmlns:a16="http://schemas.microsoft.com/office/drawing/2014/main" xmlns="" id="{4B6AEB78-B248-46C8-88F0-8E7E80FF13C2}"/>
+                <a16:creationId xmlns="" xmlns:a16="http://schemas.microsoft.com/office/drawing/2014/main" id="{4B6AEB78-B248-46C8-88F0-8E7E80FF13C2}"/>
               </a:ext>
             </a:extLst>
           </p:cNvPr>
@@ -842,7 +841,7 @@
           <p:cNvPr id="5" name="Fußzeilenplatzhalter 4">
             <a:extLst>
               <a:ext uri="{FF2B5EF4-FFF2-40B4-BE49-F238E27FC236}">
-                <a16:creationId xmlns:a16="http://schemas.microsoft.com/office/drawing/2014/main" xmlns="" id="{90F406D5-4E9E-4F99-8593-160AC712F047}"/>
+                <a16:creationId xmlns="" xmlns:a16="http://schemas.microsoft.com/office/drawing/2014/main" id="{90F406D5-4E9E-4F99-8593-160AC712F047}"/>
               </a:ext>
             </a:extLst>
           </p:cNvPr>
@@ -871,7 +870,7 @@
           <p:cNvPr id="6" name="Foliennummernplatzhalter 5">
             <a:extLst>
               <a:ext uri="{FF2B5EF4-FFF2-40B4-BE49-F238E27FC236}">
-                <a16:creationId xmlns:a16="http://schemas.microsoft.com/office/drawing/2014/main" xmlns="" id="{59962D6A-AAB6-4EDB-9EDE-E63D6BA1DEB0}"/>
+                <a16:creationId xmlns="" xmlns:a16="http://schemas.microsoft.com/office/drawing/2014/main" id="{59962D6A-AAB6-4EDB-9EDE-E63D6BA1DEB0}"/>
               </a:ext>
             </a:extLst>
           </p:cNvPr>
@@ -930,7 +929,7 @@
           <p:cNvPr id="2" name="Vertikaler Titel 1">
             <a:extLst>
               <a:ext uri="{FF2B5EF4-FFF2-40B4-BE49-F238E27FC236}">
-                <a16:creationId xmlns:a16="http://schemas.microsoft.com/office/drawing/2014/main" xmlns="" id="{7798136F-04A2-4B9A-B7BF-EB007BC88E14}"/>
+                <a16:creationId xmlns="" xmlns:a16="http://schemas.microsoft.com/office/drawing/2014/main" id="{7798136F-04A2-4B9A-B7BF-EB007BC88E14}"/>
               </a:ext>
             </a:extLst>
           </p:cNvPr>
@@ -963,7 +962,7 @@
           <p:cNvPr id="3" name="Vertikaler Textplatzhalter 2">
             <a:extLst>
               <a:ext uri="{FF2B5EF4-FFF2-40B4-BE49-F238E27FC236}">
-                <a16:creationId xmlns:a16="http://schemas.microsoft.com/office/drawing/2014/main" xmlns="" id="{9460204F-62D3-485B-8053-3CA2469C680C}"/>
+                <a16:creationId xmlns="" xmlns:a16="http://schemas.microsoft.com/office/drawing/2014/main" id="{9460204F-62D3-485B-8053-3CA2469C680C}"/>
               </a:ext>
             </a:extLst>
           </p:cNvPr>
@@ -1025,7 +1024,7 @@
           <p:cNvPr id="4" name="Datumsplatzhalter 3">
             <a:extLst>
               <a:ext uri="{FF2B5EF4-FFF2-40B4-BE49-F238E27FC236}">
-                <a16:creationId xmlns:a16="http://schemas.microsoft.com/office/drawing/2014/main" xmlns="" id="{7527FA46-C341-48B3-8F03-5D6ADE1731B7}"/>
+                <a16:creationId xmlns="" xmlns:a16="http://schemas.microsoft.com/office/drawing/2014/main" id="{7527FA46-C341-48B3-8F03-5D6ADE1731B7}"/>
               </a:ext>
             </a:extLst>
           </p:cNvPr>
@@ -1054,7 +1053,7 @@
           <p:cNvPr id="5" name="Fußzeilenplatzhalter 4">
             <a:extLst>
               <a:ext uri="{FF2B5EF4-FFF2-40B4-BE49-F238E27FC236}">
-                <a16:creationId xmlns:a16="http://schemas.microsoft.com/office/drawing/2014/main" xmlns="" id="{5E547F93-42B5-4DE3-B4BB-7D3E6962FE7B}"/>
+                <a16:creationId xmlns="" xmlns:a16="http://schemas.microsoft.com/office/drawing/2014/main" id="{5E547F93-42B5-4DE3-B4BB-7D3E6962FE7B}"/>
               </a:ext>
             </a:extLst>
           </p:cNvPr>
@@ -1083,7 +1082,7 @@
           <p:cNvPr id="6" name="Foliennummernplatzhalter 5">
             <a:extLst>
               <a:ext uri="{FF2B5EF4-FFF2-40B4-BE49-F238E27FC236}">
-                <a16:creationId xmlns:a16="http://schemas.microsoft.com/office/drawing/2014/main" xmlns="" id="{CB7AF820-0376-4344-867E-1626EB42AB4F}"/>
+                <a16:creationId xmlns="" xmlns:a16="http://schemas.microsoft.com/office/drawing/2014/main" id="{CB7AF820-0376-4344-867E-1626EB42AB4F}"/>
               </a:ext>
             </a:extLst>
           </p:cNvPr>
@@ -1142,7 +1141,7 @@
           <p:cNvPr id="2" name="Titel 1">
             <a:extLst>
               <a:ext uri="{FF2B5EF4-FFF2-40B4-BE49-F238E27FC236}">
-                <a16:creationId xmlns:a16="http://schemas.microsoft.com/office/drawing/2014/main" xmlns="" id="{C39727A8-9141-4756-B386-693EDDA95A69}"/>
+                <a16:creationId xmlns="" xmlns:a16="http://schemas.microsoft.com/office/drawing/2014/main" id="{C39727A8-9141-4756-B386-693EDDA95A69}"/>
               </a:ext>
             </a:extLst>
           </p:cNvPr>
@@ -1170,7 +1169,7 @@
           <p:cNvPr id="3" name="Inhaltsplatzhalter 2">
             <a:extLst>
               <a:ext uri="{FF2B5EF4-FFF2-40B4-BE49-F238E27FC236}">
-                <a16:creationId xmlns:a16="http://schemas.microsoft.com/office/drawing/2014/main" xmlns="" id="{278D032C-380F-441C-9EE2-5AC92171BADA}"/>
+                <a16:creationId xmlns="" xmlns:a16="http://schemas.microsoft.com/office/drawing/2014/main" id="{278D032C-380F-441C-9EE2-5AC92171BADA}"/>
               </a:ext>
             </a:extLst>
           </p:cNvPr>
@@ -1227,7 +1226,7 @@
           <p:cNvPr id="4" name="Datumsplatzhalter 3">
             <a:extLst>
               <a:ext uri="{FF2B5EF4-FFF2-40B4-BE49-F238E27FC236}">
-                <a16:creationId xmlns:a16="http://schemas.microsoft.com/office/drawing/2014/main" xmlns="" id="{CD18ED52-0769-4CE1-9250-E8E9301A63C0}"/>
+                <a16:creationId xmlns="" xmlns:a16="http://schemas.microsoft.com/office/drawing/2014/main" id="{CD18ED52-0769-4CE1-9250-E8E9301A63C0}"/>
               </a:ext>
             </a:extLst>
           </p:cNvPr>
@@ -1256,7 +1255,7 @@
           <p:cNvPr id="5" name="Fußzeilenplatzhalter 4">
             <a:extLst>
               <a:ext uri="{FF2B5EF4-FFF2-40B4-BE49-F238E27FC236}">
-                <a16:creationId xmlns:a16="http://schemas.microsoft.com/office/drawing/2014/main" xmlns="" id="{8D01277F-6318-45A4-BE2F-524202A90984}"/>
+                <a16:creationId xmlns="" xmlns:a16="http://schemas.microsoft.com/office/drawing/2014/main" id="{8D01277F-6318-45A4-BE2F-524202A90984}"/>
               </a:ext>
             </a:extLst>
           </p:cNvPr>
@@ -1285,7 +1284,7 @@
           <p:cNvPr id="6" name="Foliennummernplatzhalter 5">
             <a:extLst>
               <a:ext uri="{FF2B5EF4-FFF2-40B4-BE49-F238E27FC236}">
-                <a16:creationId xmlns:a16="http://schemas.microsoft.com/office/drawing/2014/main" xmlns="" id="{5BD6E8CE-0389-468F-9956-743DD64BA700}"/>
+                <a16:creationId xmlns="" xmlns:a16="http://schemas.microsoft.com/office/drawing/2014/main" id="{5BD6E8CE-0389-468F-9956-743DD64BA700}"/>
               </a:ext>
             </a:extLst>
           </p:cNvPr>
@@ -1344,7 +1343,7 @@
           <p:cNvPr id="2" name="Titel 1">
             <a:extLst>
               <a:ext uri="{FF2B5EF4-FFF2-40B4-BE49-F238E27FC236}">
-                <a16:creationId xmlns:a16="http://schemas.microsoft.com/office/drawing/2014/main" xmlns="" id="{A3F697E2-E0B6-47FC-A332-B3AB194E4D29}"/>
+                <a16:creationId xmlns="" xmlns:a16="http://schemas.microsoft.com/office/drawing/2014/main" id="{A3F697E2-E0B6-47FC-A332-B3AB194E4D29}"/>
               </a:ext>
             </a:extLst>
           </p:cNvPr>
@@ -1381,7 +1380,7 @@
           <p:cNvPr id="3" name="Textplatzhalter 2">
             <a:extLst>
               <a:ext uri="{FF2B5EF4-FFF2-40B4-BE49-F238E27FC236}">
-                <a16:creationId xmlns:a16="http://schemas.microsoft.com/office/drawing/2014/main" xmlns="" id="{9F1AB9FB-6A1C-4875-A7B0-2F4BB4090421}"/>
+                <a16:creationId xmlns="" xmlns:a16="http://schemas.microsoft.com/office/drawing/2014/main" id="{9F1AB9FB-6A1C-4875-A7B0-2F4BB4090421}"/>
               </a:ext>
             </a:extLst>
           </p:cNvPr>
@@ -1506,7 +1505,7 @@
           <p:cNvPr id="4" name="Datumsplatzhalter 3">
             <a:extLst>
               <a:ext uri="{FF2B5EF4-FFF2-40B4-BE49-F238E27FC236}">
-                <a16:creationId xmlns:a16="http://schemas.microsoft.com/office/drawing/2014/main" xmlns="" id="{0C12C9C1-9040-4AC0-AA43-827BFBBCC594}"/>
+                <a16:creationId xmlns="" xmlns:a16="http://schemas.microsoft.com/office/drawing/2014/main" id="{0C12C9C1-9040-4AC0-AA43-827BFBBCC594}"/>
               </a:ext>
             </a:extLst>
           </p:cNvPr>
@@ -1535,7 +1534,7 @@
           <p:cNvPr id="5" name="Fußzeilenplatzhalter 4">
             <a:extLst>
               <a:ext uri="{FF2B5EF4-FFF2-40B4-BE49-F238E27FC236}">
-                <a16:creationId xmlns:a16="http://schemas.microsoft.com/office/drawing/2014/main" xmlns="" id="{3A2EF2E5-7166-4DBB-B550-EFDB8087EFCE}"/>
+                <a16:creationId xmlns="" xmlns:a16="http://schemas.microsoft.com/office/drawing/2014/main" id="{3A2EF2E5-7166-4DBB-B550-EFDB8087EFCE}"/>
               </a:ext>
             </a:extLst>
           </p:cNvPr>
@@ -1564,7 +1563,7 @@
           <p:cNvPr id="6" name="Foliennummernplatzhalter 5">
             <a:extLst>
               <a:ext uri="{FF2B5EF4-FFF2-40B4-BE49-F238E27FC236}">
-                <a16:creationId xmlns:a16="http://schemas.microsoft.com/office/drawing/2014/main" xmlns="" id="{CA891853-BC5F-45A8-B3FC-6552F9FB0215}"/>
+                <a16:creationId xmlns="" xmlns:a16="http://schemas.microsoft.com/office/drawing/2014/main" id="{CA891853-BC5F-45A8-B3FC-6552F9FB0215}"/>
               </a:ext>
             </a:extLst>
           </p:cNvPr>
@@ -1623,7 +1622,7 @@
           <p:cNvPr id="2" name="Titel 1">
             <a:extLst>
               <a:ext uri="{FF2B5EF4-FFF2-40B4-BE49-F238E27FC236}">
-                <a16:creationId xmlns:a16="http://schemas.microsoft.com/office/drawing/2014/main" xmlns="" id="{3DF2AAAF-41CE-4A97-961A-82D7B9BF45BD}"/>
+                <a16:creationId xmlns="" xmlns:a16="http://schemas.microsoft.com/office/drawing/2014/main" id="{3DF2AAAF-41CE-4A97-961A-82D7B9BF45BD}"/>
               </a:ext>
             </a:extLst>
           </p:cNvPr>
@@ -1651,7 +1650,7 @@
           <p:cNvPr id="3" name="Inhaltsplatzhalter 2">
             <a:extLst>
               <a:ext uri="{FF2B5EF4-FFF2-40B4-BE49-F238E27FC236}">
-                <a16:creationId xmlns:a16="http://schemas.microsoft.com/office/drawing/2014/main" xmlns="" id="{3147A1BB-6E8F-4867-8C7E-CA1CE6C448EA}"/>
+                <a16:creationId xmlns="" xmlns:a16="http://schemas.microsoft.com/office/drawing/2014/main" id="{3147A1BB-6E8F-4867-8C7E-CA1CE6C448EA}"/>
               </a:ext>
             </a:extLst>
           </p:cNvPr>
@@ -1713,7 +1712,7 @@
           <p:cNvPr id="4" name="Inhaltsplatzhalter 3">
             <a:extLst>
               <a:ext uri="{FF2B5EF4-FFF2-40B4-BE49-F238E27FC236}">
-                <a16:creationId xmlns:a16="http://schemas.microsoft.com/office/drawing/2014/main" xmlns="" id="{61F4C39D-27A6-4DA6-B8F2-2E1AD5C059C4}"/>
+                <a16:creationId xmlns="" xmlns:a16="http://schemas.microsoft.com/office/drawing/2014/main" id="{61F4C39D-27A6-4DA6-B8F2-2E1AD5C059C4}"/>
               </a:ext>
             </a:extLst>
           </p:cNvPr>
@@ -1775,7 +1774,7 @@
           <p:cNvPr id="5" name="Datumsplatzhalter 4">
             <a:extLst>
               <a:ext uri="{FF2B5EF4-FFF2-40B4-BE49-F238E27FC236}">
-                <a16:creationId xmlns:a16="http://schemas.microsoft.com/office/drawing/2014/main" xmlns="" id="{36012217-39AA-4639-9EC5-80D267938EAC}"/>
+                <a16:creationId xmlns="" xmlns:a16="http://schemas.microsoft.com/office/drawing/2014/main" id="{36012217-39AA-4639-9EC5-80D267938EAC}"/>
               </a:ext>
             </a:extLst>
           </p:cNvPr>
@@ -1804,7 +1803,7 @@
           <p:cNvPr id="6" name="Fußzeilenplatzhalter 5">
             <a:extLst>
               <a:ext uri="{FF2B5EF4-FFF2-40B4-BE49-F238E27FC236}">
-                <a16:creationId xmlns:a16="http://schemas.microsoft.com/office/drawing/2014/main" xmlns="" id="{6D803B97-F703-4D46-8DD5-FB09EBCBAF5E}"/>
+                <a16:creationId xmlns="" xmlns:a16="http://schemas.microsoft.com/office/drawing/2014/main" id="{6D803B97-F703-4D46-8DD5-FB09EBCBAF5E}"/>
               </a:ext>
             </a:extLst>
           </p:cNvPr>
@@ -1833,7 +1832,7 @@
           <p:cNvPr id="7" name="Foliennummernplatzhalter 6">
             <a:extLst>
               <a:ext uri="{FF2B5EF4-FFF2-40B4-BE49-F238E27FC236}">
-                <a16:creationId xmlns:a16="http://schemas.microsoft.com/office/drawing/2014/main" xmlns="" id="{05F3EC89-5091-4A2A-9C9C-C86C665226D9}"/>
+                <a16:creationId xmlns="" xmlns:a16="http://schemas.microsoft.com/office/drawing/2014/main" id="{05F3EC89-5091-4A2A-9C9C-C86C665226D9}"/>
               </a:ext>
             </a:extLst>
           </p:cNvPr>
@@ -1892,7 +1891,7 @@
           <p:cNvPr id="2" name="Titel 1">
             <a:extLst>
               <a:ext uri="{FF2B5EF4-FFF2-40B4-BE49-F238E27FC236}">
-                <a16:creationId xmlns:a16="http://schemas.microsoft.com/office/drawing/2014/main" xmlns="" id="{B83661D6-41CF-42FD-8379-D6ED32E460DB}"/>
+                <a16:creationId xmlns="" xmlns:a16="http://schemas.microsoft.com/office/drawing/2014/main" id="{B83661D6-41CF-42FD-8379-D6ED32E460DB}"/>
               </a:ext>
             </a:extLst>
           </p:cNvPr>
@@ -1925,7 +1924,7 @@
           <p:cNvPr id="3" name="Textplatzhalter 2">
             <a:extLst>
               <a:ext uri="{FF2B5EF4-FFF2-40B4-BE49-F238E27FC236}">
-                <a16:creationId xmlns:a16="http://schemas.microsoft.com/office/drawing/2014/main" xmlns="" id="{6F3E57FF-86EE-4CEC-BA1F-61188C278174}"/>
+                <a16:creationId xmlns="" xmlns:a16="http://schemas.microsoft.com/office/drawing/2014/main" id="{6F3E57FF-86EE-4CEC-BA1F-61188C278174}"/>
               </a:ext>
             </a:extLst>
           </p:cNvPr>
@@ -1996,7 +1995,7 @@
           <p:cNvPr id="4" name="Inhaltsplatzhalter 3">
             <a:extLst>
               <a:ext uri="{FF2B5EF4-FFF2-40B4-BE49-F238E27FC236}">
-                <a16:creationId xmlns:a16="http://schemas.microsoft.com/office/drawing/2014/main" xmlns="" id="{F2DA0E47-2EC8-4248-B2D1-1104BECC74B1}"/>
+                <a16:creationId xmlns="" xmlns:a16="http://schemas.microsoft.com/office/drawing/2014/main" id="{F2DA0E47-2EC8-4248-B2D1-1104BECC74B1}"/>
               </a:ext>
             </a:extLst>
           </p:cNvPr>
@@ -2058,7 +2057,7 @@
           <p:cNvPr id="5" name="Textplatzhalter 4">
             <a:extLst>
               <a:ext uri="{FF2B5EF4-FFF2-40B4-BE49-F238E27FC236}">
-                <a16:creationId xmlns:a16="http://schemas.microsoft.com/office/drawing/2014/main" xmlns="" id="{A69D2170-72EE-45D5-893F-88964406A84B}"/>
+                <a16:creationId xmlns="" xmlns:a16="http://schemas.microsoft.com/office/drawing/2014/main" id="{A69D2170-72EE-45D5-893F-88964406A84B}"/>
               </a:ext>
             </a:extLst>
           </p:cNvPr>
@@ -2129,7 +2128,7 @@
           <p:cNvPr id="6" name="Inhaltsplatzhalter 5">
             <a:extLst>
               <a:ext uri="{FF2B5EF4-FFF2-40B4-BE49-F238E27FC236}">
-                <a16:creationId xmlns:a16="http://schemas.microsoft.com/office/drawing/2014/main" xmlns="" id="{B44C038B-F81C-4147-84EA-A2379B95AED9}"/>
+                <a16:creationId xmlns="" xmlns:a16="http://schemas.microsoft.com/office/drawing/2014/main" id="{B44C038B-F81C-4147-84EA-A2379B95AED9}"/>
               </a:ext>
             </a:extLst>
           </p:cNvPr>
@@ -2191,7 +2190,7 @@
           <p:cNvPr id="7" name="Datumsplatzhalter 6">
             <a:extLst>
               <a:ext uri="{FF2B5EF4-FFF2-40B4-BE49-F238E27FC236}">
-                <a16:creationId xmlns:a16="http://schemas.microsoft.com/office/drawing/2014/main" xmlns="" id="{00F50947-5BB5-49A0-A257-5F3EE01BEBAB}"/>
+                <a16:creationId xmlns="" xmlns:a16="http://schemas.microsoft.com/office/drawing/2014/main" id="{00F50947-5BB5-49A0-A257-5F3EE01BEBAB}"/>
               </a:ext>
             </a:extLst>
           </p:cNvPr>
@@ -2220,7 +2219,7 @@
           <p:cNvPr id="8" name="Fußzeilenplatzhalter 7">
             <a:extLst>
               <a:ext uri="{FF2B5EF4-FFF2-40B4-BE49-F238E27FC236}">
-                <a16:creationId xmlns:a16="http://schemas.microsoft.com/office/drawing/2014/main" xmlns="" id="{05ABF5AF-493D-41A2-8EFB-D48E3109BBBD}"/>
+                <a16:creationId xmlns="" xmlns:a16="http://schemas.microsoft.com/office/drawing/2014/main" id="{05ABF5AF-493D-41A2-8EFB-D48E3109BBBD}"/>
               </a:ext>
             </a:extLst>
           </p:cNvPr>
@@ -2249,7 +2248,7 @@
           <p:cNvPr id="9" name="Foliennummernplatzhalter 8">
             <a:extLst>
               <a:ext uri="{FF2B5EF4-FFF2-40B4-BE49-F238E27FC236}">
-                <a16:creationId xmlns:a16="http://schemas.microsoft.com/office/drawing/2014/main" xmlns="" id="{E22947B1-9F1F-473C-8F2F-8404D615953B}"/>
+                <a16:creationId xmlns="" xmlns:a16="http://schemas.microsoft.com/office/drawing/2014/main" id="{E22947B1-9F1F-473C-8F2F-8404D615953B}"/>
               </a:ext>
             </a:extLst>
           </p:cNvPr>
@@ -2308,7 +2307,7 @@
           <p:cNvPr id="2" name="Titel 1">
             <a:extLst>
               <a:ext uri="{FF2B5EF4-FFF2-40B4-BE49-F238E27FC236}">
-                <a16:creationId xmlns:a16="http://schemas.microsoft.com/office/drawing/2014/main" xmlns="" id="{39A4BA90-CBE0-40D7-8209-B5427F2F31D4}"/>
+                <a16:creationId xmlns="" xmlns:a16="http://schemas.microsoft.com/office/drawing/2014/main" id="{39A4BA90-CBE0-40D7-8209-B5427F2F31D4}"/>
               </a:ext>
             </a:extLst>
           </p:cNvPr>
@@ -2336,7 +2335,7 @@
           <p:cNvPr id="3" name="Datumsplatzhalter 2">
             <a:extLst>
               <a:ext uri="{FF2B5EF4-FFF2-40B4-BE49-F238E27FC236}">
-                <a16:creationId xmlns:a16="http://schemas.microsoft.com/office/drawing/2014/main" xmlns="" id="{8547B586-ADA5-4255-93C3-D9F35BFE73AF}"/>
+                <a16:creationId xmlns="" xmlns:a16="http://schemas.microsoft.com/office/drawing/2014/main" id="{8547B586-ADA5-4255-93C3-D9F35BFE73AF}"/>
               </a:ext>
             </a:extLst>
           </p:cNvPr>
@@ -2365,7 +2364,7 @@
           <p:cNvPr id="4" name="Fußzeilenplatzhalter 3">
             <a:extLst>
               <a:ext uri="{FF2B5EF4-FFF2-40B4-BE49-F238E27FC236}">
-                <a16:creationId xmlns:a16="http://schemas.microsoft.com/office/drawing/2014/main" xmlns="" id="{354EDF52-C6E6-47D7-9D7C-531E011CE113}"/>
+                <a16:creationId xmlns="" xmlns:a16="http://schemas.microsoft.com/office/drawing/2014/main" id="{354EDF52-C6E6-47D7-9D7C-531E011CE113}"/>
               </a:ext>
             </a:extLst>
           </p:cNvPr>
@@ -2394,7 +2393,7 @@
           <p:cNvPr id="5" name="Foliennummernplatzhalter 4">
             <a:extLst>
               <a:ext uri="{FF2B5EF4-FFF2-40B4-BE49-F238E27FC236}">
-                <a16:creationId xmlns:a16="http://schemas.microsoft.com/office/drawing/2014/main" xmlns="" id="{A0108114-375B-4198-8777-AA0BC1CF8454}"/>
+                <a16:creationId xmlns="" xmlns:a16="http://schemas.microsoft.com/office/drawing/2014/main" id="{A0108114-375B-4198-8777-AA0BC1CF8454}"/>
               </a:ext>
             </a:extLst>
           </p:cNvPr>
@@ -2453,7 +2452,7 @@
           <p:cNvPr id="2" name="Datumsplatzhalter 1">
             <a:extLst>
               <a:ext uri="{FF2B5EF4-FFF2-40B4-BE49-F238E27FC236}">
-                <a16:creationId xmlns:a16="http://schemas.microsoft.com/office/drawing/2014/main" xmlns="" id="{3D0B574D-C484-4BA9-BB10-D5BBA3763E13}"/>
+                <a16:creationId xmlns="" xmlns:a16="http://schemas.microsoft.com/office/drawing/2014/main" id="{3D0B574D-C484-4BA9-BB10-D5BBA3763E13}"/>
               </a:ext>
             </a:extLst>
           </p:cNvPr>
@@ -2482,7 +2481,7 @@
           <p:cNvPr id="3" name="Fußzeilenplatzhalter 2">
             <a:extLst>
               <a:ext uri="{FF2B5EF4-FFF2-40B4-BE49-F238E27FC236}">
-                <a16:creationId xmlns:a16="http://schemas.microsoft.com/office/drawing/2014/main" xmlns="" id="{B84F4DF3-0EBA-4CB3-B0B4-D02598950A19}"/>
+                <a16:creationId xmlns="" xmlns:a16="http://schemas.microsoft.com/office/drawing/2014/main" id="{B84F4DF3-0EBA-4CB3-B0B4-D02598950A19}"/>
               </a:ext>
             </a:extLst>
           </p:cNvPr>
@@ -2511,7 +2510,7 @@
           <p:cNvPr id="4" name="Foliennummernplatzhalter 3">
             <a:extLst>
               <a:ext uri="{FF2B5EF4-FFF2-40B4-BE49-F238E27FC236}">
-                <a16:creationId xmlns:a16="http://schemas.microsoft.com/office/drawing/2014/main" xmlns="" id="{25E26129-3EF5-4E14-8883-205A1EFAEA47}"/>
+                <a16:creationId xmlns="" xmlns:a16="http://schemas.microsoft.com/office/drawing/2014/main" id="{25E26129-3EF5-4E14-8883-205A1EFAEA47}"/>
               </a:ext>
             </a:extLst>
           </p:cNvPr>
@@ -2570,7 +2569,7 @@
           <p:cNvPr id="2" name="Titel 1">
             <a:extLst>
               <a:ext uri="{FF2B5EF4-FFF2-40B4-BE49-F238E27FC236}">
-                <a16:creationId xmlns:a16="http://schemas.microsoft.com/office/drawing/2014/main" xmlns="" id="{4D280506-2D7A-42DD-B725-24671EA88E24}"/>
+                <a16:creationId xmlns="" xmlns:a16="http://schemas.microsoft.com/office/drawing/2014/main" id="{4D280506-2D7A-42DD-B725-24671EA88E24}"/>
               </a:ext>
             </a:extLst>
           </p:cNvPr>
@@ -2607,7 +2606,7 @@
           <p:cNvPr id="3" name="Inhaltsplatzhalter 2">
             <a:extLst>
               <a:ext uri="{FF2B5EF4-FFF2-40B4-BE49-F238E27FC236}">
-                <a16:creationId xmlns:a16="http://schemas.microsoft.com/office/drawing/2014/main" xmlns="" id="{3970B40A-924C-4652-84EA-738A657BCA3E}"/>
+                <a16:creationId xmlns="" xmlns:a16="http://schemas.microsoft.com/office/drawing/2014/main" id="{3970B40A-924C-4652-84EA-738A657BCA3E}"/>
               </a:ext>
             </a:extLst>
           </p:cNvPr>
@@ -2697,7 +2696,7 @@
           <p:cNvPr id="4" name="Textplatzhalter 3">
             <a:extLst>
               <a:ext uri="{FF2B5EF4-FFF2-40B4-BE49-F238E27FC236}">
-                <a16:creationId xmlns:a16="http://schemas.microsoft.com/office/drawing/2014/main" xmlns="" id="{A20617F9-58EE-4F61-80F4-98239451E915}"/>
+                <a16:creationId xmlns="" xmlns:a16="http://schemas.microsoft.com/office/drawing/2014/main" id="{A20617F9-58EE-4F61-80F4-98239451E915}"/>
               </a:ext>
             </a:extLst>
           </p:cNvPr>
@@ -2768,7 +2767,7 @@
           <p:cNvPr id="5" name="Datumsplatzhalter 4">
             <a:extLst>
               <a:ext uri="{FF2B5EF4-FFF2-40B4-BE49-F238E27FC236}">
-                <a16:creationId xmlns:a16="http://schemas.microsoft.com/office/drawing/2014/main" xmlns="" id="{6B899663-6062-4ACA-9608-EA8459557A51}"/>
+                <a16:creationId xmlns="" xmlns:a16="http://schemas.microsoft.com/office/drawing/2014/main" id="{6B899663-6062-4ACA-9608-EA8459557A51}"/>
               </a:ext>
             </a:extLst>
           </p:cNvPr>
@@ -2797,7 +2796,7 @@
           <p:cNvPr id="6" name="Fußzeilenplatzhalter 5">
             <a:extLst>
               <a:ext uri="{FF2B5EF4-FFF2-40B4-BE49-F238E27FC236}">
-                <a16:creationId xmlns:a16="http://schemas.microsoft.com/office/drawing/2014/main" xmlns="" id="{067395E0-CF41-4056-9D68-80A3749C4116}"/>
+                <a16:creationId xmlns="" xmlns:a16="http://schemas.microsoft.com/office/drawing/2014/main" id="{067395E0-CF41-4056-9D68-80A3749C4116}"/>
               </a:ext>
             </a:extLst>
           </p:cNvPr>
@@ -2826,7 +2825,7 @@
           <p:cNvPr id="7" name="Foliennummernplatzhalter 6">
             <a:extLst>
               <a:ext uri="{FF2B5EF4-FFF2-40B4-BE49-F238E27FC236}">
-                <a16:creationId xmlns:a16="http://schemas.microsoft.com/office/drawing/2014/main" xmlns="" id="{C4108EB3-60C2-4467-80E1-32225A053F67}"/>
+                <a16:creationId xmlns="" xmlns:a16="http://schemas.microsoft.com/office/drawing/2014/main" id="{C4108EB3-60C2-4467-80E1-32225A053F67}"/>
               </a:ext>
             </a:extLst>
           </p:cNvPr>
@@ -2885,7 +2884,7 @@
           <p:cNvPr id="2" name="Titel 1">
             <a:extLst>
               <a:ext uri="{FF2B5EF4-FFF2-40B4-BE49-F238E27FC236}">
-                <a16:creationId xmlns:a16="http://schemas.microsoft.com/office/drawing/2014/main" xmlns="" id="{78453501-8D1D-4275-AF08-BE07FC923A57}"/>
+                <a16:creationId xmlns="" xmlns:a16="http://schemas.microsoft.com/office/drawing/2014/main" id="{78453501-8D1D-4275-AF08-BE07FC923A57}"/>
               </a:ext>
             </a:extLst>
           </p:cNvPr>
@@ -2922,7 +2921,7 @@
           <p:cNvPr id="3" name="Bildplatzhalter 2">
             <a:extLst>
               <a:ext uri="{FF2B5EF4-FFF2-40B4-BE49-F238E27FC236}">
-                <a16:creationId xmlns:a16="http://schemas.microsoft.com/office/drawing/2014/main" xmlns="" id="{A45FBDA9-E3FF-41F3-8B27-CFBB7D7B37F4}"/>
+                <a16:creationId xmlns="" xmlns:a16="http://schemas.microsoft.com/office/drawing/2014/main" id="{A45FBDA9-E3FF-41F3-8B27-CFBB7D7B37F4}"/>
               </a:ext>
             </a:extLst>
           </p:cNvPr>
@@ -2989,7 +2988,7 @@
           <p:cNvPr id="4" name="Textplatzhalter 3">
             <a:extLst>
               <a:ext uri="{FF2B5EF4-FFF2-40B4-BE49-F238E27FC236}">
-                <a16:creationId xmlns:a16="http://schemas.microsoft.com/office/drawing/2014/main" xmlns="" id="{DFE239B3-EF02-4929-9CEE-20BDA11404B8}"/>
+                <a16:creationId xmlns="" xmlns:a16="http://schemas.microsoft.com/office/drawing/2014/main" id="{DFE239B3-EF02-4929-9CEE-20BDA11404B8}"/>
               </a:ext>
             </a:extLst>
           </p:cNvPr>
@@ -3060,7 +3059,7 @@
           <p:cNvPr id="5" name="Datumsplatzhalter 4">
             <a:extLst>
               <a:ext uri="{FF2B5EF4-FFF2-40B4-BE49-F238E27FC236}">
-                <a16:creationId xmlns:a16="http://schemas.microsoft.com/office/drawing/2014/main" xmlns="" id="{8359258D-DD4E-4B36-80D9-7B3F4659B9B4}"/>
+                <a16:creationId xmlns="" xmlns:a16="http://schemas.microsoft.com/office/drawing/2014/main" id="{8359258D-DD4E-4B36-80D9-7B3F4659B9B4}"/>
               </a:ext>
             </a:extLst>
           </p:cNvPr>
@@ -3089,7 +3088,7 @@
           <p:cNvPr id="6" name="Fußzeilenplatzhalter 5">
             <a:extLst>
               <a:ext uri="{FF2B5EF4-FFF2-40B4-BE49-F238E27FC236}">
-                <a16:creationId xmlns:a16="http://schemas.microsoft.com/office/drawing/2014/main" xmlns="" id="{9D986F7D-1AC7-46F9-9FC7-1899543350E2}"/>
+                <a16:creationId xmlns="" xmlns:a16="http://schemas.microsoft.com/office/drawing/2014/main" id="{9D986F7D-1AC7-46F9-9FC7-1899543350E2}"/>
               </a:ext>
             </a:extLst>
           </p:cNvPr>
@@ -3118,7 +3117,7 @@
           <p:cNvPr id="7" name="Foliennummernplatzhalter 6">
             <a:extLst>
               <a:ext uri="{FF2B5EF4-FFF2-40B4-BE49-F238E27FC236}">
-                <a16:creationId xmlns:a16="http://schemas.microsoft.com/office/drawing/2014/main" xmlns="" id="{DD6E72DE-B6C2-456A-B2F3-7F7E05164A71}"/>
+                <a16:creationId xmlns="" xmlns:a16="http://schemas.microsoft.com/office/drawing/2014/main" id="{DD6E72DE-B6C2-456A-B2F3-7F7E05164A71}"/>
               </a:ext>
             </a:extLst>
           </p:cNvPr>
@@ -3182,7 +3181,7 @@
           <p:cNvPr id="2" name="Titelplatzhalter 1">
             <a:extLst>
               <a:ext uri="{FF2B5EF4-FFF2-40B4-BE49-F238E27FC236}">
-                <a16:creationId xmlns:a16="http://schemas.microsoft.com/office/drawing/2014/main" xmlns="" id="{B51E1A8A-ADC4-4534-88EB-4E9F5C35DC32}"/>
+                <a16:creationId xmlns="" xmlns:a16="http://schemas.microsoft.com/office/drawing/2014/main" id="{B51E1A8A-ADC4-4534-88EB-4E9F5C35DC32}"/>
               </a:ext>
             </a:extLst>
           </p:cNvPr>
@@ -3220,7 +3219,7 @@
           <p:cNvPr id="3" name="Textplatzhalter 2">
             <a:extLst>
               <a:ext uri="{FF2B5EF4-FFF2-40B4-BE49-F238E27FC236}">
-                <a16:creationId xmlns:a16="http://schemas.microsoft.com/office/drawing/2014/main" xmlns="" id="{E09B5E05-AB9E-4F51-A04B-24290BD9B903}"/>
+                <a16:creationId xmlns="" xmlns:a16="http://schemas.microsoft.com/office/drawing/2014/main" id="{E09B5E05-AB9E-4F51-A04B-24290BD9B903}"/>
               </a:ext>
             </a:extLst>
           </p:cNvPr>
@@ -3287,7 +3286,7 @@
           <p:cNvPr id="4" name="Datumsplatzhalter 3">
             <a:extLst>
               <a:ext uri="{FF2B5EF4-FFF2-40B4-BE49-F238E27FC236}">
-                <a16:creationId xmlns:a16="http://schemas.microsoft.com/office/drawing/2014/main" xmlns="" id="{0B410092-BEA1-4371-9723-398C602A86DA}"/>
+                <a16:creationId xmlns="" xmlns:a16="http://schemas.microsoft.com/office/drawing/2014/main" id="{0B410092-BEA1-4371-9723-398C602A86DA}"/>
               </a:ext>
             </a:extLst>
           </p:cNvPr>
@@ -3334,7 +3333,7 @@
           <p:cNvPr id="5" name="Fußzeilenplatzhalter 4">
             <a:extLst>
               <a:ext uri="{FF2B5EF4-FFF2-40B4-BE49-F238E27FC236}">
-                <a16:creationId xmlns:a16="http://schemas.microsoft.com/office/drawing/2014/main" xmlns="" id="{121B95C9-28FD-4D7C-BF46-622C9BDA2947}"/>
+                <a16:creationId xmlns="" xmlns:a16="http://schemas.microsoft.com/office/drawing/2014/main" id="{121B95C9-28FD-4D7C-BF46-622C9BDA2947}"/>
               </a:ext>
             </a:extLst>
           </p:cNvPr>
@@ -3381,7 +3380,7 @@
           <p:cNvPr id="6" name="Foliennummernplatzhalter 5">
             <a:extLst>
               <a:ext uri="{FF2B5EF4-FFF2-40B4-BE49-F238E27FC236}">
-                <a16:creationId xmlns:a16="http://schemas.microsoft.com/office/drawing/2014/main" xmlns="" id="{9BBC5043-F4DD-4746-A3FD-52FECF01659D}"/>
+                <a16:creationId xmlns="" xmlns:a16="http://schemas.microsoft.com/office/drawing/2014/main" id="{9BBC5043-F4DD-4746-A3FD-52FECF01659D}"/>
               </a:ext>
             </a:extLst>
           </p:cNvPr>
@@ -3750,7 +3749,7 @@
           <p:cNvPr id="8" name="Grafik 7">
             <a:extLst>
               <a:ext uri="{FF2B5EF4-FFF2-40B4-BE49-F238E27FC236}">
-                <a16:creationId xmlns:a16="http://schemas.microsoft.com/office/drawing/2014/main" xmlns="" id="{E7E2C6A5-D147-4C0D-AC4E-0B48C48BC4B8}"/>
+                <a16:creationId xmlns="" xmlns:a16="http://schemas.microsoft.com/office/drawing/2014/main" id="{E7E2C6A5-D147-4C0D-AC4E-0B48C48BC4B8}"/>
               </a:ext>
             </a:extLst>
           </p:cNvPr>
@@ -3780,7 +3779,7 @@
           <p:cNvPr id="4" name="Fußzeilenplatzhalter 3">
             <a:extLst>
               <a:ext uri="{FF2B5EF4-FFF2-40B4-BE49-F238E27FC236}">
-                <a16:creationId xmlns:a16="http://schemas.microsoft.com/office/drawing/2014/main" xmlns="" id="{EBEEBE32-E0F1-4769-9C78-BB3B31F5CA53}"/>
+                <a16:creationId xmlns="" xmlns:a16="http://schemas.microsoft.com/office/drawing/2014/main" id="{EBEEBE32-E0F1-4769-9C78-BB3B31F5CA53}"/>
               </a:ext>
             </a:extLst>
           </p:cNvPr>
@@ -3826,7 +3825,7 @@
           <p:cNvPr id="5" name="Foliennummernplatzhalter 4">
             <a:extLst>
               <a:ext uri="{FF2B5EF4-FFF2-40B4-BE49-F238E27FC236}">
-                <a16:creationId xmlns:a16="http://schemas.microsoft.com/office/drawing/2014/main" xmlns="" id="{FF774BF5-4681-422B-BB2E-A8C81B9F3BB8}"/>
+                <a16:creationId xmlns="" xmlns:a16="http://schemas.microsoft.com/office/drawing/2014/main" id="{FF774BF5-4681-422B-BB2E-A8C81B9F3BB8}"/>
               </a:ext>
             </a:extLst>
           </p:cNvPr>
@@ -3855,7 +3854,7 @@
           <p:cNvPr id="6" name="Grafik 5">
             <a:extLst>
               <a:ext uri="{FF2B5EF4-FFF2-40B4-BE49-F238E27FC236}">
-                <a16:creationId xmlns:a16="http://schemas.microsoft.com/office/drawing/2014/main" xmlns="" id="{BCAFA80E-26BB-4A40-86DD-C77151BB2E2B}"/>
+                <a16:creationId xmlns="" xmlns:a16="http://schemas.microsoft.com/office/drawing/2014/main" id="{BCAFA80E-26BB-4A40-86DD-C77151BB2E2B}"/>
               </a:ext>
             </a:extLst>
           </p:cNvPr>
@@ -3885,7 +3884,7 @@
           <p:cNvPr id="7" name="Grafik 6">
             <a:extLst>
               <a:ext uri="{FF2B5EF4-FFF2-40B4-BE49-F238E27FC236}">
-                <a16:creationId xmlns:a16="http://schemas.microsoft.com/office/drawing/2014/main" xmlns="" id="{C75C8862-9845-4296-9F2C-2F74796FA2DD}"/>
+                <a16:creationId xmlns="" xmlns:a16="http://schemas.microsoft.com/office/drawing/2014/main" id="{C75C8862-9845-4296-9F2C-2F74796FA2DD}"/>
               </a:ext>
             </a:extLst>
           </p:cNvPr>
@@ -4086,7 +4085,7 @@
           <p:cNvPr id="8" name="Grafik 7">
             <a:extLst>
               <a:ext uri="{FF2B5EF4-FFF2-40B4-BE49-F238E27FC236}">
-                <a16:creationId xmlns:a16="http://schemas.microsoft.com/office/drawing/2014/main" xmlns="" id="{E7E2C6A5-D147-4C0D-AC4E-0B48C48BC4B8}"/>
+                <a16:creationId xmlns="" xmlns:a16="http://schemas.microsoft.com/office/drawing/2014/main" id="{E7E2C6A5-D147-4C0D-AC4E-0B48C48BC4B8}"/>
               </a:ext>
             </a:extLst>
           </p:cNvPr>
@@ -4116,7 +4115,7 @@
           <p:cNvPr id="4" name="Fußzeilenplatzhalter 3">
             <a:extLst>
               <a:ext uri="{FF2B5EF4-FFF2-40B4-BE49-F238E27FC236}">
-                <a16:creationId xmlns:a16="http://schemas.microsoft.com/office/drawing/2014/main" xmlns="" id="{EBEEBE32-E0F1-4769-9C78-BB3B31F5CA53}"/>
+                <a16:creationId xmlns="" xmlns:a16="http://schemas.microsoft.com/office/drawing/2014/main" id="{EBEEBE32-E0F1-4769-9C78-BB3B31F5CA53}"/>
               </a:ext>
             </a:extLst>
           </p:cNvPr>
@@ -4150,7 +4149,7 @@
           <p:cNvPr id="5" name="Foliennummernplatzhalter 4">
             <a:extLst>
               <a:ext uri="{FF2B5EF4-FFF2-40B4-BE49-F238E27FC236}">
-                <a16:creationId xmlns:a16="http://schemas.microsoft.com/office/drawing/2014/main" xmlns="" id="{FF774BF5-4681-422B-BB2E-A8C81B9F3BB8}"/>
+                <a16:creationId xmlns="" xmlns:a16="http://schemas.microsoft.com/office/drawing/2014/main" id="{FF774BF5-4681-422B-BB2E-A8C81B9F3BB8}"/>
               </a:ext>
             </a:extLst>
           </p:cNvPr>
@@ -4179,7 +4178,7 @@
           <p:cNvPr id="6" name="Grafik 5">
             <a:extLst>
               <a:ext uri="{FF2B5EF4-FFF2-40B4-BE49-F238E27FC236}">
-                <a16:creationId xmlns:a16="http://schemas.microsoft.com/office/drawing/2014/main" xmlns="" id="{BCAFA80E-26BB-4A40-86DD-C77151BB2E2B}"/>
+                <a16:creationId xmlns="" xmlns:a16="http://schemas.microsoft.com/office/drawing/2014/main" id="{BCAFA80E-26BB-4A40-86DD-C77151BB2E2B}"/>
               </a:ext>
             </a:extLst>
           </p:cNvPr>
@@ -4209,7 +4208,7 @@
           <p:cNvPr id="7" name="Grafik 6">
             <a:extLst>
               <a:ext uri="{FF2B5EF4-FFF2-40B4-BE49-F238E27FC236}">
-                <a16:creationId xmlns:a16="http://schemas.microsoft.com/office/drawing/2014/main" xmlns="" id="{C75C8862-9845-4296-9F2C-2F74796FA2DD}"/>
+                <a16:creationId xmlns="" xmlns:a16="http://schemas.microsoft.com/office/drawing/2014/main" id="{C75C8862-9845-4296-9F2C-2F74796FA2DD}"/>
               </a:ext>
             </a:extLst>
           </p:cNvPr>
@@ -4376,7 +4375,7 @@
           <p:cNvPr id="8" name="Grafik 7">
             <a:extLst>
               <a:ext uri="{FF2B5EF4-FFF2-40B4-BE49-F238E27FC236}">
-                <a16:creationId xmlns:a16="http://schemas.microsoft.com/office/drawing/2014/main" xmlns="" id="{E7E2C6A5-D147-4C0D-AC4E-0B48C48BC4B8}"/>
+                <a16:creationId xmlns="" xmlns:a16="http://schemas.microsoft.com/office/drawing/2014/main" id="{E7E2C6A5-D147-4C0D-AC4E-0B48C48BC4B8}"/>
               </a:ext>
             </a:extLst>
           </p:cNvPr>
@@ -4406,7 +4405,7 @@
           <p:cNvPr id="4" name="Fußzeilenplatzhalter 3">
             <a:extLst>
               <a:ext uri="{FF2B5EF4-FFF2-40B4-BE49-F238E27FC236}">
-                <a16:creationId xmlns:a16="http://schemas.microsoft.com/office/drawing/2014/main" xmlns="" id="{EBEEBE32-E0F1-4769-9C78-BB3B31F5CA53}"/>
+                <a16:creationId xmlns="" xmlns:a16="http://schemas.microsoft.com/office/drawing/2014/main" id="{EBEEBE32-E0F1-4769-9C78-BB3B31F5CA53}"/>
               </a:ext>
             </a:extLst>
           </p:cNvPr>
@@ -4440,7 +4439,7 @@
           <p:cNvPr id="5" name="Foliennummernplatzhalter 4">
             <a:extLst>
               <a:ext uri="{FF2B5EF4-FFF2-40B4-BE49-F238E27FC236}">
-                <a16:creationId xmlns:a16="http://schemas.microsoft.com/office/drawing/2014/main" xmlns="" id="{FF774BF5-4681-422B-BB2E-A8C81B9F3BB8}"/>
+                <a16:creationId xmlns="" xmlns:a16="http://schemas.microsoft.com/office/drawing/2014/main" id="{FF774BF5-4681-422B-BB2E-A8C81B9F3BB8}"/>
               </a:ext>
             </a:extLst>
           </p:cNvPr>
@@ -4469,7 +4468,7 @@
           <p:cNvPr id="6" name="Grafik 5">
             <a:extLst>
               <a:ext uri="{FF2B5EF4-FFF2-40B4-BE49-F238E27FC236}">
-                <a16:creationId xmlns:a16="http://schemas.microsoft.com/office/drawing/2014/main" xmlns="" id="{BCAFA80E-26BB-4A40-86DD-C77151BB2E2B}"/>
+                <a16:creationId xmlns="" xmlns:a16="http://schemas.microsoft.com/office/drawing/2014/main" id="{BCAFA80E-26BB-4A40-86DD-C77151BB2E2B}"/>
               </a:ext>
             </a:extLst>
           </p:cNvPr>
@@ -4499,7 +4498,7 @@
           <p:cNvPr id="7" name="Grafik 6">
             <a:extLst>
               <a:ext uri="{FF2B5EF4-FFF2-40B4-BE49-F238E27FC236}">
-                <a16:creationId xmlns:a16="http://schemas.microsoft.com/office/drawing/2014/main" xmlns="" id="{C75C8862-9845-4296-9F2C-2F74796FA2DD}"/>
+                <a16:creationId xmlns="" xmlns:a16="http://schemas.microsoft.com/office/drawing/2014/main" id="{C75C8862-9845-4296-9F2C-2F74796FA2DD}"/>
               </a:ext>
             </a:extLst>
           </p:cNvPr>
@@ -4666,7 +4665,7 @@
           <p:cNvPr id="8" name="Grafik 7">
             <a:extLst>
               <a:ext uri="{FF2B5EF4-FFF2-40B4-BE49-F238E27FC236}">
-                <a16:creationId xmlns:a16="http://schemas.microsoft.com/office/drawing/2014/main" xmlns="" id="{E7E2C6A5-D147-4C0D-AC4E-0B48C48BC4B8}"/>
+                <a16:creationId xmlns="" xmlns:a16="http://schemas.microsoft.com/office/drawing/2014/main" id="{E7E2C6A5-D147-4C0D-AC4E-0B48C48BC4B8}"/>
               </a:ext>
             </a:extLst>
           </p:cNvPr>
@@ -4696,7 +4695,7 @@
           <p:cNvPr id="4" name="Fußzeilenplatzhalter 3">
             <a:extLst>
               <a:ext uri="{FF2B5EF4-FFF2-40B4-BE49-F238E27FC236}">
-                <a16:creationId xmlns:a16="http://schemas.microsoft.com/office/drawing/2014/main" xmlns="" id="{EBEEBE32-E0F1-4769-9C78-BB3B31F5CA53}"/>
+                <a16:creationId xmlns="" xmlns:a16="http://schemas.microsoft.com/office/drawing/2014/main" id="{EBEEBE32-E0F1-4769-9C78-BB3B31F5CA53}"/>
               </a:ext>
             </a:extLst>
           </p:cNvPr>
@@ -4730,7 +4729,7 @@
           <p:cNvPr id="5" name="Foliennummernplatzhalter 4">
             <a:extLst>
               <a:ext uri="{FF2B5EF4-FFF2-40B4-BE49-F238E27FC236}">
-                <a16:creationId xmlns:a16="http://schemas.microsoft.com/office/drawing/2014/main" xmlns="" id="{FF774BF5-4681-422B-BB2E-A8C81B9F3BB8}"/>
+                <a16:creationId xmlns="" xmlns:a16="http://schemas.microsoft.com/office/drawing/2014/main" id="{FF774BF5-4681-422B-BB2E-A8C81B9F3BB8}"/>
               </a:ext>
             </a:extLst>
           </p:cNvPr>
@@ -4759,7 +4758,7 @@
           <p:cNvPr id="6" name="Grafik 5">
             <a:extLst>
               <a:ext uri="{FF2B5EF4-FFF2-40B4-BE49-F238E27FC236}">
-                <a16:creationId xmlns:a16="http://schemas.microsoft.com/office/drawing/2014/main" xmlns="" id="{BCAFA80E-26BB-4A40-86DD-C77151BB2E2B}"/>
+                <a16:creationId xmlns="" xmlns:a16="http://schemas.microsoft.com/office/drawing/2014/main" id="{BCAFA80E-26BB-4A40-86DD-C77151BB2E2B}"/>
               </a:ext>
             </a:extLst>
           </p:cNvPr>
@@ -4789,7 +4788,7 @@
           <p:cNvPr id="7" name="Grafik 6">
             <a:extLst>
               <a:ext uri="{FF2B5EF4-FFF2-40B4-BE49-F238E27FC236}">
-                <a16:creationId xmlns:a16="http://schemas.microsoft.com/office/drawing/2014/main" xmlns="" id="{C75C8862-9845-4296-9F2C-2F74796FA2DD}"/>
+                <a16:creationId xmlns="" xmlns:a16="http://schemas.microsoft.com/office/drawing/2014/main" id="{C75C8862-9845-4296-9F2C-2F74796FA2DD}"/>
               </a:ext>
             </a:extLst>
           </p:cNvPr>
@@ -5015,7 +5014,7 @@
           <p:cNvPr id="8" name="Grafik 7">
             <a:extLst>
               <a:ext uri="{FF2B5EF4-FFF2-40B4-BE49-F238E27FC236}">
-                <a16:creationId xmlns:a16="http://schemas.microsoft.com/office/drawing/2014/main" xmlns="" id="{E7E2C6A5-D147-4C0D-AC4E-0B48C48BC4B8}"/>
+                <a16:creationId xmlns="" xmlns:a16="http://schemas.microsoft.com/office/drawing/2014/main" id="{E7E2C6A5-D147-4C0D-AC4E-0B48C48BC4B8}"/>
               </a:ext>
             </a:extLst>
           </p:cNvPr>
@@ -5045,7 +5044,7 @@
           <p:cNvPr id="4" name="Fußzeilenplatzhalter 3">
             <a:extLst>
               <a:ext uri="{FF2B5EF4-FFF2-40B4-BE49-F238E27FC236}">
-                <a16:creationId xmlns:a16="http://schemas.microsoft.com/office/drawing/2014/main" xmlns="" id="{EBEEBE32-E0F1-4769-9C78-BB3B31F5CA53}"/>
+                <a16:creationId xmlns="" xmlns:a16="http://schemas.microsoft.com/office/drawing/2014/main" id="{EBEEBE32-E0F1-4769-9C78-BB3B31F5CA53}"/>
               </a:ext>
             </a:extLst>
           </p:cNvPr>
@@ -5079,7 +5078,7 @@
           <p:cNvPr id="5" name="Foliennummernplatzhalter 4">
             <a:extLst>
               <a:ext uri="{FF2B5EF4-FFF2-40B4-BE49-F238E27FC236}">
-                <a16:creationId xmlns:a16="http://schemas.microsoft.com/office/drawing/2014/main" xmlns="" id="{FF774BF5-4681-422B-BB2E-A8C81B9F3BB8}"/>
+                <a16:creationId xmlns="" xmlns:a16="http://schemas.microsoft.com/office/drawing/2014/main" id="{FF774BF5-4681-422B-BB2E-A8C81B9F3BB8}"/>
               </a:ext>
             </a:extLst>
           </p:cNvPr>
@@ -5108,7 +5107,7 @@
           <p:cNvPr id="6" name="Grafik 5">
             <a:extLst>
               <a:ext uri="{FF2B5EF4-FFF2-40B4-BE49-F238E27FC236}">
-                <a16:creationId xmlns:a16="http://schemas.microsoft.com/office/drawing/2014/main" xmlns="" id="{BCAFA80E-26BB-4A40-86DD-C77151BB2E2B}"/>
+                <a16:creationId xmlns="" xmlns:a16="http://schemas.microsoft.com/office/drawing/2014/main" id="{BCAFA80E-26BB-4A40-86DD-C77151BB2E2B}"/>
               </a:ext>
             </a:extLst>
           </p:cNvPr>
@@ -5138,7 +5137,7 @@
           <p:cNvPr id="7" name="Grafik 6">
             <a:extLst>
               <a:ext uri="{FF2B5EF4-FFF2-40B4-BE49-F238E27FC236}">
-                <a16:creationId xmlns:a16="http://schemas.microsoft.com/office/drawing/2014/main" xmlns="" id="{C75C8862-9845-4296-9F2C-2F74796FA2DD}"/>
+                <a16:creationId xmlns="" xmlns:a16="http://schemas.microsoft.com/office/drawing/2014/main" id="{C75C8862-9845-4296-9F2C-2F74796FA2DD}"/>
               </a:ext>
             </a:extLst>
           </p:cNvPr>
@@ -5413,8 +5412,8 @@
         </p:nvSpPr>
         <p:spPr>
           <a:xfrm>
-            <a:off x="5549030" y="2730318"/>
-            <a:ext cx="3782860" cy="646331"/>
+            <a:off x="5511450" y="2545511"/>
+            <a:ext cx="5160723" cy="646331"/>
           </a:xfrm>
           <a:prstGeom prst="rect">
             <a:avLst/>
@@ -5445,7 +5444,31 @@
             </a:r>
             <a:r>
               <a:rPr lang="de-DE" b="1" dirty="0" smtClean="0"/>
-              <a:t>  </a:t>
+              <a:t> </a:t>
+            </a:r>
+            <a:r>
+              <a:rPr lang="de-DE" b="1" dirty="0" err="1" smtClean="0"/>
+              <a:t>using</a:t>
+            </a:r>
+            <a:r>
+              <a:rPr lang="de-DE" b="1" dirty="0" smtClean="0"/>
+              <a:t> </a:t>
+            </a:r>
+            <a:r>
+              <a:rPr lang="de-DE" b="1" dirty="0" err="1" smtClean="0"/>
+              <a:t>Helmet</a:t>
+            </a:r>
+            <a:r>
+              <a:rPr lang="de-DE" b="1" dirty="0" smtClean="0"/>
+              <a:t> </a:t>
+            </a:r>
+            <a:r>
+              <a:rPr lang="de-DE" b="1" dirty="0" err="1" smtClean="0"/>
+              <a:t>module</a:t>
+            </a:r>
+            <a:r>
+              <a:rPr lang="de-DE" b="1" dirty="0" smtClean="0"/>
+              <a:t> </a:t>
             </a:r>
             <a:r>
               <a:rPr lang="de-DE" b="1" dirty="0"/>
@@ -5545,7 +5568,7 @@
           <p:cNvPr id="8" name="Grafik 7">
             <a:extLst>
               <a:ext uri="{FF2B5EF4-FFF2-40B4-BE49-F238E27FC236}">
-                <a16:creationId xmlns:a16="http://schemas.microsoft.com/office/drawing/2014/main" xmlns="" id="{E7E2C6A5-D147-4C0D-AC4E-0B48C48BC4B8}"/>
+                <a16:creationId xmlns="" xmlns:a16="http://schemas.microsoft.com/office/drawing/2014/main" id="{E7E2C6A5-D147-4C0D-AC4E-0B48C48BC4B8}"/>
               </a:ext>
             </a:extLst>
           </p:cNvPr>
@@ -5575,7 +5598,7 @@
           <p:cNvPr id="4" name="Fußzeilenplatzhalter 3">
             <a:extLst>
               <a:ext uri="{FF2B5EF4-FFF2-40B4-BE49-F238E27FC236}">
-                <a16:creationId xmlns:a16="http://schemas.microsoft.com/office/drawing/2014/main" xmlns="" id="{EBEEBE32-E0F1-4769-9C78-BB3B31F5CA53}"/>
+                <a16:creationId xmlns="" xmlns:a16="http://schemas.microsoft.com/office/drawing/2014/main" id="{EBEEBE32-E0F1-4769-9C78-BB3B31F5CA53}"/>
               </a:ext>
             </a:extLst>
           </p:cNvPr>
@@ -5609,7 +5632,7 @@
           <p:cNvPr id="5" name="Foliennummernplatzhalter 4">
             <a:extLst>
               <a:ext uri="{FF2B5EF4-FFF2-40B4-BE49-F238E27FC236}">
-                <a16:creationId xmlns:a16="http://schemas.microsoft.com/office/drawing/2014/main" xmlns="" id="{FF774BF5-4681-422B-BB2E-A8C81B9F3BB8}"/>
+                <a16:creationId xmlns="" xmlns:a16="http://schemas.microsoft.com/office/drawing/2014/main" id="{FF774BF5-4681-422B-BB2E-A8C81B9F3BB8}"/>
               </a:ext>
             </a:extLst>
           </p:cNvPr>
@@ -5638,7 +5661,7 @@
           <p:cNvPr id="6" name="Grafik 5">
             <a:extLst>
               <a:ext uri="{FF2B5EF4-FFF2-40B4-BE49-F238E27FC236}">
-                <a16:creationId xmlns:a16="http://schemas.microsoft.com/office/drawing/2014/main" xmlns="" id="{BCAFA80E-26BB-4A40-86DD-C77151BB2E2B}"/>
+                <a16:creationId xmlns="" xmlns:a16="http://schemas.microsoft.com/office/drawing/2014/main" id="{BCAFA80E-26BB-4A40-86DD-C77151BB2E2B}"/>
               </a:ext>
             </a:extLst>
           </p:cNvPr>
@@ -5668,7 +5691,7 @@
           <p:cNvPr id="7" name="Grafik 6">
             <a:extLst>
               <a:ext uri="{FF2B5EF4-FFF2-40B4-BE49-F238E27FC236}">
-                <a16:creationId xmlns:a16="http://schemas.microsoft.com/office/drawing/2014/main" xmlns="" id="{C75C8862-9845-4296-9F2C-2F74796FA2DD}"/>
+                <a16:creationId xmlns="" xmlns:a16="http://schemas.microsoft.com/office/drawing/2014/main" id="{C75C8862-9845-4296-9F2C-2F74796FA2DD}"/>
               </a:ext>
             </a:extLst>
           </p:cNvPr>
@@ -5702,7 +5725,7 @@
         <p:spPr>
           <a:xfrm>
             <a:off x="901874" y="1122363"/>
-            <a:ext cx="9294312" cy="4985980"/>
+            <a:ext cx="9294312" cy="6647974"/>
           </a:xfrm>
           <a:prstGeom prst="rect">
             <a:avLst/>
@@ -5722,12 +5745,8 @@
           </a:p>
           <a:p>
             <a:r>
-              <a:rPr lang="de-DE" sz="3600" b="1" dirty="0" smtClean="0"/>
-              <a:t>Security Report &amp; </a:t>
-            </a:r>
-            <a:r>
               <a:rPr lang="de-DE" sz="3600" b="1" dirty="0" err="1" smtClean="0"/>
-              <a:t>How</a:t>
+              <a:t>Lessons</a:t>
             </a:r>
             <a:r>
               <a:rPr lang="de-DE" sz="3600" b="1" dirty="0" smtClean="0"/>
@@ -5735,7 +5754,7 @@
             </a:r>
             <a:r>
               <a:rPr lang="de-DE" sz="3600" b="1" dirty="0" err="1" smtClean="0"/>
-              <a:t>we</a:t>
+              <a:t>Learned</a:t>
             </a:r>
             <a:r>
               <a:rPr lang="de-DE" sz="3600" b="1" dirty="0" smtClean="0"/>
@@ -5743,17 +5762,12 @@
             </a:r>
             <a:r>
               <a:rPr lang="de-DE" sz="3600" b="1" dirty="0" err="1" smtClean="0"/>
-              <a:t>fixed</a:t>
+              <a:t>about</a:t>
             </a:r>
             <a:r>
               <a:rPr lang="de-DE" sz="3600" b="1" dirty="0" smtClean="0"/>
-              <a:t> </a:t>
-            </a:r>
-            <a:r>
-              <a:rPr lang="de-DE" sz="3600" b="1" dirty="0" err="1" smtClean="0"/>
-              <a:t>it</a:t>
-            </a:r>
-            <a:endParaRPr lang="de-DE" sz="3600" b="1" dirty="0" smtClean="0"/>
+              <a:t> node.js </a:t>
+            </a:r>
           </a:p>
           <a:p>
             <a:endParaRPr lang="de-DE" sz="1200" b="1" dirty="0"/>
@@ -5771,7 +5785,7 @@
             </a:r>
             <a:r>
               <a:rPr lang="de-DE" dirty="0" err="1" smtClean="0"/>
-              <a:t>Using</a:t>
+              <a:t>helmet</a:t>
             </a:r>
             <a:r>
               <a:rPr lang="de-DE" dirty="0" smtClean="0"/>
@@ -5779,7 +5793,7 @@
             </a:r>
             <a:r>
               <a:rPr lang="de-DE" dirty="0" err="1" smtClean="0"/>
-              <a:t>Helmet</a:t>
+              <a:t>module</a:t>
             </a:r>
             <a:r>
               <a:rPr lang="de-DE" dirty="0" smtClean="0"/>
@@ -5787,11 +5801,230 @@
             </a:r>
             <a:r>
               <a:rPr lang="de-DE" dirty="0" err="1" smtClean="0"/>
-              <a:t>module</a:t>
+              <a:t>make</a:t>
             </a:r>
             <a:r>
               <a:rPr lang="de-DE" dirty="0" smtClean="0"/>
               <a:t> </a:t>
+            </a:r>
+            <a:r>
+              <a:rPr lang="de-DE" dirty="0" err="1" smtClean="0"/>
+              <a:t>it</a:t>
+            </a:r>
+            <a:r>
+              <a:rPr lang="de-DE" dirty="0" smtClean="0"/>
+              <a:t> </a:t>
+            </a:r>
+            <a:r>
+              <a:rPr lang="de-DE" dirty="0" err="1" smtClean="0"/>
+              <a:t>very</a:t>
+            </a:r>
+            <a:r>
+              <a:rPr lang="de-DE" dirty="0" smtClean="0"/>
+              <a:t> easy </a:t>
+            </a:r>
+            <a:r>
+              <a:rPr lang="de-DE" dirty="0" err="1" smtClean="0"/>
+              <a:t>to</a:t>
+            </a:r>
+            <a:r>
+              <a:rPr lang="de-DE" dirty="0" smtClean="0"/>
+              <a:t> </a:t>
+            </a:r>
+            <a:r>
+              <a:rPr lang="de-DE" dirty="0" err="1" smtClean="0"/>
+              <a:t>ensure</a:t>
+            </a:r>
+            <a:r>
+              <a:rPr lang="de-DE" dirty="0" smtClean="0"/>
+              <a:t> </a:t>
+            </a:r>
+            <a:r>
+              <a:rPr lang="de-DE" dirty="0" err="1" smtClean="0"/>
+              <a:t>basic</a:t>
+            </a:r>
+            <a:r>
+              <a:rPr lang="de-DE" dirty="0" smtClean="0"/>
+              <a:t> </a:t>
+            </a:r>
+            <a:r>
+              <a:rPr lang="de-DE" dirty="0" err="1" smtClean="0"/>
+              <a:t>security</a:t>
+            </a:r>
+            <a:r>
+              <a:rPr lang="de-DE" dirty="0" smtClean="0"/>
+              <a:t> </a:t>
+            </a:r>
+            <a:r>
+              <a:rPr lang="de-DE" dirty="0" err="1" smtClean="0"/>
+              <a:t>set</a:t>
+            </a:r>
+            <a:r>
+              <a:rPr lang="de-DE" dirty="0" smtClean="0"/>
+              <a:t> </a:t>
+            </a:r>
+            <a:r>
+              <a:rPr lang="de-DE" dirty="0" err="1" smtClean="0"/>
+              <a:t>up</a:t>
+            </a:r>
+            <a:r>
+              <a:rPr lang="de-DE" dirty="0" smtClean="0"/>
+              <a:t> </a:t>
+            </a:r>
+            <a:r>
+              <a:rPr lang="de-DE" dirty="0" err="1" smtClean="0"/>
+              <a:t>for</a:t>
+            </a:r>
+            <a:r>
+              <a:rPr lang="de-DE" dirty="0" smtClean="0"/>
+              <a:t> </a:t>
+            </a:r>
+            <a:r>
+              <a:rPr lang="de-DE" dirty="0" err="1" smtClean="0"/>
+              <a:t>the</a:t>
+            </a:r>
+            <a:r>
+              <a:rPr lang="de-DE" dirty="0" smtClean="0"/>
+              <a:t> </a:t>
+            </a:r>
+            <a:r>
+              <a:rPr lang="de-DE" dirty="0" err="1" smtClean="0"/>
+              <a:t>server</a:t>
+            </a:r>
+            <a:endParaRPr lang="de-DE" dirty="0" smtClean="0"/>
+          </a:p>
+          <a:p>
+            <a:endParaRPr lang="de-DE" dirty="0"/>
+          </a:p>
+          <a:p>
+            <a:r>
+              <a:rPr lang="de-DE" dirty="0" smtClean="0"/>
+              <a:t>	</a:t>
+            </a:r>
+            <a:r>
+              <a:rPr lang="de-DE" dirty="0" err="1" smtClean="0"/>
+              <a:t>with</a:t>
+            </a:r>
+            <a:r>
+              <a:rPr lang="de-DE" dirty="0" smtClean="0"/>
+              <a:t> IBM </a:t>
+            </a:r>
+            <a:r>
+              <a:rPr lang="de-DE" dirty="0" err="1" smtClean="0"/>
+              <a:t>standard</a:t>
+            </a:r>
+            <a:r>
+              <a:rPr lang="de-DE" dirty="0" smtClean="0"/>
+              <a:t> </a:t>
+            </a:r>
+            <a:r>
+              <a:rPr lang="de-DE" dirty="0" err="1" smtClean="0"/>
+              <a:t>domain</a:t>
+            </a:r>
+            <a:r>
+              <a:rPr lang="de-DE" dirty="0" smtClean="0"/>
+              <a:t>, </a:t>
+            </a:r>
+            <a:r>
+              <a:rPr lang="de-DE" dirty="0" err="1" smtClean="0"/>
+              <a:t>tls</a:t>
+            </a:r>
+            <a:r>
+              <a:rPr lang="de-DE" dirty="0" smtClean="0"/>
+              <a:t> </a:t>
+            </a:r>
+            <a:r>
+              <a:rPr lang="de-DE" dirty="0" err="1" smtClean="0"/>
+              <a:t>protocol</a:t>
+            </a:r>
+            <a:r>
+              <a:rPr lang="de-DE" dirty="0" smtClean="0"/>
+              <a:t> </a:t>
+            </a:r>
+            <a:r>
+              <a:rPr lang="de-DE" dirty="0" err="1" smtClean="0"/>
+              <a:t>is</a:t>
+            </a:r>
+            <a:r>
+              <a:rPr lang="de-DE" dirty="0" smtClean="0"/>
+              <a:t> </a:t>
+            </a:r>
+            <a:r>
+              <a:rPr lang="de-DE" dirty="0" err="1" smtClean="0"/>
+              <a:t>provided</a:t>
+            </a:r>
+            <a:r>
+              <a:rPr lang="de-DE" dirty="0" smtClean="0"/>
+              <a:t> </a:t>
+            </a:r>
+            <a:r>
+              <a:rPr lang="de-DE" dirty="0" err="1" smtClean="0"/>
+              <a:t>automatically</a:t>
+            </a:r>
+            <a:r>
+              <a:rPr lang="de-DE" dirty="0" smtClean="0"/>
+              <a:t>, but </a:t>
+            </a:r>
+            <a:r>
+              <a:rPr lang="de-DE" dirty="0" err="1" smtClean="0"/>
+              <a:t>the</a:t>
+            </a:r>
+            <a:r>
+              <a:rPr lang="de-DE" dirty="0" smtClean="0"/>
+              <a:t> </a:t>
+            </a:r>
+            <a:r>
+              <a:rPr lang="de-DE" dirty="0" err="1" smtClean="0"/>
+              <a:t>case</a:t>
+            </a:r>
+            <a:r>
+              <a:rPr lang="de-DE" dirty="0" smtClean="0"/>
+              <a:t> </a:t>
+            </a:r>
+            <a:r>
+              <a:rPr lang="de-DE" dirty="0" err="1" smtClean="0"/>
+              <a:t>is</a:t>
+            </a:r>
+            <a:r>
+              <a:rPr lang="de-DE" dirty="0" smtClean="0"/>
+              <a:t> 	different </a:t>
+            </a:r>
+            <a:r>
+              <a:rPr lang="de-DE" dirty="0" err="1" smtClean="0"/>
+              <a:t>for</a:t>
+            </a:r>
+            <a:r>
+              <a:rPr lang="de-DE" dirty="0" smtClean="0"/>
+              <a:t> </a:t>
+            </a:r>
+            <a:r>
+              <a:rPr lang="de-DE" dirty="0" err="1" smtClean="0"/>
+              <a:t>custom</a:t>
+            </a:r>
+            <a:r>
+              <a:rPr lang="de-DE" dirty="0" smtClean="0"/>
+              <a:t> </a:t>
+            </a:r>
+            <a:r>
+              <a:rPr lang="de-DE" dirty="0" err="1" smtClean="0"/>
+              <a:t>domain</a:t>
+            </a:r>
+            <a:endParaRPr lang="de-DE" dirty="0" smtClean="0"/>
+          </a:p>
+          <a:p>
+            <a:endParaRPr lang="de-DE" dirty="0" smtClean="0"/>
+          </a:p>
+          <a:p>
+            <a:r>
+              <a:rPr lang="de-DE" dirty="0"/>
+              <a:t>	</a:t>
+            </a:r>
+            <a:endParaRPr lang="de-DE" dirty="0" smtClean="0"/>
+          </a:p>
+          <a:p>
+            <a:r>
+              <a:rPr lang="de-DE" dirty="0" smtClean="0"/>
+              <a:t>	</a:t>
             </a:r>
           </a:p>
           <a:p>
@@ -5907,10 +6140,40 @@
           </a:prstGeom>
         </p:spPr>
       </p:pic>
+      <p:pic>
+        <p:nvPicPr>
+          <p:cNvPr id="12" name="Grafik 10"/>
+          <p:cNvPicPr>
+            <a:picLocks noChangeAspect="1"/>
+          </p:cNvPicPr>
+          <p:nvPr/>
+        </p:nvPicPr>
+        <p:blipFill>
+          <a:blip r:embed="rId6" cstate="print">
+            <a:extLst>
+              <a:ext uri="{28A0092B-C50C-407E-A947-70E740481C1C}">
+                <a14:useLocalDpi xmlns:a14="http://schemas.microsoft.com/office/drawing/2010/main" val="0"/>
+              </a:ext>
+            </a:extLst>
+          </a:blip>
+          <a:stretch>
+            <a:fillRect/>
+          </a:stretch>
+        </p:blipFill>
+        <p:spPr>
+          <a:xfrm>
+            <a:off x="1369536" y="3778505"/>
+            <a:ext cx="314526" cy="288116"/>
+          </a:xfrm>
+          <a:prstGeom prst="rect">
+            <a:avLst/>
+          </a:prstGeom>
+        </p:spPr>
+      </p:pic>
     </p:spTree>
     <p:extLst>
       <p:ext uri="{BB962C8B-B14F-4D97-AF65-F5344CB8AC3E}">
-        <p14:creationId xmlns:p14="http://schemas.microsoft.com/office/powerpoint/2010/main" val="3031969449"/>
+        <p14:creationId xmlns:p14="http://schemas.microsoft.com/office/powerpoint/2010/main" val="3504934838"/>
       </p:ext>
     </p:extLst>
   </p:cSld>
@@ -5949,7 +6212,7 @@
           <p:cNvPr id="8" name="Grafik 7">
             <a:extLst>
               <a:ext uri="{FF2B5EF4-FFF2-40B4-BE49-F238E27FC236}">
-                <a16:creationId xmlns:a16="http://schemas.microsoft.com/office/drawing/2014/main" xmlns="" id="{E7E2C6A5-D147-4C0D-AC4E-0B48C48BC4B8}"/>
+                <a16:creationId xmlns="" xmlns:a16="http://schemas.microsoft.com/office/drawing/2014/main" id="{E7E2C6A5-D147-4C0D-AC4E-0B48C48BC4B8}"/>
               </a:ext>
             </a:extLst>
           </p:cNvPr>
@@ -5979,7 +6242,7 @@
           <p:cNvPr id="4" name="Fußzeilenplatzhalter 3">
             <a:extLst>
               <a:ext uri="{FF2B5EF4-FFF2-40B4-BE49-F238E27FC236}">
-                <a16:creationId xmlns:a16="http://schemas.microsoft.com/office/drawing/2014/main" xmlns="" id="{EBEEBE32-E0F1-4769-9C78-BB3B31F5CA53}"/>
+                <a16:creationId xmlns="" xmlns:a16="http://schemas.microsoft.com/office/drawing/2014/main" id="{EBEEBE32-E0F1-4769-9C78-BB3B31F5CA53}"/>
               </a:ext>
             </a:extLst>
           </p:cNvPr>
@@ -6013,7 +6276,7 @@
           <p:cNvPr id="5" name="Foliennummernplatzhalter 4">
             <a:extLst>
               <a:ext uri="{FF2B5EF4-FFF2-40B4-BE49-F238E27FC236}">
-                <a16:creationId xmlns:a16="http://schemas.microsoft.com/office/drawing/2014/main" xmlns="" id="{FF774BF5-4681-422B-BB2E-A8C81B9F3BB8}"/>
+                <a16:creationId xmlns="" xmlns:a16="http://schemas.microsoft.com/office/drawing/2014/main" id="{FF774BF5-4681-422B-BB2E-A8C81B9F3BB8}"/>
               </a:ext>
             </a:extLst>
           </p:cNvPr>
@@ -6042,7 +6305,7 @@
           <p:cNvPr id="6" name="Grafik 5">
             <a:extLst>
               <a:ext uri="{FF2B5EF4-FFF2-40B4-BE49-F238E27FC236}">
-                <a16:creationId xmlns:a16="http://schemas.microsoft.com/office/drawing/2014/main" xmlns="" id="{BCAFA80E-26BB-4A40-86DD-C77151BB2E2B}"/>
+                <a16:creationId xmlns="" xmlns:a16="http://schemas.microsoft.com/office/drawing/2014/main" id="{BCAFA80E-26BB-4A40-86DD-C77151BB2E2B}"/>
               </a:ext>
             </a:extLst>
           </p:cNvPr>
@@ -6072,651 +6335,7 @@
           <p:cNvPr id="7" name="Grafik 6">
             <a:extLst>
               <a:ext uri="{FF2B5EF4-FFF2-40B4-BE49-F238E27FC236}">
-                <a16:creationId xmlns:a16="http://schemas.microsoft.com/office/drawing/2014/main" xmlns="" id="{C75C8862-9845-4296-9F2C-2F74796FA2DD}"/>
-              </a:ext>
-            </a:extLst>
-          </p:cNvPr>
-          <p:cNvPicPr>
-            <a:picLocks noChangeAspect="1"/>
-          </p:cNvPicPr>
-          <p:nvPr/>
-        </p:nvPicPr>
-        <p:blipFill>
-          <a:blip r:embed="rId4"/>
-          <a:stretch>
-            <a:fillRect/>
-          </a:stretch>
-        </p:blipFill>
-        <p:spPr>
-          <a:xfrm>
-            <a:off x="9418800" y="5768323"/>
-            <a:ext cx="2244600" cy="598300"/>
-          </a:xfrm>
-          <a:prstGeom prst="rect">
-            <a:avLst/>
-          </a:prstGeom>
-        </p:spPr>
-      </p:pic>
-      <p:sp>
-        <p:nvSpPr>
-          <p:cNvPr id="2" name="Textfeld 1"/>
-          <p:cNvSpPr txBox="1"/>
-          <p:nvPr/>
-        </p:nvSpPr>
-        <p:spPr>
-          <a:xfrm>
-            <a:off x="901874" y="1122363"/>
-            <a:ext cx="9294312" cy="6647974"/>
-          </a:xfrm>
-          <a:prstGeom prst="rect">
-            <a:avLst/>
-          </a:prstGeom>
-          <a:noFill/>
-        </p:spPr>
-        <p:txBody>
-          <a:bodyPr wrap="square" rtlCol="0">
-            <a:spAutoFit/>
-          </a:bodyPr>
-          <a:lstStyle/>
-          <a:p>
-            <a:r>
-              <a:rPr lang="de-DE" dirty="0" smtClean="0"/>
-              <a:t>Cloud Computing </a:t>
-            </a:r>
-          </a:p>
-          <a:p>
-            <a:r>
-              <a:rPr lang="de-DE" sz="3600" b="1" dirty="0" err="1" smtClean="0"/>
-              <a:t>Lessons</a:t>
-            </a:r>
-            <a:r>
-              <a:rPr lang="de-DE" sz="3600" b="1" dirty="0" smtClean="0"/>
-              <a:t> </a:t>
-            </a:r>
-            <a:r>
-              <a:rPr lang="de-DE" sz="3600" b="1" dirty="0" err="1" smtClean="0"/>
-              <a:t>Learned</a:t>
-            </a:r>
-            <a:r>
-              <a:rPr lang="de-DE" sz="3600" b="1" dirty="0" smtClean="0"/>
-              <a:t> </a:t>
-            </a:r>
-            <a:r>
-              <a:rPr lang="de-DE" sz="3600" b="1" dirty="0" err="1" smtClean="0"/>
-              <a:t>about</a:t>
-            </a:r>
-            <a:r>
-              <a:rPr lang="de-DE" sz="3600" b="1" dirty="0" smtClean="0"/>
-              <a:t> node.js </a:t>
-            </a:r>
-          </a:p>
-          <a:p>
-            <a:endParaRPr lang="de-DE" sz="1200" b="1" dirty="0"/>
-          </a:p>
-          <a:p>
-            <a:r>
-              <a:rPr lang="de-DE" dirty="0" smtClean="0"/>
-              <a:t> </a:t>
-            </a:r>
-          </a:p>
-          <a:p>
-            <a:r>
-              <a:rPr lang="de-DE" dirty="0" smtClean="0"/>
-              <a:t>	</a:t>
-            </a:r>
-            <a:r>
-              <a:rPr lang="de-DE" dirty="0" err="1" smtClean="0"/>
-              <a:t>helmet</a:t>
-            </a:r>
-            <a:r>
-              <a:rPr lang="de-DE" dirty="0" smtClean="0"/>
-              <a:t> </a:t>
-            </a:r>
-            <a:r>
-              <a:rPr lang="de-DE" dirty="0" err="1" smtClean="0"/>
-              <a:t>module</a:t>
-            </a:r>
-            <a:r>
-              <a:rPr lang="de-DE" dirty="0" smtClean="0"/>
-              <a:t> </a:t>
-            </a:r>
-            <a:r>
-              <a:rPr lang="de-DE" dirty="0" err="1" smtClean="0"/>
-              <a:t>make</a:t>
-            </a:r>
-            <a:r>
-              <a:rPr lang="de-DE" dirty="0" smtClean="0"/>
-              <a:t> </a:t>
-            </a:r>
-            <a:r>
-              <a:rPr lang="de-DE" dirty="0" err="1" smtClean="0"/>
-              <a:t>it</a:t>
-            </a:r>
-            <a:r>
-              <a:rPr lang="de-DE" dirty="0" smtClean="0"/>
-              <a:t> </a:t>
-            </a:r>
-            <a:r>
-              <a:rPr lang="de-DE" dirty="0" err="1" smtClean="0"/>
-              <a:t>very</a:t>
-            </a:r>
-            <a:r>
-              <a:rPr lang="de-DE" dirty="0" smtClean="0"/>
-              <a:t> easy </a:t>
-            </a:r>
-            <a:r>
-              <a:rPr lang="de-DE" dirty="0" err="1" smtClean="0"/>
-              <a:t>to</a:t>
-            </a:r>
-            <a:r>
-              <a:rPr lang="de-DE" dirty="0" smtClean="0"/>
-              <a:t> </a:t>
-            </a:r>
-            <a:r>
-              <a:rPr lang="de-DE" dirty="0" err="1" smtClean="0"/>
-              <a:t>ensure</a:t>
-            </a:r>
-            <a:r>
-              <a:rPr lang="de-DE" dirty="0" smtClean="0"/>
-              <a:t> </a:t>
-            </a:r>
-            <a:r>
-              <a:rPr lang="de-DE" dirty="0" err="1" smtClean="0"/>
-              <a:t>basic</a:t>
-            </a:r>
-            <a:r>
-              <a:rPr lang="de-DE" dirty="0" smtClean="0"/>
-              <a:t> </a:t>
-            </a:r>
-            <a:r>
-              <a:rPr lang="de-DE" dirty="0" err="1" smtClean="0"/>
-              <a:t>security</a:t>
-            </a:r>
-            <a:r>
-              <a:rPr lang="de-DE" dirty="0" smtClean="0"/>
-              <a:t> </a:t>
-            </a:r>
-            <a:r>
-              <a:rPr lang="de-DE" dirty="0" err="1" smtClean="0"/>
-              <a:t>set</a:t>
-            </a:r>
-            <a:r>
-              <a:rPr lang="de-DE" dirty="0" smtClean="0"/>
-              <a:t> </a:t>
-            </a:r>
-            <a:r>
-              <a:rPr lang="de-DE" dirty="0" err="1" smtClean="0"/>
-              <a:t>up</a:t>
-            </a:r>
-            <a:r>
-              <a:rPr lang="de-DE" dirty="0" smtClean="0"/>
-              <a:t> </a:t>
-            </a:r>
-            <a:r>
-              <a:rPr lang="de-DE" dirty="0" err="1" smtClean="0"/>
-              <a:t>for</a:t>
-            </a:r>
-            <a:r>
-              <a:rPr lang="de-DE" dirty="0" smtClean="0"/>
-              <a:t> </a:t>
-            </a:r>
-            <a:r>
-              <a:rPr lang="de-DE" dirty="0" err="1" smtClean="0"/>
-              <a:t>the</a:t>
-            </a:r>
-            <a:r>
-              <a:rPr lang="de-DE" dirty="0" smtClean="0"/>
-              <a:t> </a:t>
-            </a:r>
-            <a:r>
-              <a:rPr lang="de-DE" dirty="0" err="1" smtClean="0"/>
-              <a:t>server</a:t>
-            </a:r>
-            <a:endParaRPr lang="de-DE" dirty="0" smtClean="0"/>
-          </a:p>
-          <a:p>
-            <a:endParaRPr lang="de-DE" dirty="0"/>
-          </a:p>
-          <a:p>
-            <a:r>
-              <a:rPr lang="de-DE" dirty="0" smtClean="0"/>
-              <a:t>	</a:t>
-            </a:r>
-            <a:r>
-              <a:rPr lang="de-DE" dirty="0" err="1" smtClean="0"/>
-              <a:t>with</a:t>
-            </a:r>
-            <a:r>
-              <a:rPr lang="de-DE" dirty="0" smtClean="0"/>
-              <a:t> IBM </a:t>
-            </a:r>
-            <a:r>
-              <a:rPr lang="de-DE" dirty="0" err="1" smtClean="0"/>
-              <a:t>standard</a:t>
-            </a:r>
-            <a:r>
-              <a:rPr lang="de-DE" dirty="0" smtClean="0"/>
-              <a:t> </a:t>
-            </a:r>
-            <a:r>
-              <a:rPr lang="de-DE" dirty="0" err="1" smtClean="0"/>
-              <a:t>domain</a:t>
-            </a:r>
-            <a:r>
-              <a:rPr lang="de-DE" dirty="0" smtClean="0"/>
-              <a:t>, </a:t>
-            </a:r>
-            <a:r>
-              <a:rPr lang="de-DE" dirty="0" err="1" smtClean="0"/>
-              <a:t>tls</a:t>
-            </a:r>
-            <a:r>
-              <a:rPr lang="de-DE" dirty="0" smtClean="0"/>
-              <a:t> </a:t>
-            </a:r>
-            <a:r>
-              <a:rPr lang="de-DE" dirty="0" err="1" smtClean="0"/>
-              <a:t>protocol</a:t>
-            </a:r>
-            <a:r>
-              <a:rPr lang="de-DE" dirty="0" smtClean="0"/>
-              <a:t> </a:t>
-            </a:r>
-            <a:r>
-              <a:rPr lang="de-DE" dirty="0" err="1" smtClean="0"/>
-              <a:t>is</a:t>
-            </a:r>
-            <a:r>
-              <a:rPr lang="de-DE" dirty="0" smtClean="0"/>
-              <a:t> </a:t>
-            </a:r>
-            <a:r>
-              <a:rPr lang="de-DE" dirty="0" err="1" smtClean="0"/>
-              <a:t>provided</a:t>
-            </a:r>
-            <a:r>
-              <a:rPr lang="de-DE" dirty="0" smtClean="0"/>
-              <a:t> </a:t>
-            </a:r>
-            <a:r>
-              <a:rPr lang="de-DE" dirty="0" err="1" smtClean="0"/>
-              <a:t>automatically</a:t>
-            </a:r>
-            <a:r>
-              <a:rPr lang="de-DE" dirty="0" smtClean="0"/>
-              <a:t>, but </a:t>
-            </a:r>
-            <a:r>
-              <a:rPr lang="de-DE" dirty="0" err="1" smtClean="0"/>
-              <a:t>the</a:t>
-            </a:r>
-            <a:r>
-              <a:rPr lang="de-DE" dirty="0" smtClean="0"/>
-              <a:t> </a:t>
-            </a:r>
-            <a:r>
-              <a:rPr lang="de-DE" dirty="0" err="1" smtClean="0"/>
-              <a:t>case</a:t>
-            </a:r>
-            <a:r>
-              <a:rPr lang="de-DE" dirty="0" smtClean="0"/>
-              <a:t> </a:t>
-            </a:r>
-            <a:r>
-              <a:rPr lang="de-DE" dirty="0" err="1" smtClean="0"/>
-              <a:t>is</a:t>
-            </a:r>
-            <a:r>
-              <a:rPr lang="de-DE" dirty="0" smtClean="0"/>
-              <a:t> 	different </a:t>
-            </a:r>
-            <a:r>
-              <a:rPr lang="de-DE" dirty="0" err="1" smtClean="0"/>
-              <a:t>for</a:t>
-            </a:r>
-            <a:r>
-              <a:rPr lang="de-DE" dirty="0" smtClean="0"/>
-              <a:t> </a:t>
-            </a:r>
-            <a:r>
-              <a:rPr lang="de-DE" dirty="0" err="1" smtClean="0"/>
-              <a:t>custom</a:t>
-            </a:r>
-            <a:r>
-              <a:rPr lang="de-DE" dirty="0" smtClean="0"/>
-              <a:t> </a:t>
-            </a:r>
-            <a:r>
-              <a:rPr lang="de-DE" dirty="0" err="1" smtClean="0"/>
-              <a:t>domain</a:t>
-            </a:r>
-            <a:endParaRPr lang="de-DE" dirty="0" smtClean="0"/>
-          </a:p>
-          <a:p>
-            <a:endParaRPr lang="de-DE" dirty="0" smtClean="0"/>
-          </a:p>
-          <a:p>
-            <a:r>
-              <a:rPr lang="de-DE" dirty="0"/>
-              <a:t>	</a:t>
-            </a:r>
-            <a:endParaRPr lang="de-DE" dirty="0" smtClean="0"/>
-          </a:p>
-          <a:p>
-            <a:r>
-              <a:rPr lang="de-DE" dirty="0" smtClean="0"/>
-              <a:t>	</a:t>
-            </a:r>
-          </a:p>
-          <a:p>
-            <a:endParaRPr lang="de-DE" dirty="0"/>
-          </a:p>
-          <a:p>
-            <a:endParaRPr lang="de-DE" dirty="0" smtClean="0"/>
-          </a:p>
-          <a:p>
-            <a:endParaRPr lang="de-DE" sz="3600" b="1" dirty="0"/>
-          </a:p>
-          <a:p>
-            <a:endParaRPr lang="de-DE" sz="3600" b="1" dirty="0" smtClean="0"/>
-          </a:p>
-          <a:p>
-            <a:endParaRPr lang="de-DE" sz="3600" b="1" dirty="0"/>
-          </a:p>
-          <a:p>
-            <a:endParaRPr lang="de-DE" sz="3600" b="1" dirty="0" smtClean="0"/>
-          </a:p>
-          <a:p>
-            <a:endParaRPr lang="de-DE" sz="3600" b="1" dirty="0" smtClean="0"/>
-          </a:p>
-        </p:txBody>
-      </p:sp>
-      <p:pic>
-        <p:nvPicPr>
-          <p:cNvPr id="9" name="Grafik 8"/>
-          <p:cNvPicPr>
-            <a:picLocks noChangeAspect="1"/>
-          </p:cNvPicPr>
-          <p:nvPr/>
-        </p:nvPicPr>
-        <p:blipFill>
-          <a:blip r:embed="rId5" cstate="print">
-            <a:extLst>
-              <a:ext uri="{28A0092B-C50C-407E-A947-70E740481C1C}">
-                <a14:useLocalDpi xmlns:a14="http://schemas.microsoft.com/office/drawing/2010/main" val="0"/>
-              </a:ext>
-            </a:extLst>
-          </a:blip>
-          <a:stretch>
-            <a:fillRect/>
-          </a:stretch>
-        </p:blipFill>
-        <p:spPr>
-          <a:xfrm>
-            <a:off x="233868" y="235947"/>
-            <a:ext cx="629052" cy="576231"/>
-          </a:xfrm>
-          <a:prstGeom prst="rect">
-            <a:avLst/>
-          </a:prstGeom>
-        </p:spPr>
-      </p:pic>
-      <p:pic>
-        <p:nvPicPr>
-          <p:cNvPr id="10" name="Grafik 9"/>
-          <p:cNvPicPr>
-            <a:picLocks noChangeAspect="1"/>
-          </p:cNvPicPr>
-          <p:nvPr/>
-        </p:nvPicPr>
-        <p:blipFill>
-          <a:blip r:embed="rId6" cstate="print">
-            <a:extLst>
-              <a:ext uri="{28A0092B-C50C-407E-A947-70E740481C1C}">
-                <a14:useLocalDpi xmlns:a14="http://schemas.microsoft.com/office/drawing/2010/main" val="0"/>
-              </a:ext>
-            </a:extLst>
-          </a:blip>
-          <a:stretch>
-            <a:fillRect/>
-          </a:stretch>
-        </p:blipFill>
-        <p:spPr>
-          <a:xfrm>
-            <a:off x="1338909" y="2450434"/>
-            <a:ext cx="314526" cy="288116"/>
-          </a:xfrm>
-          <a:prstGeom prst="rect">
-            <a:avLst/>
-          </a:prstGeom>
-        </p:spPr>
-      </p:pic>
-      <p:pic>
-        <p:nvPicPr>
-          <p:cNvPr id="11" name="Grafik 10"/>
-          <p:cNvPicPr>
-            <a:picLocks noChangeAspect="1"/>
-          </p:cNvPicPr>
-          <p:nvPr/>
-        </p:nvPicPr>
-        <p:blipFill>
-          <a:blip r:embed="rId6" cstate="print">
-            <a:extLst>
-              <a:ext uri="{28A0092B-C50C-407E-A947-70E740481C1C}">
-                <a14:useLocalDpi xmlns:a14="http://schemas.microsoft.com/office/drawing/2010/main" val="0"/>
-              </a:ext>
-            </a:extLst>
-          </a:blip>
-          <a:stretch>
-            <a:fillRect/>
-          </a:stretch>
-        </p:blipFill>
-        <p:spPr>
-          <a:xfrm>
-            <a:off x="1369536" y="3055410"/>
-            <a:ext cx="314526" cy="288116"/>
-          </a:xfrm>
-          <a:prstGeom prst="rect">
-            <a:avLst/>
-          </a:prstGeom>
-        </p:spPr>
-      </p:pic>
-      <p:pic>
-        <p:nvPicPr>
-          <p:cNvPr id="12" name="Grafik 10"/>
-          <p:cNvPicPr>
-            <a:picLocks noChangeAspect="1"/>
-          </p:cNvPicPr>
-          <p:nvPr/>
-        </p:nvPicPr>
-        <p:blipFill>
-          <a:blip r:embed="rId6" cstate="print">
-            <a:extLst>
-              <a:ext uri="{28A0092B-C50C-407E-A947-70E740481C1C}">
-                <a14:useLocalDpi xmlns:a14="http://schemas.microsoft.com/office/drawing/2010/main" val="0"/>
-              </a:ext>
-            </a:extLst>
-          </a:blip>
-          <a:stretch>
-            <a:fillRect/>
-          </a:stretch>
-        </p:blipFill>
-        <p:spPr>
-          <a:xfrm>
-            <a:off x="1369536" y="3778505"/>
-            <a:ext cx="314526" cy="288116"/>
-          </a:xfrm>
-          <a:prstGeom prst="rect">
-            <a:avLst/>
-          </a:prstGeom>
-        </p:spPr>
-      </p:pic>
-    </p:spTree>
-    <p:extLst>
-      <p:ext uri="{BB962C8B-B14F-4D97-AF65-F5344CB8AC3E}">
-        <p14:creationId xmlns:p14="http://schemas.microsoft.com/office/powerpoint/2010/main" val="3504934838"/>
-      </p:ext>
-    </p:extLst>
-  </p:cSld>
-  <p:clrMapOvr>
-    <a:masterClrMapping/>
-  </p:clrMapOvr>
-  <p:timing>
-    <p:tnLst>
-      <p:par>
-        <p:cTn id="1" dur="indefinite" restart="never" nodeType="tmRoot"/>
-      </p:par>
-    </p:tnLst>
-  </p:timing>
-</p:sld>
-</file>
-
-<file path=ppt/slides/slide8.xml><?xml version="1.0" encoding="utf-8"?>
-<p:sld xmlns:a="http://schemas.openxmlformats.org/drawingml/2006/main" xmlns:r="http://schemas.openxmlformats.org/officeDocument/2006/relationships" xmlns:p="http://schemas.openxmlformats.org/presentationml/2006/main">
-  <p:cSld>
-    <p:spTree>
-      <p:nvGrpSpPr>
-        <p:cNvPr id="1" name=""/>
-        <p:cNvGrpSpPr/>
-        <p:nvPr/>
-      </p:nvGrpSpPr>
-      <p:grpSpPr>
-        <a:xfrm>
-          <a:off x="0" y="0"/>
-          <a:ext cx="0" cy="0"/>
-          <a:chOff x="0" y="0"/>
-          <a:chExt cx="0" cy="0"/>
-        </a:xfrm>
-      </p:grpSpPr>
-      <p:pic>
-        <p:nvPicPr>
-          <p:cNvPr id="8" name="Grafik 7">
-            <a:extLst>
-              <a:ext uri="{FF2B5EF4-FFF2-40B4-BE49-F238E27FC236}">
-                <a16:creationId xmlns:a16="http://schemas.microsoft.com/office/drawing/2014/main" xmlns="" id="{E7E2C6A5-D147-4C0D-AC4E-0B48C48BC4B8}"/>
-              </a:ext>
-            </a:extLst>
-          </p:cNvPr>
-          <p:cNvPicPr>
-            <a:picLocks noChangeAspect="1"/>
-          </p:cNvPicPr>
-          <p:nvPr/>
-        </p:nvPicPr>
-        <p:blipFill>
-          <a:blip r:embed="rId2"/>
-          <a:stretch>
-            <a:fillRect/>
-          </a:stretch>
-        </p:blipFill>
-        <p:spPr>
-          <a:xfrm>
-            <a:off x="0" y="6103029"/>
-            <a:ext cx="12192000" cy="505097"/>
-          </a:xfrm>
-          <a:prstGeom prst="rect">
-            <a:avLst/>
-          </a:prstGeom>
-        </p:spPr>
-      </p:pic>
-      <p:sp>
-        <p:nvSpPr>
-          <p:cNvPr id="4" name="Fußzeilenplatzhalter 3">
-            <a:extLst>
-              <a:ext uri="{FF2B5EF4-FFF2-40B4-BE49-F238E27FC236}">
-                <a16:creationId xmlns:a16="http://schemas.microsoft.com/office/drawing/2014/main" xmlns="" id="{EBEEBE32-E0F1-4769-9C78-BB3B31F5CA53}"/>
-              </a:ext>
-            </a:extLst>
-          </p:cNvPr>
-          <p:cNvSpPr>
-            <a:spLocks noGrp="1"/>
-          </p:cNvSpPr>
-          <p:nvPr>
-            <p:ph type="ftr" sz="quarter" idx="11"/>
-          </p:nvPr>
-        </p:nvSpPr>
-        <p:spPr>
-          <a:xfrm>
-            <a:off x="4038600" y="6514100"/>
-            <a:ext cx="4114800" cy="316706"/>
-          </a:xfrm>
-        </p:spPr>
-        <p:txBody>
-          <a:bodyPr/>
-          <a:lstStyle/>
-          <a:p>
-            <a:r>
-              <a:rPr lang="en-US" smtClean="0"/>
-              <a:t>Hannah Haist | Trang Le Hong | Felix Schoch</a:t>
-            </a:r>
-            <a:endParaRPr lang="de-DE" dirty="0"/>
-          </a:p>
-        </p:txBody>
-      </p:sp>
-      <p:sp>
-        <p:nvSpPr>
-          <p:cNvPr id="5" name="Foliennummernplatzhalter 4">
-            <a:extLst>
-              <a:ext uri="{FF2B5EF4-FFF2-40B4-BE49-F238E27FC236}">
-                <a16:creationId xmlns:a16="http://schemas.microsoft.com/office/drawing/2014/main" xmlns="" id="{FF774BF5-4681-422B-BB2E-A8C81B9F3BB8}"/>
-              </a:ext>
-            </a:extLst>
-          </p:cNvPr>
-          <p:cNvSpPr>
-            <a:spLocks noGrp="1"/>
-          </p:cNvSpPr>
-          <p:nvPr>
-            <p:ph type="sldNum" sz="quarter" idx="12"/>
-          </p:nvPr>
-        </p:nvSpPr>
-        <p:spPr/>
-        <p:txBody>
-          <a:bodyPr/>
-          <a:lstStyle/>
-          <a:p>
-            <a:fld id="{84940753-34CA-4D56-AA4B-98285DECA8F8}" type="slidenum">
-              <a:rPr lang="de-DE" smtClean="0"/>
-              <a:t>8</a:t>
-            </a:fld>
-            <a:endParaRPr lang="de-DE"/>
-          </a:p>
-        </p:txBody>
-      </p:sp>
-      <p:pic>
-        <p:nvPicPr>
-          <p:cNvPr id="6" name="Grafik 5">
-            <a:extLst>
-              <a:ext uri="{FF2B5EF4-FFF2-40B4-BE49-F238E27FC236}">
-                <a16:creationId xmlns:a16="http://schemas.microsoft.com/office/drawing/2014/main" xmlns="" id="{BCAFA80E-26BB-4A40-86DD-C77151BB2E2B}"/>
-              </a:ext>
-            </a:extLst>
-          </p:cNvPr>
-          <p:cNvPicPr>
-            <a:picLocks noChangeAspect="1"/>
-          </p:cNvPicPr>
-          <p:nvPr/>
-        </p:nvPicPr>
-        <p:blipFill>
-          <a:blip r:embed="rId3"/>
-          <a:stretch>
-            <a:fillRect/>
-          </a:stretch>
-        </p:blipFill>
-        <p:spPr>
-          <a:xfrm>
-            <a:off x="9418800" y="524063"/>
-            <a:ext cx="1935000" cy="598300"/>
-          </a:xfrm>
-          <a:prstGeom prst="rect">
-            <a:avLst/>
-          </a:prstGeom>
-        </p:spPr>
-      </p:pic>
-      <p:pic>
-        <p:nvPicPr>
-          <p:cNvPr id="7" name="Grafik 6">
-            <a:extLst>
-              <a:ext uri="{FF2B5EF4-FFF2-40B4-BE49-F238E27FC236}">
-                <a16:creationId xmlns:a16="http://schemas.microsoft.com/office/drawing/2014/main" xmlns="" id="{C75C8862-9845-4296-9F2C-2F74796FA2DD}"/>
+                <a16:creationId xmlns="" xmlns:a16="http://schemas.microsoft.com/office/drawing/2014/main" id="{C75C8862-9845-4296-9F2C-2F74796FA2DD}"/>
               </a:ext>
             </a:extLst>
           </p:cNvPr>
@@ -7166,7 +6785,7 @@
   <a:extraClrSchemeLst/>
   <a:extLst>
     <a:ext uri="{05A4C25C-085E-4340-85A3-A5531E510DB2}">
-      <thm15:themeFamily xmlns:thm15="http://schemas.microsoft.com/office/thememl/2012/main" xmlns="" name="Office Theme" id="{62F939B6-93AF-4DB8-9C6B-D6C7DFDC589F}" vid="{4A3C46E8-61CC-4603-A589-7422A47A8E4A}"/>
+      <thm15:themeFamily xmlns="" xmlns:thm15="http://schemas.microsoft.com/office/thememl/2012/main" name="Office Theme" id="{62F939B6-93AF-4DB8-9C6B-D6C7DFDC589F}" vid="{4A3C46E8-61CC-4603-A589-7422A47A8E4A}"/>
     </a:ext>
   </a:extLst>
 </a:theme>
@@ -7461,7 +7080,7 @@
   <a:extraClrSchemeLst/>
   <a:extLst>
     <a:ext uri="{05A4C25C-085E-4340-85A3-A5531E510DB2}">
-      <thm15:themeFamily xmlns:thm15="http://schemas.microsoft.com/office/thememl/2012/main" xmlns="" name="Office Theme" id="{62F939B6-93AF-4DB8-9C6B-D6C7DFDC589F}" vid="{4A3C46E8-61CC-4603-A589-7422A47A8E4A}"/>
+      <thm15:themeFamily xmlns="" xmlns:thm15="http://schemas.microsoft.com/office/thememl/2012/main" name="Office Theme" id="{62F939B6-93AF-4DB8-9C6B-D6C7DFDC589F}" vid="{4A3C46E8-61CC-4603-A589-7422A47A8E4A}"/>
     </a:ext>
   </a:extLst>
 </a:theme>
